--- a/Final Year Project.pptx
+++ b/Final Year Project.pptx
@@ -10,10 +10,15 @@
     <p:sldId id="258" r:id="rId7"/>
     <p:sldId id="260" r:id="rId8"/>
     <p:sldId id="259" r:id="rId9"/>
-    <p:sldId id="261" r:id="rId10"/>
-    <p:sldId id="262" r:id="rId11"/>
-    <p:sldId id="263" r:id="rId12"/>
-    <p:sldId id="264" r:id="rId13"/>
+    <p:sldId id="268" r:id="rId10"/>
+    <p:sldId id="269" r:id="rId11"/>
+    <p:sldId id="265" r:id="rId12"/>
+    <p:sldId id="266" r:id="rId13"/>
+    <p:sldId id="267" r:id="rId14"/>
+    <p:sldId id="264" r:id="rId15"/>
+    <p:sldId id="261" r:id="rId16"/>
+    <p:sldId id="262" r:id="rId17"/>
+    <p:sldId id="263" r:id="rId18"/>
   </p:sldIdLst>
   <p:sldSz cx="12192000" cy="6858000"/>
   <p:notesSz cx="6858000" cy="9144000"/>
@@ -112,6 +117,11 @@
       </a:defRPr>
     </a:lvl9pPr>
   </p:defaultTextStyle>
+  <p:extLst>
+    <p:ext uri="{EFAFB233-063F-42B5-8137-9DF3F51BA10A}">
+      <p15:sldGuideLst xmlns:p15="http://schemas.microsoft.com/office/powerpoint/2012/main"/>
+    </p:ext>
+  </p:extLst>
 </p:presentation>
 </file>
 
@@ -264,7 +274,7 @@
           <a:p>
             <a:fld id="{ECF25FAD-21CC-40F3-9C11-7CE4B3626F1B}" type="datetimeFigureOut">
               <a:rPr lang="en-GB" smtClean="0"/>
-              <a:t>16/03/2022</a:t>
+              <a:t>23/03/2022</a:t>
             </a:fld>
             <a:endParaRPr lang="en-GB"/>
           </a:p>
@@ -464,7 +474,7 @@
           <a:p>
             <a:fld id="{ECF25FAD-21CC-40F3-9C11-7CE4B3626F1B}" type="datetimeFigureOut">
               <a:rPr lang="en-GB" smtClean="0"/>
-              <a:t>16/03/2022</a:t>
+              <a:t>23/03/2022</a:t>
             </a:fld>
             <a:endParaRPr lang="en-GB"/>
           </a:p>
@@ -674,7 +684,7 @@
           <a:p>
             <a:fld id="{ECF25FAD-21CC-40F3-9C11-7CE4B3626F1B}" type="datetimeFigureOut">
               <a:rPr lang="en-GB" smtClean="0"/>
-              <a:t>16/03/2022</a:t>
+              <a:t>23/03/2022</a:t>
             </a:fld>
             <a:endParaRPr lang="en-GB"/>
           </a:p>
@@ -874,7 +884,7 @@
           <a:p>
             <a:fld id="{ECF25FAD-21CC-40F3-9C11-7CE4B3626F1B}" type="datetimeFigureOut">
               <a:rPr lang="en-GB" smtClean="0"/>
-              <a:t>16/03/2022</a:t>
+              <a:t>23/03/2022</a:t>
             </a:fld>
             <a:endParaRPr lang="en-GB"/>
           </a:p>
@@ -1150,7 +1160,7 @@
           <a:p>
             <a:fld id="{ECF25FAD-21CC-40F3-9C11-7CE4B3626F1B}" type="datetimeFigureOut">
               <a:rPr lang="en-GB" smtClean="0"/>
-              <a:t>16/03/2022</a:t>
+              <a:t>23/03/2022</a:t>
             </a:fld>
             <a:endParaRPr lang="en-GB"/>
           </a:p>
@@ -1418,7 +1428,7 @@
           <a:p>
             <a:fld id="{ECF25FAD-21CC-40F3-9C11-7CE4B3626F1B}" type="datetimeFigureOut">
               <a:rPr lang="en-GB" smtClean="0"/>
-              <a:t>16/03/2022</a:t>
+              <a:t>23/03/2022</a:t>
             </a:fld>
             <a:endParaRPr lang="en-GB"/>
           </a:p>
@@ -1833,7 +1843,7 @@
           <a:p>
             <a:fld id="{ECF25FAD-21CC-40F3-9C11-7CE4B3626F1B}" type="datetimeFigureOut">
               <a:rPr lang="en-GB" smtClean="0"/>
-              <a:t>16/03/2022</a:t>
+              <a:t>23/03/2022</a:t>
             </a:fld>
             <a:endParaRPr lang="en-GB"/>
           </a:p>
@@ -1975,7 +1985,7 @@
           <a:p>
             <a:fld id="{ECF25FAD-21CC-40F3-9C11-7CE4B3626F1B}" type="datetimeFigureOut">
               <a:rPr lang="en-GB" smtClean="0"/>
-              <a:t>16/03/2022</a:t>
+              <a:t>23/03/2022</a:t>
             </a:fld>
             <a:endParaRPr lang="en-GB"/>
           </a:p>
@@ -2088,7 +2098,7 @@
           <a:p>
             <a:fld id="{ECF25FAD-21CC-40F3-9C11-7CE4B3626F1B}" type="datetimeFigureOut">
               <a:rPr lang="en-GB" smtClean="0"/>
-              <a:t>16/03/2022</a:t>
+              <a:t>23/03/2022</a:t>
             </a:fld>
             <a:endParaRPr lang="en-GB"/>
           </a:p>
@@ -2401,7 +2411,7 @@
           <a:p>
             <a:fld id="{ECF25FAD-21CC-40F3-9C11-7CE4B3626F1B}" type="datetimeFigureOut">
               <a:rPr lang="en-GB" smtClean="0"/>
-              <a:t>16/03/2022</a:t>
+              <a:t>23/03/2022</a:t>
             </a:fld>
             <a:endParaRPr lang="en-GB"/>
           </a:p>
@@ -2690,7 +2700,7 @@
           <a:p>
             <a:fld id="{ECF25FAD-21CC-40F3-9C11-7CE4B3626F1B}" type="datetimeFigureOut">
               <a:rPr lang="en-GB" smtClean="0"/>
-              <a:t>16/03/2022</a:t>
+              <a:t>23/03/2022</a:t>
             </a:fld>
             <a:endParaRPr lang="en-GB"/>
           </a:p>
@@ -2933,7 +2943,7 @@
           <a:p>
             <a:fld id="{ECF25FAD-21CC-40F3-9C11-7CE4B3626F1B}" type="datetimeFigureOut">
               <a:rPr lang="en-GB" smtClean="0"/>
-              <a:t>16/03/2022</a:t>
+              <a:t>23/03/2022</a:t>
             </a:fld>
             <a:endParaRPr lang="en-GB"/>
           </a:p>
@@ -3336,6 +3346,14 @@
 <file path=ppt/slides/slide1.xml><?xml version="1.0" encoding="utf-8"?>
 <p:sld xmlns:a="http://schemas.openxmlformats.org/drawingml/2006/main" xmlns:r="http://schemas.openxmlformats.org/officeDocument/2006/relationships" xmlns:p="http://schemas.openxmlformats.org/presentationml/2006/main">
   <p:cSld>
+    <p:bg>
+      <p:bgPr>
+        <a:solidFill>
+          <a:schemeClr val="bg1"/>
+        </a:solidFill>
+        <a:effectLst/>
+      </p:bgPr>
+    </p:bg>
     <p:spTree>
       <p:nvGrpSpPr>
         <p:cNvPr id="1" name=""/>
@@ -3350,6 +3368,177 @@
           <a:chExt cx="0" cy="0"/>
         </a:xfrm>
       </p:grpSpPr>
+      <p:pic>
+        <p:nvPicPr>
+          <p:cNvPr id="13" name="Picture 4" descr="Stones balancing on a wood">
+            <a:extLst>
+              <a:ext uri="{FF2B5EF4-FFF2-40B4-BE49-F238E27FC236}">
+                <a16:creationId xmlns:a16="http://schemas.microsoft.com/office/drawing/2014/main" id="{8925CB03-DFF4-19FE-0EC4-A77D3F8A5D0D}"/>
+              </a:ext>
+            </a:extLst>
+          </p:cNvPr>
+          <p:cNvPicPr>
+            <a:picLocks noChangeAspect="1"/>
+          </p:cNvPicPr>
+          <p:nvPr/>
+        </p:nvPicPr>
+        <p:blipFill rotWithShape="1">
+          <a:blip r:embed="rId2"/>
+          <a:srcRect t="6639"/>
+          <a:stretch/>
+        </p:blipFill>
+        <p:spPr>
+          <a:xfrm>
+            <a:off x="20" y="10"/>
+            <a:ext cx="12191980" cy="6857990"/>
+          </a:xfrm>
+          <a:prstGeom prst="rect">
+            <a:avLst/>
+          </a:prstGeom>
+        </p:spPr>
+      </p:pic>
+      <p:sp>
+        <p:nvSpPr>
+          <p:cNvPr id="14" name="Freeform 5">
+            <a:extLst>
+              <a:ext uri="{FF2B5EF4-FFF2-40B4-BE49-F238E27FC236}">
+                <a16:creationId xmlns:a16="http://schemas.microsoft.com/office/drawing/2014/main" id="{87CC2527-562A-4F69-B487-4371E5B243E7}"/>
+              </a:ext>
+              <a:ext uri="{C183D7F6-B498-43B3-948B-1728B52AA6E4}">
+                <adec:decorative xmlns:adec="http://schemas.microsoft.com/office/drawing/2017/decorative" val="1"/>
+              </a:ext>
+            </a:extLst>
+          </p:cNvPr>
+          <p:cNvSpPr>
+            <a:spLocks noGrp="1" noRot="1" noChangeAspect="1" noMove="1" noResize="1" noEditPoints="1" noAdjustHandles="1" noChangeArrowheads="1" noChangeShapeType="1" noTextEdit="1"/>
+          </p:cNvSpPr>
+          <p:nvPr>
+            <p:extLst>
+              <p:ext uri="{386F3935-93C4-4BCD-93E2-E3B085C9AB24}">
+                <p16:designElem xmlns:p16="http://schemas.microsoft.com/office/powerpoint/2015/main" val="1"/>
+              </p:ext>
+            </p:extLst>
+          </p:nvPr>
+        </p:nvSpPr>
+        <p:spPr bwMode="grayWhite">
+          <a:xfrm>
+            <a:off x="7488621" y="2277613"/>
+            <a:ext cx="4703379" cy="4580387"/>
+          </a:xfrm>
+          <a:custGeom>
+            <a:avLst/>
+            <a:gdLst>
+              <a:gd name="T0" fmla="*/ 1333 w 1333"/>
+              <a:gd name="T1" fmla="*/ 1031 h 1298"/>
+              <a:gd name="T2" fmla="*/ 1333 w 1333"/>
+              <a:gd name="T3" fmla="*/ 380 h 1298"/>
+              <a:gd name="T4" fmla="*/ 706 w 1333"/>
+              <a:gd name="T5" fmla="*/ 0 h 1298"/>
+              <a:gd name="T6" fmla="*/ 0 w 1333"/>
+              <a:gd name="T7" fmla="*/ 706 h 1298"/>
+              <a:gd name="T8" fmla="*/ 323 w 1333"/>
+              <a:gd name="T9" fmla="*/ 1298 h 1298"/>
+              <a:gd name="T10" fmla="*/ 1090 w 1333"/>
+              <a:gd name="T11" fmla="*/ 1298 h 1298"/>
+              <a:gd name="T12" fmla="*/ 1333 w 1333"/>
+              <a:gd name="T13" fmla="*/ 1031 h 1298"/>
+            </a:gdLst>
+            <a:ahLst/>
+            <a:cxnLst>
+              <a:cxn ang="0">
+                <a:pos x="T0" y="T1"/>
+              </a:cxn>
+              <a:cxn ang="0">
+                <a:pos x="T2" y="T3"/>
+              </a:cxn>
+              <a:cxn ang="0">
+                <a:pos x="T4" y="T5"/>
+              </a:cxn>
+              <a:cxn ang="0">
+                <a:pos x="T6" y="T7"/>
+              </a:cxn>
+              <a:cxn ang="0">
+                <a:pos x="T8" y="T9"/>
+              </a:cxn>
+              <a:cxn ang="0">
+                <a:pos x="T10" y="T11"/>
+              </a:cxn>
+              <a:cxn ang="0">
+                <a:pos x="T12" y="T13"/>
+              </a:cxn>
+            </a:cxnLst>
+            <a:rect l="0" t="0" r="r" b="b"/>
+            <a:pathLst>
+              <a:path w="1333" h="1298">
+                <a:moveTo>
+                  <a:pt x="1333" y="1031"/>
+                </a:moveTo>
+                <a:cubicBezTo>
+                  <a:pt x="1333" y="380"/>
+                  <a:pt x="1333" y="380"/>
+                  <a:pt x="1333" y="380"/>
+                </a:cubicBezTo>
+                <a:cubicBezTo>
+                  <a:pt x="1215" y="154"/>
+                  <a:pt x="979" y="0"/>
+                  <a:pt x="706" y="0"/>
+                </a:cubicBezTo>
+                <a:cubicBezTo>
+                  <a:pt x="317" y="0"/>
+                  <a:pt x="0" y="316"/>
+                  <a:pt x="0" y="706"/>
+                </a:cubicBezTo>
+                <a:cubicBezTo>
+                  <a:pt x="0" y="954"/>
+                  <a:pt x="129" y="1172"/>
+                  <a:pt x="323" y="1298"/>
+                </a:cubicBezTo>
+                <a:cubicBezTo>
+                  <a:pt x="1090" y="1298"/>
+                  <a:pt x="1090" y="1298"/>
+                  <a:pt x="1090" y="1298"/>
+                </a:cubicBezTo>
+                <a:cubicBezTo>
+                  <a:pt x="1193" y="1232"/>
+                  <a:pt x="1276" y="1140"/>
+                  <a:pt x="1333" y="1031"/>
+                </a:cubicBezTo>
+                <a:close/>
+              </a:path>
+            </a:pathLst>
+          </a:custGeom>
+          <a:solidFill>
+            <a:schemeClr val="bg1">
+              <a:alpha val="70000"/>
+            </a:schemeClr>
+          </a:solidFill>
+          <a:ln w="50800" cap="sq" cmpd="dbl">
+            <a:noFill/>
+            <a:miter lim="800000"/>
+          </a:ln>
+          <a:effectLst/>
+        </p:spPr>
+        <p:txBody>
+          <a:bodyPr vert="horz" lIns="91440" tIns="45720" rIns="91440" bIns="45720" rtlCol="0" anchor="t">
+            <a:normAutofit/>
+          </a:bodyPr>
+          <a:lstStyle/>
+          <a:p>
+            <a:pPr algn="ctr">
+              <a:spcAft>
+                <a:spcPts val="1000"/>
+              </a:spcAft>
+              <a:buClr>
+                <a:schemeClr val="tx1"/>
+              </a:buClr>
+              <a:buSzPct val="100000"/>
+              <a:buFont typeface="Arial"/>
+              <a:buNone/>
+            </a:pPr>
+            <a:endParaRPr lang="en-US" sz="1600" cap="all"/>
+          </a:p>
+        </p:txBody>
+      </p:sp>
       <p:sp>
         <p:nvSpPr>
           <p:cNvPr id="2" name="Title 1">
@@ -3366,15 +3555,20 @@
             <p:ph type="ctrTitle"/>
           </p:nvPr>
         </p:nvSpPr>
-        <p:spPr/>
+        <p:spPr>
+          <a:xfrm>
+            <a:off x="8022021" y="3231931"/>
+            <a:ext cx="3852041" cy="1834056"/>
+          </a:xfrm>
+        </p:spPr>
         <p:txBody>
           <a:bodyPr>
-            <a:normAutofit fontScale="90000"/>
+            <a:normAutofit/>
           </a:bodyPr>
           <a:lstStyle/>
           <a:p>
             <a:r>
-              <a:rPr lang="en-GB" dirty="0"/>
+              <a:rPr lang="en-GB" sz="3400" dirty="0"/>
               <a:t>Final Year Project : Studying the effects of vision on balance</a:t>
             </a:r>
           </a:p>
@@ -3396,19 +3590,772 @@
             <p:ph type="subTitle" idx="1"/>
           </p:nvPr>
         </p:nvSpPr>
-        <p:spPr/>
-        <p:txBody>
-          <a:bodyPr/>
-          <a:lstStyle/>
-          <a:p>
-            <a:endParaRPr lang="en-GB" dirty="0"/>
-          </a:p>
-        </p:txBody>
-      </p:sp>
+        <p:spPr>
+          <a:xfrm>
+            <a:off x="7782910" y="5242675"/>
+            <a:ext cx="4330262" cy="683284"/>
+          </a:xfrm>
+        </p:spPr>
+        <p:txBody>
+          <a:bodyPr>
+            <a:normAutofit/>
+          </a:bodyPr>
+          <a:lstStyle/>
+          <a:p>
+            <a:endParaRPr lang="en-GB" sz="2000"/>
+          </a:p>
+        </p:txBody>
+      </p:sp>
+      <p:cxnSp>
+        <p:nvCxnSpPr>
+          <p:cNvPr id="15" name="Straight Connector 10">
+            <a:extLst>
+              <a:ext uri="{FF2B5EF4-FFF2-40B4-BE49-F238E27FC236}">
+                <a16:creationId xmlns:a16="http://schemas.microsoft.com/office/drawing/2014/main" id="{BCDAEC91-5BCE-4B55-9CC0-43EF94CB734B}"/>
+              </a:ext>
+              <a:ext uri="{C183D7F6-B498-43B3-948B-1728B52AA6E4}">
+                <adec:decorative xmlns:adec="http://schemas.microsoft.com/office/drawing/2017/decorative" val="1"/>
+              </a:ext>
+            </a:extLst>
+          </p:cNvPr>
+          <p:cNvCxnSpPr>
+            <a:cxnSpLocks noGrp="1" noRot="1" noChangeAspect="1" noMove="1" noResize="1" noEditPoints="1" noAdjustHandles="1" noChangeArrowheads="1" noChangeShapeType="1"/>
+          </p:cNvCxnSpPr>
+          <p:nvPr>
+            <p:extLst>
+              <p:ext uri="{386F3935-93C4-4BCD-93E2-E3B085C9AB24}">
+                <p16:designElem xmlns:p16="http://schemas.microsoft.com/office/powerpoint/2015/main" val="1"/>
+              </p:ext>
+            </p:extLst>
+          </p:nvPr>
+        </p:nvCxnSpPr>
+        <p:spPr>
+          <a:xfrm>
+            <a:off x="9480331" y="5123793"/>
+            <a:ext cx="935420" cy="0"/>
+          </a:xfrm>
+          <a:prstGeom prst="line">
+            <a:avLst/>
+          </a:prstGeom>
+          <a:ln w="25400" cap="sq">
+            <a:solidFill>
+              <a:schemeClr val="tx1">
+                <a:lumMod val="85000"/>
+                <a:lumOff val="15000"/>
+              </a:schemeClr>
+            </a:solidFill>
+            <a:bevel/>
+          </a:ln>
+        </p:spPr>
+        <p:style>
+          <a:lnRef idx="1">
+            <a:schemeClr val="accent1"/>
+          </a:lnRef>
+          <a:fillRef idx="0">
+            <a:schemeClr val="accent1"/>
+          </a:fillRef>
+          <a:effectRef idx="0">
+            <a:schemeClr val="accent1"/>
+          </a:effectRef>
+          <a:fontRef idx="minor">
+            <a:schemeClr val="tx1"/>
+          </a:fontRef>
+        </p:style>
+      </p:cxnSp>
     </p:spTree>
     <p:extLst>
       <p:ext uri="{BB962C8B-B14F-4D97-AF65-F5344CB8AC3E}">
         <p14:creationId xmlns:p14="http://schemas.microsoft.com/office/powerpoint/2010/main" val="1117126222"/>
+      </p:ext>
+    </p:extLst>
+  </p:cSld>
+  <p:clrMapOvr>
+    <a:masterClrMapping/>
+  </p:clrMapOvr>
+  <p:timing>
+    <p:tnLst>
+      <p:par>
+        <p:cTn id="1" dur="indefinite" restart="never" nodeType="tmRoot">
+          <p:childTnLst>
+            <p:seq concurrent="1" nextAc="seek">
+              <p:cTn id="2" dur="indefinite" nodeType="mainSeq">
+                <p:childTnLst>
+                  <p:par>
+                    <p:cTn id="3" fill="hold">
+                      <p:stCondLst>
+                        <p:cond delay="indefinite"/>
+                        <p:cond evt="onBegin" delay="0">
+                          <p:tn val="2"/>
+                        </p:cond>
+                      </p:stCondLst>
+                      <p:childTnLst>
+                        <p:par>
+                          <p:cTn id="4" fill="hold">
+                            <p:stCondLst>
+                              <p:cond delay="0"/>
+                            </p:stCondLst>
+                            <p:childTnLst>
+                              <p:par>
+                                <p:cTn id="5" presetID="10" presetClass="entr" presetSubtype="0" fill="hold" grpId="0" nodeType="withEffect">
+                                  <p:stCondLst>
+                                    <p:cond delay="1000"/>
+                                  </p:stCondLst>
+                                  <p:iterate type="lt">
+                                    <p:tmPct val="10000"/>
+                                  </p:iterate>
+                                  <p:childTnLst>
+                                    <p:set>
+                                      <p:cBhvr>
+                                        <p:cTn id="6" dur="1" fill="hold">
+                                          <p:stCondLst>
+                                            <p:cond delay="0"/>
+                                          </p:stCondLst>
+                                        </p:cTn>
+                                        <p:tgtEl>
+                                          <p:spTgt spid="2"/>
+                                        </p:tgtEl>
+                                        <p:attrNameLst>
+                                          <p:attrName>style.visibility</p:attrName>
+                                        </p:attrNameLst>
+                                      </p:cBhvr>
+                                      <p:to>
+                                        <p:strVal val="visible"/>
+                                      </p:to>
+                                    </p:set>
+                                    <p:animEffect transition="in" filter="fade">
+                                      <p:cBhvr>
+                                        <p:cTn id="7" dur="400"/>
+                                        <p:tgtEl>
+                                          <p:spTgt spid="2"/>
+                                        </p:tgtEl>
+                                      </p:cBhvr>
+                                    </p:animEffect>
+                                  </p:childTnLst>
+                                </p:cTn>
+                              </p:par>
+                            </p:childTnLst>
+                          </p:cTn>
+                        </p:par>
+                      </p:childTnLst>
+                    </p:cTn>
+                  </p:par>
+                </p:childTnLst>
+              </p:cTn>
+              <p:prevCondLst>
+                <p:cond evt="onPrev" delay="0">
+                  <p:tgtEl>
+                    <p:sldTgt/>
+                  </p:tgtEl>
+                </p:cond>
+              </p:prevCondLst>
+              <p:nextCondLst>
+                <p:cond evt="onNext" delay="0">
+                  <p:tgtEl>
+                    <p:sldTgt/>
+                  </p:tgtEl>
+                </p:cond>
+              </p:nextCondLst>
+            </p:seq>
+          </p:childTnLst>
+        </p:cTn>
+      </p:par>
+    </p:tnLst>
+    <p:bldLst>
+      <p:bldP spid="2" grpId="0"/>
+    </p:bldLst>
+  </p:timing>
+</p:sld>
+</file>
+
+<file path=ppt/slides/slide10.xml><?xml version="1.0" encoding="utf-8"?>
+<p:sld xmlns:a="http://schemas.openxmlformats.org/drawingml/2006/main" xmlns:r="http://schemas.openxmlformats.org/officeDocument/2006/relationships" xmlns:p="http://schemas.openxmlformats.org/presentationml/2006/main">
+  <p:cSld>
+    <p:spTree>
+      <p:nvGrpSpPr>
+        <p:cNvPr id="1" name=""/>
+        <p:cNvGrpSpPr/>
+        <p:nvPr/>
+      </p:nvGrpSpPr>
+      <p:grpSpPr>
+        <a:xfrm>
+          <a:off x="0" y="0"/>
+          <a:ext cx="0" cy="0"/>
+          <a:chOff x="0" y="0"/>
+          <a:chExt cx="0" cy="0"/>
+        </a:xfrm>
+      </p:grpSpPr>
+      <p:sp>
+        <p:nvSpPr>
+          <p:cNvPr id="4" name="Title 1">
+            <a:extLst>
+              <a:ext uri="{FF2B5EF4-FFF2-40B4-BE49-F238E27FC236}">
+                <a16:creationId xmlns:a16="http://schemas.microsoft.com/office/drawing/2014/main" id="{2FE32FCC-C01C-4D58-A6EF-2C4493A62B69}"/>
+              </a:ext>
+            </a:extLst>
+          </p:cNvPr>
+          <p:cNvSpPr>
+            <a:spLocks noGrp="1"/>
+          </p:cNvSpPr>
+          <p:nvPr>
+            <p:ph type="title"/>
+          </p:nvPr>
+        </p:nvSpPr>
+        <p:spPr>
+          <a:xfrm>
+            <a:off x="838200" y="365125"/>
+            <a:ext cx="10515600" cy="1325563"/>
+          </a:xfrm>
+        </p:spPr>
+        <p:txBody>
+          <a:bodyPr/>
+          <a:lstStyle/>
+          <a:p>
+            <a:r>
+              <a:rPr lang="en-GB" dirty="0"/>
+              <a:t>Various Approaches to the Sway Problem</a:t>
+            </a:r>
+          </a:p>
+        </p:txBody>
+      </p:sp>
+      <p:sp>
+        <p:nvSpPr>
+          <p:cNvPr id="5" name="TextBox 4">
+            <a:extLst>
+              <a:ext uri="{FF2B5EF4-FFF2-40B4-BE49-F238E27FC236}">
+                <a16:creationId xmlns:a16="http://schemas.microsoft.com/office/drawing/2014/main" id="{86B8A35A-9DF7-43C3-86C9-03D8EF3D3448}"/>
+              </a:ext>
+            </a:extLst>
+          </p:cNvPr>
+          <p:cNvSpPr txBox="1"/>
+          <p:nvPr/>
+        </p:nvSpPr>
+        <p:spPr>
+          <a:xfrm>
+            <a:off x="838200" y="1690688"/>
+            <a:ext cx="10515600" cy="3416320"/>
+          </a:xfrm>
+          <a:prstGeom prst="rect">
+            <a:avLst/>
+          </a:prstGeom>
+          <a:noFill/>
+        </p:spPr>
+        <p:txBody>
+          <a:bodyPr wrap="square" rtlCol="0">
+            <a:spAutoFit/>
+          </a:bodyPr>
+          <a:lstStyle/>
+          <a:p>
+            <a:r>
+              <a:rPr lang="en-GB" dirty="0"/>
+              <a:t>2 parts:</a:t>
+            </a:r>
+          </a:p>
+          <a:p>
+            <a:r>
+              <a:rPr lang="en-GB" dirty="0"/>
+              <a:t>Rotation</a:t>
+            </a:r>
+          </a:p>
+          <a:p>
+            <a:pPr marL="285750" indent="-285750">
+              <a:buFont typeface="Arial" panose="020B0604020202020204" pitchFamily="34" charset="0"/>
+              <a:buChar char="•"/>
+            </a:pPr>
+            <a:r>
+              <a:rPr lang="en-GB" dirty="0"/>
+              <a:t>Get change in orientation of real – world input </a:t>
+            </a:r>
+          </a:p>
+          <a:p>
+            <a:pPr marL="285750" indent="-285750">
+              <a:buFont typeface="Arial" panose="020B0604020202020204" pitchFamily="34" charset="0"/>
+              <a:buChar char="•"/>
+            </a:pPr>
+            <a:r>
+              <a:rPr lang="en-GB" dirty="0"/>
+              <a:t>Apply sensitivity</a:t>
+            </a:r>
+          </a:p>
+          <a:p>
+            <a:pPr marL="285750" indent="-285750">
+              <a:buFont typeface="Arial" panose="020B0604020202020204" pitchFamily="34" charset="0"/>
+              <a:buChar char="•"/>
+            </a:pPr>
+            <a:r>
+              <a:rPr lang="en-GB" dirty="0"/>
+              <a:t>Apply to Simulated camera’s previous rotation</a:t>
+            </a:r>
+          </a:p>
+          <a:p>
+            <a:pPr marL="285750" indent="-285750">
+              <a:buFont typeface="Arial" panose="020B0604020202020204" pitchFamily="34" charset="0"/>
+              <a:buChar char="•"/>
+            </a:pPr>
+            <a:endParaRPr lang="en-GB" dirty="0"/>
+          </a:p>
+          <a:p>
+            <a:r>
+              <a:rPr lang="en-GB" dirty="0"/>
+              <a:t>Position</a:t>
+            </a:r>
+          </a:p>
+          <a:p>
+            <a:pPr marL="285750" indent="-285750">
+              <a:buFont typeface="Arial" panose="020B0604020202020204" pitchFamily="34" charset="0"/>
+              <a:buChar char="•"/>
+            </a:pPr>
+            <a:r>
+              <a:rPr lang="en-GB" dirty="0"/>
+              <a:t>Get Vector of displacement of real – world input</a:t>
+            </a:r>
+          </a:p>
+          <a:p>
+            <a:pPr marL="285750" indent="-285750">
+              <a:buFont typeface="Arial" panose="020B0604020202020204" pitchFamily="34" charset="0"/>
+              <a:buChar char="•"/>
+            </a:pPr>
+            <a:r>
+              <a:rPr lang="en-GB" dirty="0"/>
+              <a:t>Apply inverse of real – world rotation </a:t>
+            </a:r>
+          </a:p>
+          <a:p>
+            <a:pPr marL="285750" indent="-285750">
+              <a:buFont typeface="Arial" panose="020B0604020202020204" pitchFamily="34" charset="0"/>
+              <a:buChar char="•"/>
+            </a:pPr>
+            <a:r>
+              <a:rPr lang="en-GB" dirty="0"/>
+              <a:t>Apply Simulated camera’s rotation</a:t>
+            </a:r>
+          </a:p>
+          <a:p>
+            <a:pPr marL="285750" indent="-285750">
+              <a:buFont typeface="Arial" panose="020B0604020202020204" pitchFamily="34" charset="0"/>
+              <a:buChar char="•"/>
+            </a:pPr>
+            <a:r>
+              <a:rPr lang="en-GB" dirty="0"/>
+              <a:t>Apply sensitivity</a:t>
+            </a:r>
+          </a:p>
+          <a:p>
+            <a:pPr marL="285750" indent="-285750">
+              <a:buFont typeface="Arial" panose="020B0604020202020204" pitchFamily="34" charset="0"/>
+              <a:buChar char="•"/>
+            </a:pPr>
+            <a:r>
+              <a:rPr lang="en-GB" dirty="0"/>
+              <a:t>Apply to Simulated camera’s position</a:t>
+            </a:r>
+          </a:p>
+        </p:txBody>
+      </p:sp>
+      <p:pic>
+        <p:nvPicPr>
+          <p:cNvPr id="7" name="Picture 6">
+            <a:extLst>
+              <a:ext uri="{FF2B5EF4-FFF2-40B4-BE49-F238E27FC236}">
+                <a16:creationId xmlns:a16="http://schemas.microsoft.com/office/drawing/2014/main" id="{85435BEE-0223-4EB8-8658-CCA31E05C391}"/>
+              </a:ext>
+            </a:extLst>
+          </p:cNvPr>
+          <p:cNvPicPr>
+            <a:picLocks noChangeAspect="1"/>
+          </p:cNvPicPr>
+          <p:nvPr/>
+        </p:nvPicPr>
+        <p:blipFill>
+          <a:blip r:embed="rId2"/>
+          <a:stretch>
+            <a:fillRect/>
+          </a:stretch>
+        </p:blipFill>
+        <p:spPr>
+          <a:xfrm>
+            <a:off x="5739483" y="1799076"/>
+            <a:ext cx="6242967" cy="3259847"/>
+          </a:xfrm>
+          <a:prstGeom prst="rect">
+            <a:avLst/>
+          </a:prstGeom>
+        </p:spPr>
+      </p:pic>
+      <p:sp>
+        <p:nvSpPr>
+          <p:cNvPr id="8" name="TextBox 7">
+            <a:extLst>
+              <a:ext uri="{FF2B5EF4-FFF2-40B4-BE49-F238E27FC236}">
+                <a16:creationId xmlns:a16="http://schemas.microsoft.com/office/drawing/2014/main" id="{0BE9302D-4D22-4423-8A3B-351272F63023}"/>
+              </a:ext>
+            </a:extLst>
+          </p:cNvPr>
+          <p:cNvSpPr txBox="1"/>
+          <p:nvPr/>
+        </p:nvSpPr>
+        <p:spPr>
+          <a:xfrm>
+            <a:off x="3048000" y="5513294"/>
+            <a:ext cx="6096000" cy="646331"/>
+          </a:xfrm>
+          <a:prstGeom prst="rect">
+            <a:avLst/>
+          </a:prstGeom>
+          <a:noFill/>
+        </p:spPr>
+        <p:txBody>
+          <a:bodyPr wrap="square" rtlCol="0">
+            <a:spAutoFit/>
+          </a:bodyPr>
+          <a:lstStyle/>
+          <a:p>
+            <a:pPr algn="ctr"/>
+            <a:r>
+              <a:rPr lang="en-GB" dirty="0"/>
+              <a:t>Changing camera based on VR headset orientation and position change </a:t>
+            </a:r>
+          </a:p>
+        </p:txBody>
+      </p:sp>
+    </p:spTree>
+    <p:extLst>
+      <p:ext uri="{BB962C8B-B14F-4D97-AF65-F5344CB8AC3E}">
+        <p14:creationId xmlns:p14="http://schemas.microsoft.com/office/powerpoint/2010/main" val="3121264902"/>
+      </p:ext>
+    </p:extLst>
+  </p:cSld>
+  <p:clrMapOvr>
+    <a:masterClrMapping/>
+  </p:clrMapOvr>
+</p:sld>
+</file>
+
+<file path=ppt/slides/slide11.xml><?xml version="1.0" encoding="utf-8"?>
+<p:sld xmlns:a="http://schemas.openxmlformats.org/drawingml/2006/main" xmlns:r="http://schemas.openxmlformats.org/officeDocument/2006/relationships" xmlns:p="http://schemas.openxmlformats.org/presentationml/2006/main">
+  <p:cSld>
+    <p:spTree>
+      <p:nvGrpSpPr>
+        <p:cNvPr id="1" name=""/>
+        <p:cNvGrpSpPr/>
+        <p:nvPr/>
+      </p:nvGrpSpPr>
+      <p:grpSpPr>
+        <a:xfrm>
+          <a:off x="0" y="0"/>
+          <a:ext cx="0" cy="0"/>
+          <a:chOff x="0" y="0"/>
+          <a:chExt cx="0" cy="0"/>
+        </a:xfrm>
+      </p:grpSpPr>
+      <p:sp>
+        <p:nvSpPr>
+          <p:cNvPr id="2" name="Title 1">
+            <a:extLst>
+              <a:ext uri="{FF2B5EF4-FFF2-40B4-BE49-F238E27FC236}">
+                <a16:creationId xmlns:a16="http://schemas.microsoft.com/office/drawing/2014/main" id="{17CE863F-9B76-434F-BAF5-439D8EEA8231}"/>
+              </a:ext>
+            </a:extLst>
+          </p:cNvPr>
+          <p:cNvSpPr>
+            <a:spLocks noGrp="1"/>
+          </p:cNvSpPr>
+          <p:nvPr>
+            <p:ph type="title"/>
+          </p:nvPr>
+        </p:nvSpPr>
+        <p:spPr/>
+        <p:txBody>
+          <a:bodyPr/>
+          <a:lstStyle/>
+          <a:p>
+            <a:r>
+              <a:rPr lang="en-GB" dirty="0"/>
+              <a:t>Demo!</a:t>
+            </a:r>
+          </a:p>
+        </p:txBody>
+      </p:sp>
+      <p:sp>
+        <p:nvSpPr>
+          <p:cNvPr id="3" name="Content Placeholder 2">
+            <a:extLst>
+              <a:ext uri="{FF2B5EF4-FFF2-40B4-BE49-F238E27FC236}">
+                <a16:creationId xmlns:a16="http://schemas.microsoft.com/office/drawing/2014/main" id="{5515070C-DAA2-4E26-B4A2-28B6FAA480A0}"/>
+              </a:ext>
+            </a:extLst>
+          </p:cNvPr>
+          <p:cNvSpPr>
+            <a:spLocks noGrp="1"/>
+          </p:cNvSpPr>
+          <p:nvPr>
+            <p:ph idx="1"/>
+          </p:nvPr>
+        </p:nvSpPr>
+        <p:spPr/>
+        <p:txBody>
+          <a:bodyPr/>
+          <a:lstStyle/>
+          <a:p>
+            <a:endParaRPr lang="en-GB" dirty="0"/>
+          </a:p>
+        </p:txBody>
+      </p:sp>
+    </p:spTree>
+    <p:extLst>
+      <p:ext uri="{BB962C8B-B14F-4D97-AF65-F5344CB8AC3E}">
+        <p14:creationId xmlns:p14="http://schemas.microsoft.com/office/powerpoint/2010/main" val="3034195672"/>
+      </p:ext>
+    </p:extLst>
+  </p:cSld>
+  <p:clrMapOvr>
+    <a:masterClrMapping/>
+  </p:clrMapOvr>
+</p:sld>
+</file>
+
+<file path=ppt/slides/slide12.xml><?xml version="1.0" encoding="utf-8"?>
+<p:sld xmlns:a="http://schemas.openxmlformats.org/drawingml/2006/main" xmlns:r="http://schemas.openxmlformats.org/officeDocument/2006/relationships" xmlns:p="http://schemas.openxmlformats.org/presentationml/2006/main">
+  <p:cSld>
+    <p:spTree>
+      <p:nvGrpSpPr>
+        <p:cNvPr id="1" name=""/>
+        <p:cNvGrpSpPr/>
+        <p:nvPr/>
+      </p:nvGrpSpPr>
+      <p:grpSpPr>
+        <a:xfrm>
+          <a:off x="0" y="0"/>
+          <a:ext cx="0" cy="0"/>
+          <a:chOff x="0" y="0"/>
+          <a:chExt cx="0" cy="0"/>
+        </a:xfrm>
+      </p:grpSpPr>
+      <p:sp>
+        <p:nvSpPr>
+          <p:cNvPr id="2" name="Title 1">
+            <a:extLst>
+              <a:ext uri="{FF2B5EF4-FFF2-40B4-BE49-F238E27FC236}">
+                <a16:creationId xmlns:a16="http://schemas.microsoft.com/office/drawing/2014/main" id="{36BA1244-2D5F-4E84-8802-B8F630645B56}"/>
+              </a:ext>
+            </a:extLst>
+          </p:cNvPr>
+          <p:cNvSpPr>
+            <a:spLocks noGrp="1"/>
+          </p:cNvSpPr>
+          <p:nvPr>
+            <p:ph type="title"/>
+          </p:nvPr>
+        </p:nvSpPr>
+        <p:spPr/>
+        <p:txBody>
+          <a:bodyPr/>
+          <a:lstStyle/>
+          <a:p>
+            <a:r>
+              <a:rPr lang="en-GB" dirty="0"/>
+              <a:t>Experiments</a:t>
+            </a:r>
+          </a:p>
+        </p:txBody>
+      </p:sp>
+      <p:sp>
+        <p:nvSpPr>
+          <p:cNvPr id="3" name="Content Placeholder 2">
+            <a:extLst>
+              <a:ext uri="{FF2B5EF4-FFF2-40B4-BE49-F238E27FC236}">
+                <a16:creationId xmlns:a16="http://schemas.microsoft.com/office/drawing/2014/main" id="{128937D4-D08F-458E-980B-E69D4B17AFBD}"/>
+              </a:ext>
+            </a:extLst>
+          </p:cNvPr>
+          <p:cNvSpPr>
+            <a:spLocks noGrp="1"/>
+          </p:cNvSpPr>
+          <p:nvPr>
+            <p:ph idx="1"/>
+          </p:nvPr>
+        </p:nvSpPr>
+        <p:spPr/>
+        <p:txBody>
+          <a:bodyPr/>
+          <a:lstStyle/>
+          <a:p>
+            <a:r>
+              <a:rPr lang="en-GB" dirty="0"/>
+              <a:t>How many, what parameters </a:t>
+            </a:r>
+          </a:p>
+        </p:txBody>
+      </p:sp>
+    </p:spTree>
+    <p:extLst>
+      <p:ext uri="{BB962C8B-B14F-4D97-AF65-F5344CB8AC3E}">
+        <p14:creationId xmlns:p14="http://schemas.microsoft.com/office/powerpoint/2010/main" val="1184632365"/>
+      </p:ext>
+    </p:extLst>
+  </p:cSld>
+  <p:clrMapOvr>
+    <a:masterClrMapping/>
+  </p:clrMapOvr>
+</p:sld>
+</file>
+
+<file path=ppt/slides/slide13.xml><?xml version="1.0" encoding="utf-8"?>
+<p:sld xmlns:a="http://schemas.openxmlformats.org/drawingml/2006/main" xmlns:r="http://schemas.openxmlformats.org/officeDocument/2006/relationships" xmlns:p="http://schemas.openxmlformats.org/presentationml/2006/main">
+  <p:cSld>
+    <p:spTree>
+      <p:nvGrpSpPr>
+        <p:cNvPr id="1" name=""/>
+        <p:cNvGrpSpPr/>
+        <p:nvPr/>
+      </p:nvGrpSpPr>
+      <p:grpSpPr>
+        <a:xfrm>
+          <a:off x="0" y="0"/>
+          <a:ext cx="0" cy="0"/>
+          <a:chOff x="0" y="0"/>
+          <a:chExt cx="0" cy="0"/>
+        </a:xfrm>
+      </p:grpSpPr>
+      <p:sp>
+        <p:nvSpPr>
+          <p:cNvPr id="2" name="Title 1">
+            <a:extLst>
+              <a:ext uri="{FF2B5EF4-FFF2-40B4-BE49-F238E27FC236}">
+                <a16:creationId xmlns:a16="http://schemas.microsoft.com/office/drawing/2014/main" id="{71B1AF25-EA09-4D90-8E0D-82B634E986C0}"/>
+              </a:ext>
+            </a:extLst>
+          </p:cNvPr>
+          <p:cNvSpPr>
+            <a:spLocks noGrp="1"/>
+          </p:cNvSpPr>
+          <p:nvPr>
+            <p:ph type="title"/>
+          </p:nvPr>
+        </p:nvSpPr>
+        <p:spPr/>
+        <p:txBody>
+          <a:bodyPr/>
+          <a:lstStyle/>
+          <a:p>
+            <a:r>
+              <a:rPr lang="en-GB" dirty="0"/>
+              <a:t>Experiments Results + analysis</a:t>
+            </a:r>
+          </a:p>
+        </p:txBody>
+      </p:sp>
+      <p:sp>
+        <p:nvSpPr>
+          <p:cNvPr id="3" name="Content Placeholder 2">
+            <a:extLst>
+              <a:ext uri="{FF2B5EF4-FFF2-40B4-BE49-F238E27FC236}">
+                <a16:creationId xmlns:a16="http://schemas.microsoft.com/office/drawing/2014/main" id="{B51BEE28-1D61-471A-9DD6-B44E8692E920}"/>
+              </a:ext>
+            </a:extLst>
+          </p:cNvPr>
+          <p:cNvSpPr>
+            <a:spLocks noGrp="1"/>
+          </p:cNvSpPr>
+          <p:nvPr>
+            <p:ph idx="1"/>
+          </p:nvPr>
+        </p:nvSpPr>
+        <p:spPr/>
+        <p:txBody>
+          <a:bodyPr/>
+          <a:lstStyle/>
+          <a:p>
+            <a:endParaRPr lang="en-GB" dirty="0"/>
+          </a:p>
+        </p:txBody>
+      </p:sp>
+    </p:spTree>
+    <p:extLst>
+      <p:ext uri="{BB962C8B-B14F-4D97-AF65-F5344CB8AC3E}">
+        <p14:creationId xmlns:p14="http://schemas.microsoft.com/office/powerpoint/2010/main" val="117945243"/>
+      </p:ext>
+    </p:extLst>
+  </p:cSld>
+  <p:clrMapOvr>
+    <a:masterClrMapping/>
+  </p:clrMapOvr>
+</p:sld>
+</file>
+
+<file path=ppt/slides/slide14.xml><?xml version="1.0" encoding="utf-8"?>
+<p:sld xmlns:a="http://schemas.openxmlformats.org/drawingml/2006/main" xmlns:r="http://schemas.openxmlformats.org/officeDocument/2006/relationships" xmlns:p="http://schemas.openxmlformats.org/presentationml/2006/main">
+  <p:cSld>
+    <p:spTree>
+      <p:nvGrpSpPr>
+        <p:cNvPr id="1" name=""/>
+        <p:cNvGrpSpPr/>
+        <p:nvPr/>
+      </p:nvGrpSpPr>
+      <p:grpSpPr>
+        <a:xfrm>
+          <a:off x="0" y="0"/>
+          <a:ext cx="0" cy="0"/>
+          <a:chOff x="0" y="0"/>
+          <a:chExt cx="0" cy="0"/>
+        </a:xfrm>
+      </p:grpSpPr>
+      <p:sp>
+        <p:nvSpPr>
+          <p:cNvPr id="2" name="Title 1">
+            <a:extLst>
+              <a:ext uri="{FF2B5EF4-FFF2-40B4-BE49-F238E27FC236}">
+                <a16:creationId xmlns:a16="http://schemas.microsoft.com/office/drawing/2014/main" id="{7B1947D3-28AC-454B-BB3B-7362A7439BEB}"/>
+              </a:ext>
+            </a:extLst>
+          </p:cNvPr>
+          <p:cNvSpPr>
+            <a:spLocks noGrp="1"/>
+          </p:cNvSpPr>
+          <p:nvPr>
+            <p:ph type="title"/>
+          </p:nvPr>
+        </p:nvSpPr>
+        <p:spPr/>
+        <p:txBody>
+          <a:bodyPr/>
+          <a:lstStyle/>
+          <a:p>
+            <a:r>
+              <a:rPr lang="en-GB" dirty="0"/>
+              <a:t>Conclusion</a:t>
+            </a:r>
+          </a:p>
+        </p:txBody>
+      </p:sp>
+      <p:sp>
+        <p:nvSpPr>
+          <p:cNvPr id="3" name="Content Placeholder 2">
+            <a:extLst>
+              <a:ext uri="{FF2B5EF4-FFF2-40B4-BE49-F238E27FC236}">
+                <a16:creationId xmlns:a16="http://schemas.microsoft.com/office/drawing/2014/main" id="{35FD89CE-BEA5-4BA8-A5F9-46DB29F6FDC4}"/>
+              </a:ext>
+            </a:extLst>
+          </p:cNvPr>
+          <p:cNvSpPr>
+            <a:spLocks noGrp="1"/>
+          </p:cNvSpPr>
+          <p:nvPr>
+            <p:ph idx="1"/>
+          </p:nvPr>
+        </p:nvSpPr>
+        <p:spPr/>
+        <p:txBody>
+          <a:bodyPr/>
+          <a:lstStyle/>
+          <a:p>
+            <a:endParaRPr lang="en-GB"/>
+          </a:p>
+        </p:txBody>
+      </p:sp>
+    </p:spTree>
+    <p:extLst>
+      <p:ext uri="{BB962C8B-B14F-4D97-AF65-F5344CB8AC3E}">
+        <p14:creationId xmlns:p14="http://schemas.microsoft.com/office/powerpoint/2010/main" val="3894254547"/>
       </p:ext>
     </p:extLst>
   </p:cSld>
@@ -3485,21 +4432,22 @@
           <a:lstStyle/>
           <a:p>
             <a:r>
-              <a:rPr lang="en-GB" dirty="0"/>
+              <a:rPr lang="en-GB"/>
               <a:t>Affecting visual stimuli when a person sways, such that the sway of the stimuli is different from expected, should result in the person having difficulty to balancing. </a:t>
             </a:r>
           </a:p>
           <a:p>
+            <a:endParaRPr lang="en-GB"/>
+          </a:p>
+          <a:p>
+            <a:endParaRPr lang="en-GB"/>
+          </a:p>
+          <a:p>
+            <a:r>
+              <a:rPr lang="en-GB"/>
+              <a:t>Excessively affecting visual stimuli however, will have less or no effect on the person’s ability to balance</a:t>
+            </a:r>
             <a:endParaRPr lang="en-GB" dirty="0"/>
-          </a:p>
-          <a:p>
-            <a:endParaRPr lang="en-GB" dirty="0"/>
-          </a:p>
-          <a:p>
-            <a:r>
-              <a:rPr lang="en-GB" dirty="0"/>
-              <a:t>Excessively affecting visual stimuli however, will have less or no effect on the person’s ability to balance</a:t>
-            </a:r>
           </a:p>
         </p:txBody>
       </p:sp>
@@ -3555,9 +4503,10 @@
           <a:lstStyle/>
           <a:p>
             <a:r>
-              <a:rPr lang="en-GB" dirty="0"/>
+              <a:rPr lang="en-GB"/>
               <a:t>The core approach</a:t>
             </a:r>
+            <a:endParaRPr lang="en-GB" dirty="0"/>
           </a:p>
         </p:txBody>
       </p:sp>
@@ -3590,7 +4539,7 @@
           <a:p>
             <a:r>
               <a:rPr lang="en-GB" dirty="0"/>
-              <a:t>Using different inputs, change the visual stimuli in the environment accordingly</a:t>
+              <a:t>By measuring the user’s sway, change the visual stimuli in the environment in a way that accentuates </a:t>
             </a:r>
           </a:p>
           <a:p>
@@ -3743,7 +4692,7 @@
           <a:p>
             <a:r>
               <a:rPr lang="en-GB" dirty="0"/>
-              <a:t>Program structure</a:t>
+              <a:t>Key technologies</a:t>
             </a:r>
           </a:p>
         </p:txBody>
@@ -3845,7 +4794,7 @@
             <a:p>
               <a:r>
                 <a:rPr lang="en-GB" sz="1400" dirty="0"/>
-                <a:t>UDP Client with </a:t>
+                <a:t>UDP Socket with </a:t>
               </a:r>
               <a:r>
                 <a:rPr lang="en-GB" sz="1400" dirty="0" err="1"/>
@@ -3939,12 +4888,56 @@
           </a:p>
         </p:txBody>
       </p:sp>
+      <p:cxnSp>
+        <p:nvCxnSpPr>
+          <p:cNvPr id="15" name="Connector: Elbow 14">
+            <a:extLst>
+              <a:ext uri="{FF2B5EF4-FFF2-40B4-BE49-F238E27FC236}">
+                <a16:creationId xmlns:a16="http://schemas.microsoft.com/office/drawing/2014/main" id="{07E22CAF-BC61-414E-8156-ECE4AC0B6075}"/>
+              </a:ext>
+            </a:extLst>
+          </p:cNvPr>
+          <p:cNvCxnSpPr>
+            <a:cxnSpLocks/>
+          </p:cNvCxnSpPr>
+          <p:nvPr/>
+        </p:nvCxnSpPr>
+        <p:spPr>
+          <a:xfrm rot="16200000" flipH="1">
+            <a:off x="5806633" y="3717500"/>
+            <a:ext cx="1202167" cy="475893"/>
+          </a:xfrm>
+          <a:prstGeom prst="bentConnector3">
+            <a:avLst>
+              <a:gd name="adj1" fmla="val 100708"/>
+            </a:avLst>
+          </a:prstGeom>
+          <a:ln>
+            <a:headEnd type="none" w="med" len="med"/>
+            <a:tailEnd type="none" w="med" len="med"/>
+          </a:ln>
+        </p:spPr>
+        <p:style>
+          <a:lnRef idx="1">
+            <a:schemeClr val="accent1"/>
+          </a:lnRef>
+          <a:fillRef idx="0">
+            <a:schemeClr val="accent1"/>
+          </a:fillRef>
+          <a:effectRef idx="0">
+            <a:schemeClr val="accent1"/>
+          </a:effectRef>
+          <a:fontRef idx="minor">
+            <a:schemeClr val="tx1"/>
+          </a:fontRef>
+        </p:style>
+      </p:cxnSp>
       <p:grpSp>
         <p:nvGrpSpPr>
-          <p:cNvPr id="35" name="Group 34">
-            <a:extLst>
-              <a:ext uri="{FF2B5EF4-FFF2-40B4-BE49-F238E27FC236}">
-                <a16:creationId xmlns:a16="http://schemas.microsoft.com/office/drawing/2014/main" id="{D2F27616-3283-472A-A10D-7798F880675C}"/>
+          <p:cNvPr id="23" name="Group 22">
+            <a:extLst>
+              <a:ext uri="{FF2B5EF4-FFF2-40B4-BE49-F238E27FC236}">
+                <a16:creationId xmlns:a16="http://schemas.microsoft.com/office/drawing/2014/main" id="{DF9CC2C4-366E-4287-B6B4-44E987C0A316}"/>
               </a:ext>
             </a:extLst>
           </p:cNvPr>
@@ -3953,161 +4946,96 @@
         </p:nvGrpSpPr>
         <p:grpSpPr>
           <a:xfrm>
-            <a:off x="6169770" y="3354363"/>
-            <a:ext cx="2854289" cy="1431522"/>
-            <a:chOff x="6169770" y="3964925"/>
-            <a:chExt cx="2854289" cy="1431522"/>
+            <a:off x="2415863" y="4291502"/>
+            <a:ext cx="2304081" cy="700742"/>
+            <a:chOff x="3444477" y="4146979"/>
+            <a:chExt cx="2696910" cy="820214"/>
           </a:xfrm>
         </p:grpSpPr>
-        <p:cxnSp>
-          <p:nvCxnSpPr>
-            <p:cNvPr id="15" name="Connector: Elbow 14">
+        <p:sp>
+          <p:nvSpPr>
+            <p:cNvPr id="19" name="TextBox 18">
               <a:extLst>
                 <a:ext uri="{FF2B5EF4-FFF2-40B4-BE49-F238E27FC236}">
-                  <a16:creationId xmlns:a16="http://schemas.microsoft.com/office/drawing/2014/main" id="{07E22CAF-BC61-414E-8156-ECE4AC0B6075}"/>
+                  <a16:creationId xmlns:a16="http://schemas.microsoft.com/office/drawing/2014/main" id="{13324C3C-4A21-46ED-ACA9-6AB84095F182}"/>
                 </a:ext>
               </a:extLst>
             </p:cNvPr>
-            <p:cNvCxnSpPr>
-              <a:cxnSpLocks/>
-            </p:cNvCxnSpPr>
+            <p:cNvSpPr txBox="1"/>
             <p:nvPr/>
-          </p:nvCxnSpPr>
+          </p:nvSpPr>
           <p:spPr>
-            <a:xfrm rot="16200000" flipH="1">
-              <a:off x="5806633" y="4328062"/>
-              <a:ext cx="1202167" cy="475893"/>
+            <a:xfrm>
+              <a:off x="4259011" y="4210622"/>
+              <a:ext cx="1882376" cy="612426"/>
             </a:xfrm>
-            <a:prstGeom prst="bentConnector3">
-              <a:avLst>
-                <a:gd name="adj1" fmla="val 100708"/>
-              </a:avLst>
+            <a:prstGeom prst="rect">
+              <a:avLst/>
             </a:prstGeom>
-            <a:ln>
-              <a:headEnd type="none" w="med" len="med"/>
-              <a:tailEnd type="none" w="med" len="med"/>
-            </a:ln>
+            <a:noFill/>
           </p:spPr>
-          <p:style>
-            <a:lnRef idx="1">
-              <a:schemeClr val="accent1"/>
-            </a:lnRef>
-            <a:fillRef idx="0">
-              <a:schemeClr val="accent1"/>
-            </a:fillRef>
-            <a:effectRef idx="0">
-              <a:schemeClr val="accent1"/>
-            </a:effectRef>
-            <a:fontRef idx="minor">
-              <a:schemeClr val="tx1"/>
-            </a:fontRef>
-          </p:style>
-        </p:cxnSp>
-        <p:grpSp>
-          <p:nvGrpSpPr>
-            <p:cNvPr id="23" name="Group 22">
+          <p:txBody>
+            <a:bodyPr wrap="square" rtlCol="0">
+              <a:spAutoFit/>
+            </a:bodyPr>
+            <a:lstStyle/>
+            <a:p>
+              <a:r>
+                <a:rPr lang="en-GB" sz="1400" dirty="0" err="1"/>
+                <a:t>Pimax</a:t>
+              </a:r>
+              <a:r>
+                <a:rPr lang="en-GB" sz="1400" dirty="0"/>
+                <a:t> Virtual reality headset</a:t>
+              </a:r>
+            </a:p>
+          </p:txBody>
+        </p:sp>
+        <p:pic>
+          <p:nvPicPr>
+            <p:cNvPr id="22" name="Picture 12" descr="Pimax Releasing New Technology to Enable &quot;VR 3.0&quot; Industry Adoption">
               <a:extLst>
                 <a:ext uri="{FF2B5EF4-FFF2-40B4-BE49-F238E27FC236}">
-                  <a16:creationId xmlns:a16="http://schemas.microsoft.com/office/drawing/2014/main" id="{DF9CC2C4-366E-4287-B6B4-44E987C0A316}"/>
+                  <a16:creationId xmlns:a16="http://schemas.microsoft.com/office/drawing/2014/main" id="{A0CE5E49-F550-4C49-94E6-42E50601D7F2}"/>
                 </a:ext>
               </a:extLst>
             </p:cNvPr>
-            <p:cNvGrpSpPr/>
+            <p:cNvPicPr>
+              <a:picLocks noChangeAspect="1" noChangeArrowheads="1"/>
+            </p:cNvPicPr>
             <p:nvPr/>
-          </p:nvGrpSpPr>
-          <p:grpSpPr>
-            <a:xfrm>
-              <a:off x="6719978" y="4695705"/>
-              <a:ext cx="2304081" cy="700742"/>
-              <a:chOff x="3444477" y="4146979"/>
-              <a:chExt cx="2696910" cy="820214"/>
-            </a:xfrm>
-          </p:grpSpPr>
-          <p:sp>
-            <p:nvSpPr>
-              <p:cNvPr id="19" name="TextBox 18">
-                <a:extLst>
-                  <a:ext uri="{FF2B5EF4-FFF2-40B4-BE49-F238E27FC236}">
-                    <a16:creationId xmlns:a16="http://schemas.microsoft.com/office/drawing/2014/main" id="{13324C3C-4A21-46ED-ACA9-6AB84095F182}"/>
-                  </a:ext>
-                </a:extLst>
-              </p:cNvPr>
-              <p:cNvSpPr txBox="1"/>
-              <p:nvPr/>
-            </p:nvSpPr>
-            <p:spPr>
-              <a:xfrm>
-                <a:off x="4259011" y="4210622"/>
-                <a:ext cx="1882376" cy="612426"/>
-              </a:xfrm>
-              <a:prstGeom prst="rect">
-                <a:avLst/>
-              </a:prstGeom>
-              <a:noFill/>
-            </p:spPr>
-            <p:txBody>
-              <a:bodyPr wrap="square" rtlCol="0">
-                <a:spAutoFit/>
-              </a:bodyPr>
-              <a:lstStyle/>
-              <a:p>
-                <a:r>
-                  <a:rPr lang="en-GB" sz="1400" dirty="0" err="1"/>
-                  <a:t>Pimax</a:t>
-                </a:r>
-                <a:r>
-                  <a:rPr lang="en-GB" sz="1400" dirty="0"/>
-                  <a:t> Virtual reality headset</a:t>
-                </a:r>
-              </a:p>
-            </p:txBody>
-          </p:sp>
-          <p:pic>
-            <p:nvPicPr>
-              <p:cNvPr id="22" name="Picture 12" descr="Pimax Releasing New Technology to Enable &quot;VR 3.0&quot; Industry Adoption">
-                <a:extLst>
-                  <a:ext uri="{FF2B5EF4-FFF2-40B4-BE49-F238E27FC236}">
-                    <a16:creationId xmlns:a16="http://schemas.microsoft.com/office/drawing/2014/main" id="{A0CE5E49-F550-4C49-94E6-42E50601D7F2}"/>
-                  </a:ext>
-                </a:extLst>
-              </p:cNvPr>
-              <p:cNvPicPr>
-                <a:picLocks noChangeAspect="1" noChangeArrowheads="1"/>
-              </p:cNvPicPr>
-              <p:nvPr/>
-            </p:nvPicPr>
-            <p:blipFill rotWithShape="1">
-              <a:blip r:embed="rId4">
-                <a:extLst>
-                  <a:ext uri="{28A0092B-C50C-407E-A947-70E740481C1C}">
-                    <a14:useLocalDpi xmlns:a14="http://schemas.microsoft.com/office/drawing/2010/main" val="0"/>
-                  </a:ext>
-                </a:extLst>
-              </a:blip>
-              <a:srcRect t="26895" r="75944" b="26818"/>
-              <a:stretch/>
-            </p:blipFill>
-            <p:spPr bwMode="auto">
-              <a:xfrm>
-                <a:off x="3444477" y="4146979"/>
-                <a:ext cx="814534" cy="820214"/>
-              </a:xfrm>
-              <a:prstGeom prst="rect">
-                <a:avLst/>
-              </a:prstGeom>
-              <a:noFill/>
+          </p:nvPicPr>
+          <p:blipFill rotWithShape="1">
+            <a:blip r:embed="rId4">
               <a:extLst>
-                <a:ext uri="{909E8E84-426E-40DD-AFC4-6F175D3DCCD1}">
-                  <a14:hiddenFill xmlns:a14="http://schemas.microsoft.com/office/drawing/2010/main">
-                    <a:solidFill>
-                      <a:srgbClr val="FFFFFF"/>
-                    </a:solidFill>
-                  </a14:hiddenFill>
+                <a:ext uri="{28A0092B-C50C-407E-A947-70E740481C1C}">
+                  <a14:useLocalDpi xmlns:a14="http://schemas.microsoft.com/office/drawing/2010/main" val="0"/>
                 </a:ext>
               </a:extLst>
-            </p:spPr>
-          </p:pic>
-        </p:grpSp>
+            </a:blip>
+            <a:srcRect t="26895" r="75944" b="26818"/>
+            <a:stretch/>
+          </p:blipFill>
+          <p:spPr bwMode="auto">
+            <a:xfrm>
+              <a:off x="3444477" y="4146979"/>
+              <a:ext cx="814534" cy="820214"/>
+            </a:xfrm>
+            <a:prstGeom prst="rect">
+              <a:avLst/>
+            </a:prstGeom>
+            <a:noFill/>
+            <a:extLst>
+              <a:ext uri="{909E8E84-426E-40DD-AFC4-6F175D3DCCD1}">
+                <a14:hiddenFill xmlns:a14="http://schemas.microsoft.com/office/drawing/2010/main">
+                  <a:solidFill>
+                    <a:srgbClr val="FFFFFF"/>
+                  </a:solidFill>
+                </a14:hiddenFill>
+              </a:ext>
+            </a:extLst>
+          </p:spPr>
+        </p:pic>
       </p:grpSp>
       <p:pic>
         <p:nvPicPr>
@@ -4485,7 +5413,7 @@
             <a:p>
               <a:r>
                 <a:rPr lang="en-GB" sz="1400" dirty="0"/>
-                <a:t>UDP Server</a:t>
+                <a:t>UDP Socket </a:t>
               </a:r>
               <a:endParaRPr lang="en-GB" dirty="0"/>
             </a:p>
@@ -4977,6 +5905,317 @@
           </a:p>
         </p:txBody>
       </p:sp>
+      <p:pic>
+        <p:nvPicPr>
+          <p:cNvPr id="3" name="Picture 2">
+            <a:extLst>
+              <a:ext uri="{FF2B5EF4-FFF2-40B4-BE49-F238E27FC236}">
+                <a16:creationId xmlns:a16="http://schemas.microsoft.com/office/drawing/2014/main" id="{5F2AA41A-65E7-4AA8-B373-5677452D52E6}"/>
+              </a:ext>
+            </a:extLst>
+          </p:cNvPr>
+          <p:cNvPicPr>
+            <a:picLocks noChangeAspect="1" noChangeArrowheads="1"/>
+          </p:cNvPicPr>
+          <p:nvPr/>
+        </p:nvPicPr>
+        <p:blipFill>
+          <a:blip r:embed="rId8">
+            <a:extLst>
+              <a:ext uri="{28A0092B-C50C-407E-A947-70E740481C1C}">
+                <a14:useLocalDpi xmlns:a14="http://schemas.microsoft.com/office/drawing/2010/main" val="0"/>
+              </a:ext>
+            </a:extLst>
+          </a:blip>
+          <a:srcRect/>
+          <a:stretch>
+            <a:fillRect/>
+          </a:stretch>
+        </p:blipFill>
+        <p:spPr bwMode="auto">
+          <a:xfrm>
+            <a:off x="6642747" y="4074891"/>
+            <a:ext cx="829235" cy="829235"/>
+          </a:xfrm>
+          <a:prstGeom prst="rect">
+            <a:avLst/>
+          </a:prstGeom>
+          <a:noFill/>
+          <a:extLst>
+            <a:ext uri="{909E8E84-426E-40DD-AFC4-6F175D3DCCD1}">
+              <a14:hiddenFill xmlns:a14="http://schemas.microsoft.com/office/drawing/2010/main">
+                <a:solidFill>
+                  <a:srgbClr val="FFFFFF"/>
+                </a:solidFill>
+              </a14:hiddenFill>
+            </a:ext>
+          </a:extLst>
+        </p:spPr>
+      </p:pic>
+      <p:sp>
+        <p:nvSpPr>
+          <p:cNvPr id="40" name="TextBox 39">
+            <a:extLst>
+              <a:ext uri="{FF2B5EF4-FFF2-40B4-BE49-F238E27FC236}">
+                <a16:creationId xmlns:a16="http://schemas.microsoft.com/office/drawing/2014/main" id="{7F420825-0D46-4AAC-BB91-FCDF4536DFF3}"/>
+              </a:ext>
+            </a:extLst>
+          </p:cNvPr>
+          <p:cNvSpPr txBox="1"/>
+          <p:nvPr/>
+        </p:nvSpPr>
+        <p:spPr>
+          <a:xfrm>
+            <a:off x="7435756" y="4208291"/>
+            <a:ext cx="1608191" cy="523220"/>
+          </a:xfrm>
+          <a:prstGeom prst="rect">
+            <a:avLst/>
+          </a:prstGeom>
+          <a:noFill/>
+        </p:spPr>
+        <p:txBody>
+          <a:bodyPr wrap="square" rtlCol="0">
+            <a:spAutoFit/>
+          </a:bodyPr>
+          <a:lstStyle/>
+          <a:p>
+            <a:r>
+              <a:rPr lang="en-GB" sz="1400" dirty="0" err="1"/>
+              <a:t>SteamVR</a:t>
+            </a:r>
+            <a:r>
+              <a:rPr lang="en-GB" sz="1400" dirty="0"/>
+              <a:t> Unity package</a:t>
+            </a:r>
+          </a:p>
+        </p:txBody>
+      </p:sp>
+      <p:cxnSp>
+        <p:nvCxnSpPr>
+          <p:cNvPr id="41" name="Straight Arrow Connector 40">
+            <a:extLst>
+              <a:ext uri="{FF2B5EF4-FFF2-40B4-BE49-F238E27FC236}">
+                <a16:creationId xmlns:a16="http://schemas.microsoft.com/office/drawing/2014/main" id="{1CC4EBED-3EA3-41F2-8A27-3D59CF6F8649}"/>
+              </a:ext>
+            </a:extLst>
+          </p:cNvPr>
+          <p:cNvCxnSpPr>
+            <a:cxnSpLocks/>
+          </p:cNvCxnSpPr>
+          <p:nvPr/>
+        </p:nvCxnSpPr>
+        <p:spPr>
+          <a:xfrm>
+            <a:off x="4509666" y="4641873"/>
+            <a:ext cx="1210228" cy="0"/>
+          </a:xfrm>
+          <a:prstGeom prst="straightConnector1">
+            <a:avLst/>
+          </a:prstGeom>
+          <a:ln w="12700">
+            <a:tailEnd type="triangle"/>
+          </a:ln>
+        </p:spPr>
+        <p:style>
+          <a:lnRef idx="1">
+            <a:schemeClr val="dk1"/>
+          </a:lnRef>
+          <a:fillRef idx="0">
+            <a:schemeClr val="dk1"/>
+          </a:fillRef>
+          <a:effectRef idx="0">
+            <a:schemeClr val="dk1"/>
+          </a:effectRef>
+          <a:fontRef idx="minor">
+            <a:schemeClr val="tx1"/>
+          </a:fontRef>
+        </p:style>
+      </p:cxnSp>
+      <p:sp>
+        <p:nvSpPr>
+          <p:cNvPr id="44" name="TextBox 43">
+            <a:extLst>
+              <a:ext uri="{FF2B5EF4-FFF2-40B4-BE49-F238E27FC236}">
+                <a16:creationId xmlns:a16="http://schemas.microsoft.com/office/drawing/2014/main" id="{3FE03F97-D47F-4644-A8F7-39D16DB05BE0}"/>
+              </a:ext>
+            </a:extLst>
+          </p:cNvPr>
+          <p:cNvSpPr txBox="1"/>
+          <p:nvPr/>
+        </p:nvSpPr>
+        <p:spPr>
+          <a:xfrm>
+            <a:off x="4741264" y="4359792"/>
+            <a:ext cx="1175991" cy="246221"/>
+          </a:xfrm>
+          <a:prstGeom prst="rect">
+            <a:avLst/>
+          </a:prstGeom>
+          <a:noFill/>
+        </p:spPr>
+        <p:txBody>
+          <a:bodyPr wrap="square" rtlCol="0">
+            <a:spAutoFit/>
+          </a:bodyPr>
+          <a:lstStyle/>
+          <a:p>
+            <a:r>
+              <a:rPr lang="en-GB" sz="1000" dirty="0" err="1"/>
+              <a:t>PiTool</a:t>
+            </a:r>
+            <a:endParaRPr lang="en-GB" sz="2800" dirty="0"/>
+          </a:p>
+        </p:txBody>
+      </p:sp>
+      <p:grpSp>
+        <p:nvGrpSpPr>
+          <p:cNvPr id="46" name="Group 45">
+            <a:extLst>
+              <a:ext uri="{FF2B5EF4-FFF2-40B4-BE49-F238E27FC236}">
+                <a16:creationId xmlns:a16="http://schemas.microsoft.com/office/drawing/2014/main" id="{15524216-C56C-46E3-9A68-4C9528E51BD2}"/>
+              </a:ext>
+            </a:extLst>
+          </p:cNvPr>
+          <p:cNvGrpSpPr/>
+          <p:nvPr/>
+        </p:nvGrpSpPr>
+        <p:grpSpPr>
+          <a:xfrm>
+            <a:off x="6169770" y="5400674"/>
+            <a:ext cx="2943830" cy="1301293"/>
+            <a:chOff x="6169770" y="5400674"/>
+            <a:chExt cx="2943830" cy="1301293"/>
+          </a:xfrm>
+        </p:grpSpPr>
+        <p:cxnSp>
+          <p:nvCxnSpPr>
+            <p:cNvPr id="47" name="Connector: Elbow 46">
+              <a:extLst>
+                <a:ext uri="{FF2B5EF4-FFF2-40B4-BE49-F238E27FC236}">
+                  <a16:creationId xmlns:a16="http://schemas.microsoft.com/office/drawing/2014/main" id="{B6606CC7-EC6E-4BF3-80DB-D792F15D2EF1}"/>
+                </a:ext>
+              </a:extLst>
+            </p:cNvPr>
+            <p:cNvCxnSpPr>
+              <a:cxnSpLocks/>
+            </p:cNvCxnSpPr>
+            <p:nvPr/>
+          </p:nvCxnSpPr>
+          <p:spPr>
+            <a:xfrm rot="16200000" flipH="1">
+              <a:off x="5937028" y="5633416"/>
+              <a:ext cx="942776" cy="477291"/>
+            </a:xfrm>
+            <a:prstGeom prst="bentConnector2">
+              <a:avLst/>
+            </a:prstGeom>
+            <a:ln>
+              <a:headEnd type="none" w="med" len="med"/>
+              <a:tailEnd type="none" w="med" len="med"/>
+            </a:ln>
+          </p:spPr>
+          <p:style>
+            <a:lnRef idx="1">
+              <a:schemeClr val="accent1"/>
+            </a:lnRef>
+            <a:fillRef idx="0">
+              <a:schemeClr val="accent1"/>
+            </a:fillRef>
+            <a:effectRef idx="0">
+              <a:schemeClr val="accent1"/>
+            </a:effectRef>
+            <a:fontRef idx="minor">
+              <a:schemeClr val="tx1"/>
+            </a:fontRef>
+          </p:style>
+        </p:cxnSp>
+        <p:pic>
+          <p:nvPicPr>
+            <p:cNvPr id="49" name="Picture 2">
+              <a:extLst>
+                <a:ext uri="{FF2B5EF4-FFF2-40B4-BE49-F238E27FC236}">
+                  <a16:creationId xmlns:a16="http://schemas.microsoft.com/office/drawing/2014/main" id="{EDB975D0-5A32-4102-823C-D768C6158461}"/>
+                </a:ext>
+              </a:extLst>
+            </p:cNvPr>
+            <p:cNvPicPr>
+              <a:picLocks noChangeAspect="1" noChangeArrowheads="1"/>
+            </p:cNvPicPr>
+            <p:nvPr/>
+          </p:nvPicPr>
+          <p:blipFill rotWithShape="1">
+            <a:blip r:embed="rId3">
+              <a:extLst>
+                <a:ext uri="{28A0092B-C50C-407E-A947-70E740481C1C}">
+                  <a14:useLocalDpi xmlns:a14="http://schemas.microsoft.com/office/drawing/2010/main" val="0"/>
+                </a:ext>
+              </a:extLst>
+            </a:blip>
+            <a:srcRect r="63492"/>
+            <a:stretch/>
+          </p:blipFill>
+          <p:spPr bwMode="auto">
+            <a:xfrm>
+              <a:off x="6632997" y="5902300"/>
+              <a:ext cx="802759" cy="799667"/>
+            </a:xfrm>
+            <a:prstGeom prst="rect">
+              <a:avLst/>
+            </a:prstGeom>
+            <a:noFill/>
+            <a:extLst>
+              <a:ext uri="{909E8E84-426E-40DD-AFC4-6F175D3DCCD1}">
+                <a14:hiddenFill xmlns:a14="http://schemas.microsoft.com/office/drawing/2010/main">
+                  <a:solidFill>
+                    <a:srgbClr val="FFFFFF"/>
+                  </a:solidFill>
+                </a14:hiddenFill>
+              </a:ext>
+            </a:extLst>
+          </p:spPr>
+        </p:pic>
+        <p:sp>
+          <p:nvSpPr>
+            <p:cNvPr id="54" name="TextBox 53">
+              <a:extLst>
+                <a:ext uri="{FF2B5EF4-FFF2-40B4-BE49-F238E27FC236}">
+                  <a16:creationId xmlns:a16="http://schemas.microsoft.com/office/drawing/2014/main" id="{7244DF7B-1614-4BBA-A1A6-88548D49EEE4}"/>
+                </a:ext>
+              </a:extLst>
+            </p:cNvPr>
+            <p:cNvSpPr txBox="1"/>
+            <p:nvPr/>
+          </p:nvSpPr>
+          <p:spPr>
+            <a:xfrm>
+              <a:off x="7505409" y="6106184"/>
+              <a:ext cx="1608191" cy="584775"/>
+            </a:xfrm>
+            <a:prstGeom prst="rect">
+              <a:avLst/>
+            </a:prstGeom>
+            <a:noFill/>
+          </p:spPr>
+          <p:txBody>
+            <a:bodyPr wrap="square" rtlCol="0">
+              <a:spAutoFit/>
+            </a:bodyPr>
+            <a:lstStyle/>
+            <a:p>
+              <a:r>
+                <a:rPr lang="en-GB" sz="1600" dirty="0"/>
+                <a:t>XR Interaction toolkit + </a:t>
+              </a:r>
+              <a:r>
+                <a:rPr lang="en-GB" sz="1600" dirty="0" err="1"/>
+                <a:t>OpenVR</a:t>
+              </a:r>
+              <a:endParaRPr lang="en-GB" sz="1600" dirty="0"/>
+            </a:p>
+          </p:txBody>
+        </p:sp>
+      </p:grpSp>
     </p:spTree>
     <p:extLst>
       <p:ext uri="{BB962C8B-B14F-4D97-AF65-F5344CB8AC3E}">
@@ -5012,7 +6251,7 @@
           <p:cNvPr id="2" name="Title 1">
             <a:extLst>
               <a:ext uri="{FF2B5EF4-FFF2-40B4-BE49-F238E27FC236}">
-                <a16:creationId xmlns:a16="http://schemas.microsoft.com/office/drawing/2014/main" id="{36BA1244-2D5F-4E84-8802-B8F630645B56}"/>
+                <a16:creationId xmlns:a16="http://schemas.microsoft.com/office/drawing/2014/main" id="{32FAF978-30C3-4D20-95C3-D55A239E4289}"/>
               </a:ext>
             </a:extLst>
           </p:cNvPr>
@@ -5023,50 +6262,1792 @@
             <p:ph type="title"/>
           </p:nvPr>
         </p:nvSpPr>
-        <p:spPr/>
+        <p:spPr>
+          <a:xfrm>
+            <a:off x="838200" y="365125"/>
+            <a:ext cx="10515600" cy="868057"/>
+          </a:xfrm>
+        </p:spPr>
         <p:txBody>
           <a:bodyPr/>
           <a:lstStyle/>
           <a:p>
             <a:r>
               <a:rPr lang="en-GB" dirty="0"/>
-              <a:t>Experiments</a:t>
-            </a:r>
-          </a:p>
-        </p:txBody>
-      </p:sp>
-      <p:sp>
-        <p:nvSpPr>
-          <p:cNvPr id="3" name="Content Placeholder 2">
-            <a:extLst>
-              <a:ext uri="{FF2B5EF4-FFF2-40B4-BE49-F238E27FC236}">
-                <a16:creationId xmlns:a16="http://schemas.microsoft.com/office/drawing/2014/main" id="{128937D4-D08F-458E-980B-E69D4B17AFBD}"/>
-              </a:ext>
-            </a:extLst>
-          </p:cNvPr>
-          <p:cNvSpPr>
-            <a:spLocks noGrp="1"/>
-          </p:cNvSpPr>
-          <p:nvPr>
-            <p:ph idx="1"/>
-          </p:nvPr>
-        </p:nvSpPr>
-        <p:spPr/>
-        <p:txBody>
-          <a:bodyPr/>
-          <a:lstStyle/>
-          <a:p>
-            <a:r>
-              <a:rPr lang="en-GB" dirty="0"/>
-              <a:t>How many, what parameters </a:t>
-            </a:r>
-          </a:p>
-        </p:txBody>
-      </p:sp>
+              <a:t>Key technologies</a:t>
+            </a:r>
+          </a:p>
+        </p:txBody>
+      </p:sp>
+      <p:grpSp>
+        <p:nvGrpSpPr>
+          <p:cNvPr id="7" name="Group 6">
+            <a:extLst>
+              <a:ext uri="{FF2B5EF4-FFF2-40B4-BE49-F238E27FC236}">
+                <a16:creationId xmlns:a16="http://schemas.microsoft.com/office/drawing/2014/main" id="{8404C63C-659C-49CD-B698-06EBBF727428}"/>
+              </a:ext>
+            </a:extLst>
+          </p:cNvPr>
+          <p:cNvGrpSpPr/>
+          <p:nvPr/>
+        </p:nvGrpSpPr>
+        <p:grpSpPr>
+          <a:xfrm>
+            <a:off x="2314680" y="2979643"/>
+            <a:ext cx="2657779" cy="1026741"/>
+            <a:chOff x="3541615" y="2958780"/>
+            <a:chExt cx="2944124" cy="1137360"/>
+          </a:xfrm>
+        </p:grpSpPr>
+        <p:pic>
+          <p:nvPicPr>
+            <p:cNvPr id="1032" name="Picture 8" descr="C# / official or unofficial logo · Issue #27 · exercism/meta · GitHub">
+              <a:extLst>
+                <a:ext uri="{FF2B5EF4-FFF2-40B4-BE49-F238E27FC236}">
+                  <a16:creationId xmlns:a16="http://schemas.microsoft.com/office/drawing/2014/main" id="{AC3DC3FA-3304-44FF-845E-61F06E0D482B}"/>
+                </a:ext>
+              </a:extLst>
+            </p:cNvPr>
+            <p:cNvPicPr>
+              <a:picLocks noChangeAspect="1" noChangeArrowheads="1"/>
+            </p:cNvPicPr>
+            <p:nvPr/>
+          </p:nvPicPr>
+          <p:blipFill>
+            <a:blip r:embed="rId2">
+              <a:extLst>
+                <a:ext uri="{28A0092B-C50C-407E-A947-70E740481C1C}">
+                  <a14:useLocalDpi xmlns:a14="http://schemas.microsoft.com/office/drawing/2010/main" val="0"/>
+                </a:ext>
+              </a:extLst>
+            </a:blip>
+            <a:srcRect/>
+            <a:stretch>
+              <a:fillRect/>
+            </a:stretch>
+          </p:blipFill>
+          <p:spPr bwMode="auto">
+            <a:xfrm>
+              <a:off x="3541615" y="2958780"/>
+              <a:ext cx="1058377" cy="1137360"/>
+            </a:xfrm>
+            <a:prstGeom prst="rect">
+              <a:avLst/>
+            </a:prstGeom>
+            <a:noFill/>
+            <a:extLst>
+              <a:ext uri="{909E8E84-426E-40DD-AFC4-6F175D3DCCD1}">
+                <a14:hiddenFill xmlns:a14="http://schemas.microsoft.com/office/drawing/2010/main">
+                  <a:solidFill>
+                    <a:srgbClr val="FFFFFF"/>
+                  </a:solidFill>
+                </a14:hiddenFill>
+              </a:ext>
+            </a:extLst>
+          </p:spPr>
+        </p:pic>
+        <p:sp>
+          <p:nvSpPr>
+            <p:cNvPr id="6" name="TextBox 5">
+              <a:extLst>
+                <a:ext uri="{FF2B5EF4-FFF2-40B4-BE49-F238E27FC236}">
+                  <a16:creationId xmlns:a16="http://schemas.microsoft.com/office/drawing/2014/main" id="{EF87A07A-981B-4EAD-AEFC-DAF48E62BCF0}"/>
+                </a:ext>
+              </a:extLst>
+            </p:cNvPr>
+            <p:cNvSpPr txBox="1"/>
+            <p:nvPr/>
+          </p:nvSpPr>
+          <p:spPr>
+            <a:xfrm>
+              <a:off x="4599992" y="3209731"/>
+              <a:ext cx="1885747" cy="579591"/>
+            </a:xfrm>
+            <a:prstGeom prst="rect">
+              <a:avLst/>
+            </a:prstGeom>
+            <a:noFill/>
+          </p:spPr>
+          <p:txBody>
+            <a:bodyPr wrap="square" rtlCol="0">
+              <a:spAutoFit/>
+            </a:bodyPr>
+            <a:lstStyle/>
+            <a:p>
+              <a:r>
+                <a:rPr lang="en-GB" sz="1400" dirty="0"/>
+                <a:t>UDP Socket with </a:t>
+              </a:r>
+              <a:r>
+                <a:rPr lang="en-GB" sz="1400" dirty="0" err="1"/>
+                <a:t>Wiimote</a:t>
+              </a:r>
+              <a:r>
+                <a:rPr lang="en-GB" sz="1400" dirty="0"/>
+                <a:t> Library</a:t>
+              </a:r>
+            </a:p>
+          </p:txBody>
+        </p:sp>
+      </p:grpSp>
+      <p:grpSp>
+        <p:nvGrpSpPr>
+          <p:cNvPr id="4" name="Group 3">
+            <a:extLst>
+              <a:ext uri="{FF2B5EF4-FFF2-40B4-BE49-F238E27FC236}">
+                <a16:creationId xmlns:a16="http://schemas.microsoft.com/office/drawing/2014/main" id="{F564E485-D6AA-45A0-9608-B7E4880B4B75}"/>
+              </a:ext>
+            </a:extLst>
+          </p:cNvPr>
+          <p:cNvGrpSpPr/>
+          <p:nvPr/>
+        </p:nvGrpSpPr>
+        <p:grpSpPr>
+          <a:xfrm>
+            <a:off x="5627636" y="1560903"/>
+            <a:ext cx="2996247" cy="1229081"/>
+            <a:chOff x="5627636" y="1560903"/>
+            <a:chExt cx="2996247" cy="1229081"/>
+          </a:xfrm>
+        </p:grpSpPr>
+        <p:pic>
+          <p:nvPicPr>
+            <p:cNvPr id="1026" name="Picture 2">
+              <a:extLst>
+                <a:ext uri="{FF2B5EF4-FFF2-40B4-BE49-F238E27FC236}">
+                  <a16:creationId xmlns:a16="http://schemas.microsoft.com/office/drawing/2014/main" id="{D1E84222-87BA-421C-9E7E-6D3A4836661A}"/>
+                </a:ext>
+              </a:extLst>
+            </p:cNvPr>
+            <p:cNvPicPr>
+              <a:picLocks noChangeAspect="1" noChangeArrowheads="1"/>
+            </p:cNvPicPr>
+            <p:nvPr/>
+          </p:nvPicPr>
+          <p:blipFill rotWithShape="1">
+            <a:blip r:embed="rId3">
+              <a:extLst>
+                <a:ext uri="{28A0092B-C50C-407E-A947-70E740481C1C}">
+                  <a14:useLocalDpi xmlns:a14="http://schemas.microsoft.com/office/drawing/2010/main" val="0"/>
+                </a:ext>
+              </a:extLst>
+            </a:blip>
+            <a:srcRect r="63492"/>
+            <a:stretch/>
+          </p:blipFill>
+          <p:spPr bwMode="auto">
+            <a:xfrm>
+              <a:off x="5627636" y="1560903"/>
+              <a:ext cx="1233833" cy="1229081"/>
+            </a:xfrm>
+            <a:prstGeom prst="rect">
+              <a:avLst/>
+            </a:prstGeom>
+            <a:noFill/>
+            <a:extLst>
+              <a:ext uri="{909E8E84-426E-40DD-AFC4-6F175D3DCCD1}">
+                <a14:hiddenFill xmlns:a14="http://schemas.microsoft.com/office/drawing/2010/main">
+                  <a:solidFill>
+                    <a:srgbClr val="FFFFFF"/>
+                  </a:solidFill>
+                </a14:hiddenFill>
+              </a:ext>
+            </a:extLst>
+          </p:spPr>
+        </p:pic>
+        <p:sp>
+          <p:nvSpPr>
+            <p:cNvPr id="8" name="TextBox 7">
+              <a:extLst>
+                <a:ext uri="{FF2B5EF4-FFF2-40B4-BE49-F238E27FC236}">
+                  <a16:creationId xmlns:a16="http://schemas.microsoft.com/office/drawing/2014/main" id="{4D33BFC6-C043-425E-A5AA-FD39BF01ED00}"/>
+                </a:ext>
+              </a:extLst>
+            </p:cNvPr>
+            <p:cNvSpPr txBox="1"/>
+            <p:nvPr/>
+          </p:nvSpPr>
+          <p:spPr>
+            <a:xfrm>
+              <a:off x="6877535" y="2021554"/>
+              <a:ext cx="1746348" cy="307777"/>
+            </a:xfrm>
+            <a:prstGeom prst="rect">
+              <a:avLst/>
+            </a:prstGeom>
+            <a:noFill/>
+          </p:spPr>
+          <p:txBody>
+            <a:bodyPr wrap="square" rtlCol="0">
+              <a:spAutoFit/>
+            </a:bodyPr>
+            <a:lstStyle/>
+            <a:p>
+              <a:r>
+                <a:rPr lang="en-GB" sz="1400" dirty="0"/>
+                <a:t>Unity project scene</a:t>
+              </a:r>
+            </a:p>
+          </p:txBody>
+        </p:sp>
+      </p:grpSp>
+      <p:cxnSp>
+        <p:nvCxnSpPr>
+          <p:cNvPr id="15" name="Connector: Elbow 14">
+            <a:extLst>
+              <a:ext uri="{FF2B5EF4-FFF2-40B4-BE49-F238E27FC236}">
+                <a16:creationId xmlns:a16="http://schemas.microsoft.com/office/drawing/2014/main" id="{07E22CAF-BC61-414E-8156-ECE4AC0B6075}"/>
+              </a:ext>
+            </a:extLst>
+          </p:cNvPr>
+          <p:cNvCxnSpPr>
+            <a:cxnSpLocks/>
+          </p:cNvCxnSpPr>
+          <p:nvPr/>
+        </p:nvCxnSpPr>
+        <p:spPr>
+          <a:xfrm rot="16200000" flipH="1">
+            <a:off x="5806633" y="3717500"/>
+            <a:ext cx="1202167" cy="475893"/>
+          </a:xfrm>
+          <a:prstGeom prst="bentConnector3">
+            <a:avLst>
+              <a:gd name="adj1" fmla="val 100708"/>
+            </a:avLst>
+          </a:prstGeom>
+          <a:ln>
+            <a:headEnd type="none" w="med" len="med"/>
+            <a:tailEnd type="none" w="med" len="med"/>
+          </a:ln>
+        </p:spPr>
+        <p:style>
+          <a:lnRef idx="1">
+            <a:schemeClr val="accent1"/>
+          </a:lnRef>
+          <a:fillRef idx="0">
+            <a:schemeClr val="accent1"/>
+          </a:fillRef>
+          <a:effectRef idx="0">
+            <a:schemeClr val="accent1"/>
+          </a:effectRef>
+          <a:fontRef idx="minor">
+            <a:schemeClr val="tx1"/>
+          </a:fontRef>
+        </p:style>
+      </p:cxnSp>
+      <p:grpSp>
+        <p:nvGrpSpPr>
+          <p:cNvPr id="23" name="Group 22">
+            <a:extLst>
+              <a:ext uri="{FF2B5EF4-FFF2-40B4-BE49-F238E27FC236}">
+                <a16:creationId xmlns:a16="http://schemas.microsoft.com/office/drawing/2014/main" id="{DF9CC2C4-366E-4287-B6B4-44E987C0A316}"/>
+              </a:ext>
+            </a:extLst>
+          </p:cNvPr>
+          <p:cNvGrpSpPr/>
+          <p:nvPr/>
+        </p:nvGrpSpPr>
+        <p:grpSpPr>
+          <a:xfrm>
+            <a:off x="2415863" y="4291502"/>
+            <a:ext cx="2304081" cy="700742"/>
+            <a:chOff x="3444477" y="4146979"/>
+            <a:chExt cx="2696910" cy="820214"/>
+          </a:xfrm>
+        </p:grpSpPr>
+        <p:sp>
+          <p:nvSpPr>
+            <p:cNvPr id="19" name="TextBox 18">
+              <a:extLst>
+                <a:ext uri="{FF2B5EF4-FFF2-40B4-BE49-F238E27FC236}">
+                  <a16:creationId xmlns:a16="http://schemas.microsoft.com/office/drawing/2014/main" id="{13324C3C-4A21-46ED-ACA9-6AB84095F182}"/>
+                </a:ext>
+              </a:extLst>
+            </p:cNvPr>
+            <p:cNvSpPr txBox="1"/>
+            <p:nvPr/>
+          </p:nvSpPr>
+          <p:spPr>
+            <a:xfrm>
+              <a:off x="4259011" y="4210622"/>
+              <a:ext cx="1882376" cy="612426"/>
+            </a:xfrm>
+            <a:prstGeom prst="rect">
+              <a:avLst/>
+            </a:prstGeom>
+            <a:noFill/>
+          </p:spPr>
+          <p:txBody>
+            <a:bodyPr wrap="square" rtlCol="0">
+              <a:spAutoFit/>
+            </a:bodyPr>
+            <a:lstStyle/>
+            <a:p>
+              <a:r>
+                <a:rPr lang="en-GB" sz="1400" dirty="0" err="1"/>
+                <a:t>Pimax</a:t>
+              </a:r>
+              <a:r>
+                <a:rPr lang="en-GB" sz="1400" dirty="0"/>
+                <a:t> Virtual reality headset</a:t>
+              </a:r>
+            </a:p>
+          </p:txBody>
+        </p:sp>
+        <p:pic>
+          <p:nvPicPr>
+            <p:cNvPr id="22" name="Picture 12" descr="Pimax Releasing New Technology to Enable &quot;VR 3.0&quot; Industry Adoption">
+              <a:extLst>
+                <a:ext uri="{FF2B5EF4-FFF2-40B4-BE49-F238E27FC236}">
+                  <a16:creationId xmlns:a16="http://schemas.microsoft.com/office/drawing/2014/main" id="{A0CE5E49-F550-4C49-94E6-42E50601D7F2}"/>
+                </a:ext>
+              </a:extLst>
+            </p:cNvPr>
+            <p:cNvPicPr>
+              <a:picLocks noChangeAspect="1" noChangeArrowheads="1"/>
+            </p:cNvPicPr>
+            <p:nvPr/>
+          </p:nvPicPr>
+          <p:blipFill rotWithShape="1">
+            <a:blip r:embed="rId4">
+              <a:extLst>
+                <a:ext uri="{28A0092B-C50C-407E-A947-70E740481C1C}">
+                  <a14:useLocalDpi xmlns:a14="http://schemas.microsoft.com/office/drawing/2010/main" val="0"/>
+                </a:ext>
+              </a:extLst>
+            </a:blip>
+            <a:srcRect t="26895" r="75944" b="26818"/>
+            <a:stretch/>
+          </p:blipFill>
+          <p:spPr bwMode="auto">
+            <a:xfrm>
+              <a:off x="3444477" y="4146979"/>
+              <a:ext cx="814534" cy="820214"/>
+            </a:xfrm>
+            <a:prstGeom prst="rect">
+              <a:avLst/>
+            </a:prstGeom>
+            <a:noFill/>
+            <a:extLst>
+              <a:ext uri="{909E8E84-426E-40DD-AFC4-6F175D3DCCD1}">
+                <a14:hiddenFill xmlns:a14="http://schemas.microsoft.com/office/drawing/2010/main">
+                  <a:solidFill>
+                    <a:srgbClr val="FFFFFF"/>
+                  </a:solidFill>
+                </a14:hiddenFill>
+              </a:ext>
+            </a:extLst>
+          </p:spPr>
+        </p:pic>
+      </p:grpSp>
+      <p:pic>
+        <p:nvPicPr>
+          <p:cNvPr id="1038" name="Picture 14" descr="Unused Nintendo Wii logos drive fans wild | Creative Bloq">
+            <a:extLst>
+              <a:ext uri="{FF2B5EF4-FFF2-40B4-BE49-F238E27FC236}">
+                <a16:creationId xmlns:a16="http://schemas.microsoft.com/office/drawing/2014/main" id="{64D06DCA-EE88-44A9-94E7-29391F52BA02}"/>
+              </a:ext>
+            </a:extLst>
+          </p:cNvPr>
+          <p:cNvPicPr>
+            <a:picLocks noChangeAspect="1" noChangeArrowheads="1"/>
+          </p:cNvPicPr>
+          <p:nvPr/>
+        </p:nvPicPr>
+        <p:blipFill>
+          <a:blip r:embed="rId5">
+            <a:extLst>
+              <a:ext uri="{28A0092B-C50C-407E-A947-70E740481C1C}">
+                <a14:useLocalDpi xmlns:a14="http://schemas.microsoft.com/office/drawing/2010/main" val="0"/>
+              </a:ext>
+            </a:extLst>
+          </a:blip>
+          <a:srcRect/>
+          <a:stretch>
+            <a:fillRect/>
+          </a:stretch>
+        </p:blipFill>
+        <p:spPr bwMode="auto">
+          <a:xfrm>
+            <a:off x="162039" y="3001523"/>
+            <a:ext cx="1354396" cy="761848"/>
+          </a:xfrm>
+          <a:prstGeom prst="rect">
+            <a:avLst/>
+          </a:prstGeom>
+          <a:noFill/>
+          <a:extLst>
+            <a:ext uri="{909E8E84-426E-40DD-AFC4-6F175D3DCCD1}">
+              <a14:hiddenFill xmlns:a14="http://schemas.microsoft.com/office/drawing/2010/main">
+                <a:solidFill>
+                  <a:srgbClr val="FFFFFF"/>
+                </a:solidFill>
+              </a14:hiddenFill>
+            </a:ext>
+          </a:extLst>
+        </p:spPr>
+      </p:pic>
+      <p:sp>
+        <p:nvSpPr>
+          <p:cNvPr id="26" name="TextBox 25">
+            <a:extLst>
+              <a:ext uri="{FF2B5EF4-FFF2-40B4-BE49-F238E27FC236}">
+                <a16:creationId xmlns:a16="http://schemas.microsoft.com/office/drawing/2014/main" id="{6ADBACC1-A7FD-495C-82D7-74F10B7ED8B0}"/>
+              </a:ext>
+            </a:extLst>
+          </p:cNvPr>
+          <p:cNvSpPr txBox="1"/>
+          <p:nvPr/>
+        </p:nvSpPr>
+        <p:spPr>
+          <a:xfrm>
+            <a:off x="292680" y="3688174"/>
+            <a:ext cx="1110767" cy="307777"/>
+          </a:xfrm>
+          <a:prstGeom prst="rect">
+            <a:avLst/>
+          </a:prstGeom>
+          <a:noFill/>
+        </p:spPr>
+        <p:txBody>
+          <a:bodyPr wrap="square" rtlCol="0">
+            <a:spAutoFit/>
+          </a:bodyPr>
+          <a:lstStyle/>
+          <a:p>
+            <a:r>
+              <a:rPr lang="en-GB" sz="1400" dirty="0" err="1"/>
+              <a:t>Wiiboard</a:t>
+            </a:r>
+            <a:endParaRPr lang="en-GB" dirty="0"/>
+          </a:p>
+        </p:txBody>
+      </p:sp>
+      <p:cxnSp>
+        <p:nvCxnSpPr>
+          <p:cNvPr id="21" name="Straight Arrow Connector 20">
+            <a:extLst>
+              <a:ext uri="{FF2B5EF4-FFF2-40B4-BE49-F238E27FC236}">
+                <a16:creationId xmlns:a16="http://schemas.microsoft.com/office/drawing/2014/main" id="{7FCC71BA-3D74-4FC8-A250-719109BE06FC}"/>
+              </a:ext>
+            </a:extLst>
+          </p:cNvPr>
+          <p:cNvCxnSpPr>
+            <a:cxnSpLocks/>
+          </p:cNvCxnSpPr>
+          <p:nvPr/>
+        </p:nvCxnSpPr>
+        <p:spPr>
+          <a:xfrm>
+            <a:off x="1525262" y="3544238"/>
+            <a:ext cx="789418" cy="0"/>
+          </a:xfrm>
+          <a:prstGeom prst="straightConnector1">
+            <a:avLst/>
+          </a:prstGeom>
+          <a:ln w="12700">
+            <a:tailEnd type="triangle"/>
+          </a:ln>
+        </p:spPr>
+        <p:style>
+          <a:lnRef idx="1">
+            <a:schemeClr val="dk1"/>
+          </a:lnRef>
+          <a:fillRef idx="0">
+            <a:schemeClr val="dk1"/>
+          </a:fillRef>
+          <a:effectRef idx="0">
+            <a:schemeClr val="dk1"/>
+          </a:effectRef>
+          <a:fontRef idx="minor">
+            <a:schemeClr val="tx1"/>
+          </a:fontRef>
+        </p:style>
+      </p:cxnSp>
+      <p:cxnSp>
+        <p:nvCxnSpPr>
+          <p:cNvPr id="33" name="Straight Arrow Connector 32">
+            <a:extLst>
+              <a:ext uri="{FF2B5EF4-FFF2-40B4-BE49-F238E27FC236}">
+                <a16:creationId xmlns:a16="http://schemas.microsoft.com/office/drawing/2014/main" id="{B689CABB-0623-4766-891E-33D3E7C6FDA9}"/>
+              </a:ext>
+            </a:extLst>
+          </p:cNvPr>
+          <p:cNvCxnSpPr>
+            <a:cxnSpLocks/>
+          </p:cNvCxnSpPr>
+          <p:nvPr/>
+        </p:nvCxnSpPr>
+        <p:spPr>
+          <a:xfrm>
+            <a:off x="4662066" y="3544238"/>
+            <a:ext cx="1210228" cy="0"/>
+          </a:xfrm>
+          <a:prstGeom prst="straightConnector1">
+            <a:avLst/>
+          </a:prstGeom>
+          <a:ln w="12700">
+            <a:tailEnd type="triangle"/>
+          </a:ln>
+        </p:spPr>
+        <p:style>
+          <a:lnRef idx="1">
+            <a:schemeClr val="dk1"/>
+          </a:lnRef>
+          <a:fillRef idx="0">
+            <a:schemeClr val="dk1"/>
+          </a:fillRef>
+          <a:effectRef idx="0">
+            <a:schemeClr val="dk1"/>
+          </a:effectRef>
+          <a:fontRef idx="minor">
+            <a:schemeClr val="tx1"/>
+          </a:fontRef>
+        </p:style>
+      </p:cxnSp>
+      <p:sp>
+        <p:nvSpPr>
+          <p:cNvPr id="28" name="TextBox 27">
+            <a:extLst>
+              <a:ext uri="{FF2B5EF4-FFF2-40B4-BE49-F238E27FC236}">
+                <a16:creationId xmlns:a16="http://schemas.microsoft.com/office/drawing/2014/main" id="{05DB938F-E950-4952-9F45-4FEABDE32EC6}"/>
+              </a:ext>
+            </a:extLst>
+          </p:cNvPr>
+          <p:cNvSpPr txBox="1"/>
+          <p:nvPr/>
+        </p:nvSpPr>
+        <p:spPr>
+          <a:xfrm>
+            <a:off x="1525262" y="3304446"/>
+            <a:ext cx="789418" cy="246221"/>
+          </a:xfrm>
+          <a:prstGeom prst="rect">
+            <a:avLst/>
+          </a:prstGeom>
+          <a:noFill/>
+        </p:spPr>
+        <p:txBody>
+          <a:bodyPr wrap="square" rtlCol="0">
+            <a:spAutoFit/>
+          </a:bodyPr>
+          <a:lstStyle/>
+          <a:p>
+            <a:r>
+              <a:rPr lang="en-GB" sz="1000" dirty="0"/>
+              <a:t>Bluetooth</a:t>
+            </a:r>
+            <a:endParaRPr lang="en-GB" sz="2800" dirty="0"/>
+          </a:p>
+        </p:txBody>
+      </p:sp>
+      <p:sp>
+        <p:nvSpPr>
+          <p:cNvPr id="37" name="TextBox 36">
+            <a:extLst>
+              <a:ext uri="{FF2B5EF4-FFF2-40B4-BE49-F238E27FC236}">
+                <a16:creationId xmlns:a16="http://schemas.microsoft.com/office/drawing/2014/main" id="{1E651920-2A1A-4EDD-8E7F-FBC0950A4F08}"/>
+              </a:ext>
+            </a:extLst>
+          </p:cNvPr>
+          <p:cNvSpPr txBox="1"/>
+          <p:nvPr/>
+        </p:nvSpPr>
+        <p:spPr>
+          <a:xfrm>
+            <a:off x="4696302" y="3291027"/>
+            <a:ext cx="1175991" cy="246221"/>
+          </a:xfrm>
+          <a:prstGeom prst="rect">
+            <a:avLst/>
+          </a:prstGeom>
+          <a:noFill/>
+        </p:spPr>
+        <p:txBody>
+          <a:bodyPr wrap="square" rtlCol="0">
+            <a:spAutoFit/>
+          </a:bodyPr>
+          <a:lstStyle/>
+          <a:p>
+            <a:r>
+              <a:rPr lang="en-GB" sz="1000" dirty="0"/>
+              <a:t>C# UDP Socket</a:t>
+            </a:r>
+            <a:endParaRPr lang="en-GB" sz="2800" dirty="0"/>
+          </a:p>
+        </p:txBody>
+      </p:sp>
+      <p:cxnSp>
+        <p:nvCxnSpPr>
+          <p:cNvPr id="38" name="Connector: Elbow 37">
+            <a:extLst>
+              <a:ext uri="{FF2B5EF4-FFF2-40B4-BE49-F238E27FC236}">
+                <a16:creationId xmlns:a16="http://schemas.microsoft.com/office/drawing/2014/main" id="{F5F7B911-34ED-483A-BEC6-FDD9A7C8FB09}"/>
+              </a:ext>
+            </a:extLst>
+          </p:cNvPr>
+          <p:cNvCxnSpPr>
+            <a:cxnSpLocks/>
+          </p:cNvCxnSpPr>
+          <p:nvPr/>
+        </p:nvCxnSpPr>
+        <p:spPr>
+          <a:xfrm rot="16200000" flipH="1">
+            <a:off x="5937028" y="2814214"/>
+            <a:ext cx="942776" cy="477291"/>
+          </a:xfrm>
+          <a:prstGeom prst="bentConnector2">
+            <a:avLst/>
+          </a:prstGeom>
+          <a:ln>
+            <a:headEnd type="none" w="med" len="med"/>
+            <a:tailEnd type="none" w="med" len="med"/>
+          </a:ln>
+        </p:spPr>
+        <p:style>
+          <a:lnRef idx="1">
+            <a:schemeClr val="accent1"/>
+          </a:lnRef>
+          <a:fillRef idx="0">
+            <a:schemeClr val="accent1"/>
+          </a:fillRef>
+          <a:effectRef idx="0">
+            <a:schemeClr val="accent1"/>
+          </a:effectRef>
+          <a:fontRef idx="minor">
+            <a:schemeClr val="tx1"/>
+          </a:fontRef>
+        </p:style>
+      </p:cxnSp>
+      <p:grpSp>
+        <p:nvGrpSpPr>
+          <p:cNvPr id="34" name="Group 33">
+            <a:extLst>
+              <a:ext uri="{FF2B5EF4-FFF2-40B4-BE49-F238E27FC236}">
+                <a16:creationId xmlns:a16="http://schemas.microsoft.com/office/drawing/2014/main" id="{8D22E304-7334-41DD-85E6-F6652166FF57}"/>
+              </a:ext>
+            </a:extLst>
+          </p:cNvPr>
+          <p:cNvGrpSpPr/>
+          <p:nvPr/>
+        </p:nvGrpSpPr>
+        <p:grpSpPr>
+          <a:xfrm>
+            <a:off x="6672593" y="3095785"/>
+            <a:ext cx="1951290" cy="868057"/>
+            <a:chOff x="6672593" y="3800461"/>
+            <a:chExt cx="1951290" cy="868057"/>
+          </a:xfrm>
+        </p:grpSpPr>
+        <p:pic>
+          <p:nvPicPr>
+            <p:cNvPr id="39" name="Picture 8" descr="C# / official or unofficial logo · Issue #27 · exercism/meta · GitHub">
+              <a:extLst>
+                <a:ext uri="{FF2B5EF4-FFF2-40B4-BE49-F238E27FC236}">
+                  <a16:creationId xmlns:a16="http://schemas.microsoft.com/office/drawing/2014/main" id="{225F9829-8939-49BB-94B5-CCB9742F7544}"/>
+                </a:ext>
+              </a:extLst>
+            </p:cNvPr>
+            <p:cNvPicPr>
+              <a:picLocks noChangeAspect="1" noChangeArrowheads="1"/>
+            </p:cNvPicPr>
+            <p:nvPr/>
+          </p:nvPicPr>
+          <p:blipFill>
+            <a:blip r:embed="rId2">
+              <a:extLst>
+                <a:ext uri="{28A0092B-C50C-407E-A947-70E740481C1C}">
+                  <a14:useLocalDpi xmlns:a14="http://schemas.microsoft.com/office/drawing/2010/main" val="0"/>
+                </a:ext>
+              </a:extLst>
+            </a:blip>
+            <a:srcRect/>
+            <a:stretch>
+              <a:fillRect/>
+            </a:stretch>
+          </p:blipFill>
+          <p:spPr bwMode="auto">
+            <a:xfrm>
+              <a:off x="6672593" y="3800461"/>
+              <a:ext cx="807775" cy="868057"/>
+            </a:xfrm>
+            <a:prstGeom prst="rect">
+              <a:avLst/>
+            </a:prstGeom>
+            <a:noFill/>
+            <a:extLst>
+              <a:ext uri="{909E8E84-426E-40DD-AFC4-6F175D3DCCD1}">
+                <a14:hiddenFill xmlns:a14="http://schemas.microsoft.com/office/drawing/2010/main">
+                  <a:solidFill>
+                    <a:srgbClr val="FFFFFF"/>
+                  </a:solidFill>
+                </a14:hiddenFill>
+              </a:ext>
+            </a:extLst>
+          </p:spPr>
+        </p:pic>
+        <p:sp>
+          <p:nvSpPr>
+            <p:cNvPr id="30" name="TextBox 29">
+              <a:extLst>
+                <a:ext uri="{FF2B5EF4-FFF2-40B4-BE49-F238E27FC236}">
+                  <a16:creationId xmlns:a16="http://schemas.microsoft.com/office/drawing/2014/main" id="{9CB8E822-6EF9-413D-87CB-D8CD68ABCB74}"/>
+                </a:ext>
+              </a:extLst>
+            </p:cNvPr>
+            <p:cNvSpPr txBox="1"/>
+            <p:nvPr/>
+          </p:nvSpPr>
+          <p:spPr>
+            <a:xfrm>
+              <a:off x="7566870" y="4006384"/>
+              <a:ext cx="1057013" cy="307777"/>
+            </a:xfrm>
+            <a:prstGeom prst="rect">
+              <a:avLst/>
+            </a:prstGeom>
+            <a:noFill/>
+          </p:spPr>
+          <p:txBody>
+            <a:bodyPr wrap="square" rtlCol="0">
+              <a:spAutoFit/>
+            </a:bodyPr>
+            <a:lstStyle/>
+            <a:p>
+              <a:r>
+                <a:rPr lang="en-GB" sz="1400" dirty="0"/>
+                <a:t>UDP Socket</a:t>
+              </a:r>
+              <a:endParaRPr lang="en-GB" dirty="0"/>
+            </a:p>
+          </p:txBody>
+        </p:sp>
+      </p:grpSp>
+      <p:cxnSp>
+        <p:nvCxnSpPr>
+          <p:cNvPr id="48" name="Straight Arrow Connector 47">
+            <a:extLst>
+              <a:ext uri="{FF2B5EF4-FFF2-40B4-BE49-F238E27FC236}">
+                <a16:creationId xmlns:a16="http://schemas.microsoft.com/office/drawing/2014/main" id="{8F3285AC-A972-4FD6-8951-7F235D3BB547}"/>
+              </a:ext>
+            </a:extLst>
+          </p:cNvPr>
+          <p:cNvCxnSpPr>
+            <a:cxnSpLocks/>
+            <a:stCxn id="53" idx="1"/>
+          </p:cNvCxnSpPr>
+          <p:nvPr/>
+        </p:nvCxnSpPr>
+        <p:spPr>
+          <a:xfrm>
+            <a:off x="9029001" y="4449111"/>
+            <a:ext cx="334074" cy="8785"/>
+          </a:xfrm>
+          <a:prstGeom prst="straightConnector1">
+            <a:avLst/>
+          </a:prstGeom>
+          <a:ln w="12700">
+            <a:tailEnd type="triangle"/>
+          </a:ln>
+        </p:spPr>
+        <p:style>
+          <a:lnRef idx="1">
+            <a:schemeClr val="dk1"/>
+          </a:lnRef>
+          <a:fillRef idx="0">
+            <a:schemeClr val="dk1"/>
+          </a:fillRef>
+          <a:effectRef idx="0">
+            <a:schemeClr val="dk1"/>
+          </a:effectRef>
+          <a:fontRef idx="minor">
+            <a:schemeClr val="tx1"/>
+          </a:fontRef>
+        </p:style>
+      </p:cxnSp>
+      <p:grpSp>
+        <p:nvGrpSpPr>
+          <p:cNvPr id="43" name="Group 42">
+            <a:extLst>
+              <a:ext uri="{FF2B5EF4-FFF2-40B4-BE49-F238E27FC236}">
+                <a16:creationId xmlns:a16="http://schemas.microsoft.com/office/drawing/2014/main" id="{1C51775A-0DA7-4DE0-AF2B-44480E5C455B}"/>
+              </a:ext>
+            </a:extLst>
+          </p:cNvPr>
+          <p:cNvGrpSpPr/>
+          <p:nvPr/>
+        </p:nvGrpSpPr>
+        <p:grpSpPr>
+          <a:xfrm>
+            <a:off x="9219501" y="2796278"/>
+            <a:ext cx="2835147" cy="2279035"/>
+            <a:chOff x="9219501" y="1590413"/>
+            <a:chExt cx="2835147" cy="2279035"/>
+          </a:xfrm>
+        </p:grpSpPr>
+        <p:pic>
+          <p:nvPicPr>
+            <p:cNvPr id="1042" name="Picture 18">
+              <a:extLst>
+                <a:ext uri="{FF2B5EF4-FFF2-40B4-BE49-F238E27FC236}">
+                  <a16:creationId xmlns:a16="http://schemas.microsoft.com/office/drawing/2014/main" id="{0F62E895-B62F-417A-8E1C-B4D9140937CE}"/>
+                </a:ext>
+              </a:extLst>
+            </p:cNvPr>
+            <p:cNvPicPr>
+              <a:picLocks noChangeAspect="1" noChangeArrowheads="1"/>
+            </p:cNvPicPr>
+            <p:nvPr/>
+          </p:nvPicPr>
+          <p:blipFill>
+            <a:blip r:embed="rId6">
+              <a:extLst>
+                <a:ext uri="{28A0092B-C50C-407E-A947-70E740481C1C}">
+                  <a14:useLocalDpi xmlns:a14="http://schemas.microsoft.com/office/drawing/2010/main" val="0"/>
+                </a:ext>
+              </a:extLst>
+            </a:blip>
+            <a:srcRect/>
+            <a:stretch>
+              <a:fillRect/>
+            </a:stretch>
+          </p:blipFill>
+          <p:spPr bwMode="auto">
+            <a:xfrm>
+              <a:off x="10122568" y="3168707"/>
+              <a:ext cx="700741" cy="700741"/>
+            </a:xfrm>
+            <a:prstGeom prst="rect">
+              <a:avLst/>
+            </a:prstGeom>
+            <a:noFill/>
+            <a:extLst>
+              <a:ext uri="{909E8E84-426E-40DD-AFC4-6F175D3DCCD1}">
+                <a14:hiddenFill xmlns:a14="http://schemas.microsoft.com/office/drawing/2010/main">
+                  <a:solidFill>
+                    <a:srgbClr val="FFFFFF"/>
+                  </a:solidFill>
+                </a14:hiddenFill>
+              </a:ext>
+            </a:extLst>
+          </p:spPr>
+        </p:pic>
+        <p:grpSp>
+          <p:nvGrpSpPr>
+            <p:cNvPr id="42" name="Group 41">
+              <a:extLst>
+                <a:ext uri="{FF2B5EF4-FFF2-40B4-BE49-F238E27FC236}">
+                  <a16:creationId xmlns:a16="http://schemas.microsoft.com/office/drawing/2014/main" id="{531279CB-4716-42F5-96DC-066934DADC27}"/>
+                </a:ext>
+              </a:extLst>
+            </p:cNvPr>
+            <p:cNvGrpSpPr/>
+            <p:nvPr/>
+          </p:nvGrpSpPr>
+          <p:grpSpPr>
+            <a:xfrm>
+              <a:off x="9219501" y="1590413"/>
+              <a:ext cx="2779552" cy="966635"/>
+              <a:chOff x="9412448" y="1649136"/>
+              <a:chExt cx="2779552" cy="966635"/>
+            </a:xfrm>
+          </p:grpSpPr>
+          <p:pic>
+            <p:nvPicPr>
+              <p:cNvPr id="1040" name="Picture 16" descr="Python (programming language) - Wikipedia">
+                <a:extLst>
+                  <a:ext uri="{FF2B5EF4-FFF2-40B4-BE49-F238E27FC236}">
+                    <a16:creationId xmlns:a16="http://schemas.microsoft.com/office/drawing/2014/main" id="{BDC2787A-237F-41B1-8050-36F4DD824CCA}"/>
+                  </a:ext>
+                </a:extLst>
+              </p:cNvPr>
+              <p:cNvPicPr>
+                <a:picLocks noChangeAspect="1" noChangeArrowheads="1"/>
+              </p:cNvPicPr>
+              <p:nvPr/>
+            </p:nvPicPr>
+            <p:blipFill>
+              <a:blip r:embed="rId7">
+                <a:extLst>
+                  <a:ext uri="{28A0092B-C50C-407E-A947-70E740481C1C}">
+                    <a14:useLocalDpi xmlns:a14="http://schemas.microsoft.com/office/drawing/2010/main" val="0"/>
+                  </a:ext>
+                </a:extLst>
+              </a:blip>
+              <a:srcRect/>
+              <a:stretch>
+                <a:fillRect/>
+              </a:stretch>
+            </p:blipFill>
+            <p:spPr bwMode="auto">
+              <a:xfrm>
+                <a:off x="9412448" y="1649136"/>
+                <a:ext cx="966635" cy="966635"/>
+              </a:xfrm>
+              <a:prstGeom prst="rect">
+                <a:avLst/>
+              </a:prstGeom>
+              <a:noFill/>
+              <a:extLst>
+                <a:ext uri="{909E8E84-426E-40DD-AFC4-6F175D3DCCD1}">
+                  <a14:hiddenFill xmlns:a14="http://schemas.microsoft.com/office/drawing/2010/main">
+                    <a:solidFill>
+                      <a:srgbClr val="FFFFFF"/>
+                    </a:solidFill>
+                  </a14:hiddenFill>
+                </a:ext>
+              </a:extLst>
+            </p:spPr>
+          </p:pic>
+          <p:sp>
+            <p:nvSpPr>
+              <p:cNvPr id="50" name="TextBox 49">
+                <a:extLst>
+                  <a:ext uri="{FF2B5EF4-FFF2-40B4-BE49-F238E27FC236}">
+                    <a16:creationId xmlns:a16="http://schemas.microsoft.com/office/drawing/2014/main" id="{4DD62E36-4F4D-4179-A25D-2EA4E8E926CB}"/>
+                  </a:ext>
+                </a:extLst>
+              </p:cNvPr>
+              <p:cNvSpPr txBox="1"/>
+              <p:nvPr/>
+            </p:nvSpPr>
+            <p:spPr>
+              <a:xfrm>
+                <a:off x="10445652" y="1978564"/>
+                <a:ext cx="1746348" cy="307777"/>
+              </a:xfrm>
+              <a:prstGeom prst="rect">
+                <a:avLst/>
+              </a:prstGeom>
+              <a:noFill/>
+            </p:spPr>
+            <p:txBody>
+              <a:bodyPr wrap="square" rtlCol="0">
+                <a:spAutoFit/>
+              </a:bodyPr>
+              <a:lstStyle/>
+              <a:p>
+                <a:r>
+                  <a:rPr lang="en-GB" sz="1400" dirty="0"/>
+                  <a:t>Python script</a:t>
+                </a:r>
+              </a:p>
+            </p:txBody>
+          </p:sp>
+        </p:grpSp>
+        <p:sp>
+          <p:nvSpPr>
+            <p:cNvPr id="51" name="TextBox 50">
+              <a:extLst>
+                <a:ext uri="{FF2B5EF4-FFF2-40B4-BE49-F238E27FC236}">
+                  <a16:creationId xmlns:a16="http://schemas.microsoft.com/office/drawing/2014/main" id="{6C1F5D0A-CC05-48D2-A86B-9D9F905265E4}"/>
+                </a:ext>
+              </a:extLst>
+            </p:cNvPr>
+            <p:cNvSpPr txBox="1"/>
+            <p:nvPr/>
+          </p:nvSpPr>
+          <p:spPr>
+            <a:xfrm>
+              <a:off x="10853201" y="3339124"/>
+              <a:ext cx="1201447" cy="307777"/>
+            </a:xfrm>
+            <a:prstGeom prst="rect">
+              <a:avLst/>
+            </a:prstGeom>
+            <a:noFill/>
+          </p:spPr>
+          <p:txBody>
+            <a:bodyPr wrap="square" rtlCol="0">
+              <a:spAutoFit/>
+            </a:bodyPr>
+            <a:lstStyle/>
+            <a:p>
+              <a:r>
+                <a:rPr lang="en-GB" sz="1400" dirty="0"/>
+                <a:t>Matplotlib  </a:t>
+              </a:r>
+            </a:p>
+          </p:txBody>
+        </p:sp>
+        <p:cxnSp>
+          <p:nvCxnSpPr>
+            <p:cNvPr id="52" name="Connector: Elbow 51">
+              <a:extLst>
+                <a:ext uri="{FF2B5EF4-FFF2-40B4-BE49-F238E27FC236}">
+                  <a16:creationId xmlns:a16="http://schemas.microsoft.com/office/drawing/2014/main" id="{18A712BD-C260-4D89-AF88-E0D07719A76C}"/>
+                </a:ext>
+              </a:extLst>
+            </p:cNvPr>
+            <p:cNvCxnSpPr>
+              <a:cxnSpLocks/>
+            </p:cNvCxnSpPr>
+            <p:nvPr/>
+          </p:nvCxnSpPr>
+          <p:spPr>
+            <a:xfrm rot="16200000" flipH="1">
+              <a:off x="9335971" y="2815612"/>
+              <a:ext cx="942776" cy="477291"/>
+            </a:xfrm>
+            <a:prstGeom prst="bentConnector2">
+              <a:avLst/>
+            </a:prstGeom>
+            <a:ln>
+              <a:headEnd type="none" w="med" len="med"/>
+              <a:tailEnd type="none" w="med" len="med"/>
+            </a:ln>
+          </p:spPr>
+          <p:style>
+            <a:lnRef idx="1">
+              <a:schemeClr val="accent1"/>
+            </a:lnRef>
+            <a:fillRef idx="0">
+              <a:schemeClr val="accent1"/>
+            </a:fillRef>
+            <a:effectRef idx="0">
+              <a:schemeClr val="accent1"/>
+            </a:effectRef>
+            <a:fontRef idx="minor">
+              <a:schemeClr val="tx1"/>
+            </a:fontRef>
+          </p:style>
+        </p:cxnSp>
+      </p:grpSp>
+      <p:cxnSp>
+        <p:nvCxnSpPr>
+          <p:cNvPr id="61" name="Connector: Elbow 60">
+            <a:extLst>
+              <a:ext uri="{FF2B5EF4-FFF2-40B4-BE49-F238E27FC236}">
+                <a16:creationId xmlns:a16="http://schemas.microsoft.com/office/drawing/2014/main" id="{DA52D4FC-6537-4A94-9A82-23F8D4905820}"/>
+              </a:ext>
+            </a:extLst>
+          </p:cNvPr>
+          <p:cNvCxnSpPr>
+            <a:cxnSpLocks/>
+          </p:cNvCxnSpPr>
+          <p:nvPr/>
+        </p:nvCxnSpPr>
+        <p:spPr>
+          <a:xfrm rot="16200000" flipH="1">
+            <a:off x="5937028" y="4690639"/>
+            <a:ext cx="942776" cy="477291"/>
+          </a:xfrm>
+          <a:prstGeom prst="bentConnector2">
+            <a:avLst/>
+          </a:prstGeom>
+          <a:ln>
+            <a:headEnd type="none" w="med" len="med"/>
+            <a:tailEnd type="none" w="med" len="med"/>
+          </a:ln>
+        </p:spPr>
+        <p:style>
+          <a:lnRef idx="1">
+            <a:schemeClr val="accent1"/>
+          </a:lnRef>
+          <a:fillRef idx="0">
+            <a:schemeClr val="accent1"/>
+          </a:fillRef>
+          <a:effectRef idx="0">
+            <a:schemeClr val="accent1"/>
+          </a:effectRef>
+          <a:fontRef idx="minor">
+            <a:schemeClr val="tx1"/>
+          </a:fontRef>
+        </p:style>
+      </p:cxnSp>
+      <p:grpSp>
+        <p:nvGrpSpPr>
+          <p:cNvPr id="62" name="Group 61">
+            <a:extLst>
+              <a:ext uri="{FF2B5EF4-FFF2-40B4-BE49-F238E27FC236}">
+                <a16:creationId xmlns:a16="http://schemas.microsoft.com/office/drawing/2014/main" id="{9CD5A933-8A56-4755-A83C-A6E0BA1AB455}"/>
+              </a:ext>
+            </a:extLst>
+          </p:cNvPr>
+          <p:cNvGrpSpPr/>
+          <p:nvPr/>
+        </p:nvGrpSpPr>
+        <p:grpSpPr>
+          <a:xfrm>
+            <a:off x="6672593" y="4972210"/>
+            <a:ext cx="2080882" cy="868057"/>
+            <a:chOff x="6672593" y="3800461"/>
+            <a:chExt cx="2080882" cy="868057"/>
+          </a:xfrm>
+        </p:grpSpPr>
+        <p:pic>
+          <p:nvPicPr>
+            <p:cNvPr id="63" name="Picture 8" descr="C# / official or unofficial logo · Issue #27 · exercism/meta · GitHub">
+              <a:extLst>
+                <a:ext uri="{FF2B5EF4-FFF2-40B4-BE49-F238E27FC236}">
+                  <a16:creationId xmlns:a16="http://schemas.microsoft.com/office/drawing/2014/main" id="{7DB1C2D1-5653-499C-AA2E-AFACB61541BD}"/>
+                </a:ext>
+              </a:extLst>
+            </p:cNvPr>
+            <p:cNvPicPr>
+              <a:picLocks noChangeAspect="1" noChangeArrowheads="1"/>
+            </p:cNvPicPr>
+            <p:nvPr/>
+          </p:nvPicPr>
+          <p:blipFill>
+            <a:blip r:embed="rId2">
+              <a:extLst>
+                <a:ext uri="{28A0092B-C50C-407E-A947-70E740481C1C}">
+                  <a14:useLocalDpi xmlns:a14="http://schemas.microsoft.com/office/drawing/2010/main" val="0"/>
+                </a:ext>
+              </a:extLst>
+            </a:blip>
+            <a:srcRect/>
+            <a:stretch>
+              <a:fillRect/>
+            </a:stretch>
+          </p:blipFill>
+          <p:spPr bwMode="auto">
+            <a:xfrm>
+              <a:off x="6672593" y="3800461"/>
+              <a:ext cx="807775" cy="868057"/>
+            </a:xfrm>
+            <a:prstGeom prst="rect">
+              <a:avLst/>
+            </a:prstGeom>
+            <a:noFill/>
+            <a:extLst>
+              <a:ext uri="{909E8E84-426E-40DD-AFC4-6F175D3DCCD1}">
+                <a14:hiddenFill xmlns:a14="http://schemas.microsoft.com/office/drawing/2010/main">
+                  <a:solidFill>
+                    <a:srgbClr val="FFFFFF"/>
+                  </a:solidFill>
+                </a14:hiddenFill>
+              </a:ext>
+            </a:extLst>
+          </p:spPr>
+        </p:pic>
+        <p:sp>
+          <p:nvSpPr>
+            <p:cNvPr id="64" name="TextBox 63">
+              <a:extLst>
+                <a:ext uri="{FF2B5EF4-FFF2-40B4-BE49-F238E27FC236}">
+                  <a16:creationId xmlns:a16="http://schemas.microsoft.com/office/drawing/2014/main" id="{E7BE010C-4372-46C0-B94B-CC7B3BFFAC98}"/>
+                </a:ext>
+              </a:extLst>
+            </p:cNvPr>
+            <p:cNvSpPr txBox="1"/>
+            <p:nvPr/>
+          </p:nvSpPr>
+          <p:spPr>
+            <a:xfrm>
+              <a:off x="7566870" y="4006384"/>
+              <a:ext cx="1186605" cy="584775"/>
+            </a:xfrm>
+            <a:prstGeom prst="rect">
+              <a:avLst/>
+            </a:prstGeom>
+            <a:noFill/>
+          </p:spPr>
+          <p:txBody>
+            <a:bodyPr wrap="square" rtlCol="0">
+              <a:spAutoFit/>
+            </a:bodyPr>
+            <a:lstStyle/>
+            <a:p>
+              <a:r>
+                <a:rPr lang="en-GB" sz="1600" dirty="0"/>
+                <a:t>Unity scripts</a:t>
+              </a:r>
+            </a:p>
+          </p:txBody>
+        </p:sp>
+      </p:grpSp>
+      <p:sp>
+        <p:nvSpPr>
+          <p:cNvPr id="53" name="Right Brace 52">
+            <a:extLst>
+              <a:ext uri="{FF2B5EF4-FFF2-40B4-BE49-F238E27FC236}">
+                <a16:creationId xmlns:a16="http://schemas.microsoft.com/office/drawing/2014/main" id="{DD44587A-FE36-4258-9170-266264FC24E1}"/>
+              </a:ext>
+            </a:extLst>
+          </p:cNvPr>
+          <p:cNvSpPr/>
+          <p:nvPr/>
+        </p:nvSpPr>
+        <p:spPr>
+          <a:xfrm>
+            <a:off x="8433383" y="3238660"/>
+            <a:ext cx="595618" cy="2420902"/>
+          </a:xfrm>
+          <a:prstGeom prst="rightBrace">
+            <a:avLst/>
+          </a:prstGeom>
+        </p:spPr>
+        <p:style>
+          <a:lnRef idx="1">
+            <a:schemeClr val="dk1"/>
+          </a:lnRef>
+          <a:fillRef idx="0">
+            <a:schemeClr val="dk1"/>
+          </a:fillRef>
+          <a:effectRef idx="0">
+            <a:schemeClr val="dk1"/>
+          </a:effectRef>
+          <a:fontRef idx="minor">
+            <a:schemeClr val="tx1"/>
+          </a:fontRef>
+        </p:style>
+        <p:txBody>
+          <a:bodyPr rtlCol="0" anchor="ctr"/>
+          <a:lstStyle/>
+          <a:p>
+            <a:pPr algn="ctr"/>
+            <a:endParaRPr lang="en-GB">
+              <a:ln>
+                <a:solidFill>
+                  <a:sysClr val="windowText" lastClr="000000"/>
+                </a:solidFill>
+              </a:ln>
+            </a:endParaRPr>
+          </a:p>
+        </p:txBody>
+      </p:sp>
+      <p:pic>
+        <p:nvPicPr>
+          <p:cNvPr id="3" name="Picture 2">
+            <a:extLst>
+              <a:ext uri="{FF2B5EF4-FFF2-40B4-BE49-F238E27FC236}">
+                <a16:creationId xmlns:a16="http://schemas.microsoft.com/office/drawing/2014/main" id="{5F2AA41A-65E7-4AA8-B373-5677452D52E6}"/>
+              </a:ext>
+            </a:extLst>
+          </p:cNvPr>
+          <p:cNvPicPr>
+            <a:picLocks noChangeAspect="1" noChangeArrowheads="1"/>
+          </p:cNvPicPr>
+          <p:nvPr/>
+        </p:nvPicPr>
+        <p:blipFill>
+          <a:blip r:embed="rId8">
+            <a:extLst>
+              <a:ext uri="{28A0092B-C50C-407E-A947-70E740481C1C}">
+                <a14:useLocalDpi xmlns:a14="http://schemas.microsoft.com/office/drawing/2010/main" val="0"/>
+              </a:ext>
+            </a:extLst>
+          </a:blip>
+          <a:srcRect/>
+          <a:stretch>
+            <a:fillRect/>
+          </a:stretch>
+        </p:blipFill>
+        <p:spPr bwMode="auto">
+          <a:xfrm>
+            <a:off x="6642747" y="4074891"/>
+            <a:ext cx="829235" cy="829235"/>
+          </a:xfrm>
+          <a:prstGeom prst="rect">
+            <a:avLst/>
+          </a:prstGeom>
+          <a:noFill/>
+          <a:extLst>
+            <a:ext uri="{909E8E84-426E-40DD-AFC4-6F175D3DCCD1}">
+              <a14:hiddenFill xmlns:a14="http://schemas.microsoft.com/office/drawing/2010/main">
+                <a:solidFill>
+                  <a:srgbClr val="FFFFFF"/>
+                </a:solidFill>
+              </a14:hiddenFill>
+            </a:ext>
+          </a:extLst>
+        </p:spPr>
+      </p:pic>
+      <p:sp>
+        <p:nvSpPr>
+          <p:cNvPr id="40" name="TextBox 39">
+            <a:extLst>
+              <a:ext uri="{FF2B5EF4-FFF2-40B4-BE49-F238E27FC236}">
+                <a16:creationId xmlns:a16="http://schemas.microsoft.com/office/drawing/2014/main" id="{7F420825-0D46-4AAC-BB91-FCDF4536DFF3}"/>
+              </a:ext>
+            </a:extLst>
+          </p:cNvPr>
+          <p:cNvSpPr txBox="1"/>
+          <p:nvPr/>
+        </p:nvSpPr>
+        <p:spPr>
+          <a:xfrm>
+            <a:off x="7435756" y="4208291"/>
+            <a:ext cx="1608191" cy="523220"/>
+          </a:xfrm>
+          <a:prstGeom prst="rect">
+            <a:avLst/>
+          </a:prstGeom>
+          <a:noFill/>
+        </p:spPr>
+        <p:txBody>
+          <a:bodyPr wrap="square" rtlCol="0">
+            <a:spAutoFit/>
+          </a:bodyPr>
+          <a:lstStyle/>
+          <a:p>
+            <a:r>
+              <a:rPr lang="en-GB" sz="1400" dirty="0" err="1"/>
+              <a:t>SteamVR</a:t>
+            </a:r>
+            <a:r>
+              <a:rPr lang="en-GB" sz="1400" dirty="0"/>
+              <a:t> Unity package</a:t>
+            </a:r>
+          </a:p>
+        </p:txBody>
+      </p:sp>
+      <p:cxnSp>
+        <p:nvCxnSpPr>
+          <p:cNvPr id="41" name="Straight Arrow Connector 40">
+            <a:extLst>
+              <a:ext uri="{FF2B5EF4-FFF2-40B4-BE49-F238E27FC236}">
+                <a16:creationId xmlns:a16="http://schemas.microsoft.com/office/drawing/2014/main" id="{1CC4EBED-3EA3-41F2-8A27-3D59CF6F8649}"/>
+              </a:ext>
+            </a:extLst>
+          </p:cNvPr>
+          <p:cNvCxnSpPr>
+            <a:cxnSpLocks/>
+          </p:cNvCxnSpPr>
+          <p:nvPr/>
+        </p:nvCxnSpPr>
+        <p:spPr>
+          <a:xfrm>
+            <a:off x="4509666" y="4641873"/>
+            <a:ext cx="1210228" cy="0"/>
+          </a:xfrm>
+          <a:prstGeom prst="straightConnector1">
+            <a:avLst/>
+          </a:prstGeom>
+          <a:ln w="12700">
+            <a:tailEnd type="triangle"/>
+          </a:ln>
+        </p:spPr>
+        <p:style>
+          <a:lnRef idx="1">
+            <a:schemeClr val="dk1"/>
+          </a:lnRef>
+          <a:fillRef idx="0">
+            <a:schemeClr val="dk1"/>
+          </a:fillRef>
+          <a:effectRef idx="0">
+            <a:schemeClr val="dk1"/>
+          </a:effectRef>
+          <a:fontRef idx="minor">
+            <a:schemeClr val="tx1"/>
+          </a:fontRef>
+        </p:style>
+      </p:cxnSp>
+      <p:sp>
+        <p:nvSpPr>
+          <p:cNvPr id="44" name="TextBox 43">
+            <a:extLst>
+              <a:ext uri="{FF2B5EF4-FFF2-40B4-BE49-F238E27FC236}">
+                <a16:creationId xmlns:a16="http://schemas.microsoft.com/office/drawing/2014/main" id="{3FE03F97-D47F-4644-A8F7-39D16DB05BE0}"/>
+              </a:ext>
+            </a:extLst>
+          </p:cNvPr>
+          <p:cNvSpPr txBox="1"/>
+          <p:nvPr/>
+        </p:nvSpPr>
+        <p:spPr>
+          <a:xfrm>
+            <a:off x="4741264" y="4359792"/>
+            <a:ext cx="1175991" cy="246221"/>
+          </a:xfrm>
+          <a:prstGeom prst="rect">
+            <a:avLst/>
+          </a:prstGeom>
+          <a:noFill/>
+        </p:spPr>
+        <p:txBody>
+          <a:bodyPr wrap="square" rtlCol="0">
+            <a:spAutoFit/>
+          </a:bodyPr>
+          <a:lstStyle/>
+          <a:p>
+            <a:r>
+              <a:rPr lang="en-GB" sz="1000" dirty="0" err="1"/>
+              <a:t>PiTool</a:t>
+            </a:r>
+            <a:endParaRPr lang="en-GB" sz="2800" dirty="0"/>
+          </a:p>
+        </p:txBody>
+      </p:sp>
+      <p:sp>
+        <p:nvSpPr>
+          <p:cNvPr id="5" name="Rectangle 4">
+            <a:extLst>
+              <a:ext uri="{FF2B5EF4-FFF2-40B4-BE49-F238E27FC236}">
+                <a16:creationId xmlns:a16="http://schemas.microsoft.com/office/drawing/2014/main" id="{D549429B-459C-4817-B12D-DDA52AC42398}"/>
+              </a:ext>
+            </a:extLst>
+          </p:cNvPr>
+          <p:cNvSpPr/>
+          <p:nvPr/>
+        </p:nvSpPr>
+        <p:spPr>
+          <a:xfrm>
+            <a:off x="2314680" y="2868706"/>
+            <a:ext cx="2280817" cy="1137677"/>
+          </a:xfrm>
+          <a:prstGeom prst="rect">
+            <a:avLst/>
+          </a:prstGeom>
+          <a:noFill/>
+          <a:ln w="38100"/>
+        </p:spPr>
+        <p:style>
+          <a:lnRef idx="2">
+            <a:schemeClr val="accent2"/>
+          </a:lnRef>
+          <a:fillRef idx="1">
+            <a:schemeClr val="lt1"/>
+          </a:fillRef>
+          <a:effectRef idx="0">
+            <a:schemeClr val="accent2"/>
+          </a:effectRef>
+          <a:fontRef idx="minor">
+            <a:schemeClr val="dk1"/>
+          </a:fontRef>
+        </p:style>
+        <p:txBody>
+          <a:bodyPr rtlCol="0" anchor="ctr"/>
+          <a:lstStyle/>
+          <a:p>
+            <a:pPr algn="ctr"/>
+            <a:endParaRPr lang="en-GB"/>
+          </a:p>
+        </p:txBody>
+      </p:sp>
+      <p:sp>
+        <p:nvSpPr>
+          <p:cNvPr id="45" name="Rectangle 44">
+            <a:extLst>
+              <a:ext uri="{FF2B5EF4-FFF2-40B4-BE49-F238E27FC236}">
+                <a16:creationId xmlns:a16="http://schemas.microsoft.com/office/drawing/2014/main" id="{7CCEB972-EF11-45B5-A661-7F086CC5E286}"/>
+              </a:ext>
+            </a:extLst>
+          </p:cNvPr>
+          <p:cNvSpPr/>
+          <p:nvPr/>
+        </p:nvSpPr>
+        <p:spPr>
+          <a:xfrm>
+            <a:off x="6566376" y="2950668"/>
+            <a:ext cx="2094186" cy="1044585"/>
+          </a:xfrm>
+          <a:prstGeom prst="rect">
+            <a:avLst/>
+          </a:prstGeom>
+          <a:noFill/>
+          <a:ln w="38100"/>
+        </p:spPr>
+        <p:style>
+          <a:lnRef idx="2">
+            <a:schemeClr val="accent2"/>
+          </a:lnRef>
+          <a:fillRef idx="1">
+            <a:schemeClr val="lt1"/>
+          </a:fillRef>
+          <a:effectRef idx="0">
+            <a:schemeClr val="accent2"/>
+          </a:effectRef>
+          <a:fontRef idx="minor">
+            <a:schemeClr val="dk1"/>
+          </a:fontRef>
+        </p:style>
+        <p:txBody>
+          <a:bodyPr rtlCol="0" anchor="ctr"/>
+          <a:lstStyle/>
+          <a:p>
+            <a:pPr algn="ctr"/>
+            <a:endParaRPr lang="en-GB"/>
+          </a:p>
+        </p:txBody>
+      </p:sp>
+      <p:sp>
+        <p:nvSpPr>
+          <p:cNvPr id="46" name="Rectangle 45">
+            <a:extLst>
+              <a:ext uri="{FF2B5EF4-FFF2-40B4-BE49-F238E27FC236}">
+                <a16:creationId xmlns:a16="http://schemas.microsoft.com/office/drawing/2014/main" id="{B7D53F99-AB96-4972-B9DE-7DF1C1E409DC}"/>
+              </a:ext>
+            </a:extLst>
+          </p:cNvPr>
+          <p:cNvSpPr/>
+          <p:nvPr/>
+        </p:nvSpPr>
+        <p:spPr>
+          <a:xfrm>
+            <a:off x="6566376" y="4943110"/>
+            <a:ext cx="2057507" cy="920206"/>
+          </a:xfrm>
+          <a:prstGeom prst="rect">
+            <a:avLst/>
+          </a:prstGeom>
+          <a:noFill/>
+          <a:ln w="38100"/>
+        </p:spPr>
+        <p:style>
+          <a:lnRef idx="2">
+            <a:schemeClr val="accent2"/>
+          </a:lnRef>
+          <a:fillRef idx="1">
+            <a:schemeClr val="lt1"/>
+          </a:fillRef>
+          <a:effectRef idx="0">
+            <a:schemeClr val="accent2"/>
+          </a:effectRef>
+          <a:fontRef idx="minor">
+            <a:schemeClr val="dk1"/>
+          </a:fontRef>
+        </p:style>
+        <p:txBody>
+          <a:bodyPr rtlCol="0" anchor="ctr"/>
+          <a:lstStyle/>
+          <a:p>
+            <a:pPr algn="ctr"/>
+            <a:endParaRPr lang="en-GB"/>
+          </a:p>
+        </p:txBody>
+      </p:sp>
+      <p:sp>
+        <p:nvSpPr>
+          <p:cNvPr id="47" name="Rectangle 46">
+            <a:extLst>
+              <a:ext uri="{FF2B5EF4-FFF2-40B4-BE49-F238E27FC236}">
+                <a16:creationId xmlns:a16="http://schemas.microsoft.com/office/drawing/2014/main" id="{EE1208F0-4033-4119-8781-D13EE571B5E6}"/>
+              </a:ext>
+            </a:extLst>
+          </p:cNvPr>
+          <p:cNvSpPr/>
+          <p:nvPr/>
+        </p:nvSpPr>
+        <p:spPr>
+          <a:xfrm>
+            <a:off x="5532184" y="1512954"/>
+            <a:ext cx="2901199" cy="1339126"/>
+          </a:xfrm>
+          <a:prstGeom prst="rect">
+            <a:avLst/>
+          </a:prstGeom>
+          <a:noFill/>
+          <a:ln w="38100"/>
+        </p:spPr>
+        <p:style>
+          <a:lnRef idx="2">
+            <a:schemeClr val="accent2"/>
+          </a:lnRef>
+          <a:fillRef idx="1">
+            <a:schemeClr val="lt1"/>
+          </a:fillRef>
+          <a:effectRef idx="0">
+            <a:schemeClr val="accent2"/>
+          </a:effectRef>
+          <a:fontRef idx="minor">
+            <a:schemeClr val="dk1"/>
+          </a:fontRef>
+        </p:style>
+        <p:txBody>
+          <a:bodyPr rtlCol="0" anchor="ctr"/>
+          <a:lstStyle/>
+          <a:p>
+            <a:pPr algn="ctr"/>
+            <a:endParaRPr lang="en-GB"/>
+          </a:p>
+        </p:txBody>
+      </p:sp>
+      <p:sp>
+        <p:nvSpPr>
+          <p:cNvPr id="49" name="Rectangle 48">
+            <a:extLst>
+              <a:ext uri="{FF2B5EF4-FFF2-40B4-BE49-F238E27FC236}">
+                <a16:creationId xmlns:a16="http://schemas.microsoft.com/office/drawing/2014/main" id="{40EED529-0F96-40AA-9DBE-F9D015930D7D}"/>
+              </a:ext>
+            </a:extLst>
+          </p:cNvPr>
+          <p:cNvSpPr/>
+          <p:nvPr/>
+        </p:nvSpPr>
+        <p:spPr>
+          <a:xfrm>
+            <a:off x="9112296" y="2591730"/>
+            <a:ext cx="2901199" cy="2679517"/>
+          </a:xfrm>
+          <a:prstGeom prst="rect">
+            <a:avLst/>
+          </a:prstGeom>
+          <a:noFill/>
+          <a:ln w="38100"/>
+        </p:spPr>
+        <p:style>
+          <a:lnRef idx="2">
+            <a:schemeClr val="accent2"/>
+          </a:lnRef>
+          <a:fillRef idx="1">
+            <a:schemeClr val="lt1"/>
+          </a:fillRef>
+          <a:effectRef idx="0">
+            <a:schemeClr val="accent2"/>
+          </a:effectRef>
+          <a:fontRef idx="minor">
+            <a:schemeClr val="dk1"/>
+          </a:fontRef>
+        </p:style>
+        <p:txBody>
+          <a:bodyPr rtlCol="0" anchor="ctr"/>
+          <a:lstStyle/>
+          <a:p>
+            <a:pPr algn="ctr"/>
+            <a:endParaRPr lang="en-GB"/>
+          </a:p>
+        </p:txBody>
+      </p:sp>
+      <p:grpSp>
+        <p:nvGrpSpPr>
+          <p:cNvPr id="9" name="Group 8">
+            <a:extLst>
+              <a:ext uri="{FF2B5EF4-FFF2-40B4-BE49-F238E27FC236}">
+                <a16:creationId xmlns:a16="http://schemas.microsoft.com/office/drawing/2014/main" id="{577109A7-CD84-420E-9928-200E8B116D26}"/>
+              </a:ext>
+            </a:extLst>
+          </p:cNvPr>
+          <p:cNvGrpSpPr/>
+          <p:nvPr/>
+        </p:nvGrpSpPr>
+        <p:grpSpPr>
+          <a:xfrm>
+            <a:off x="6169770" y="5400674"/>
+            <a:ext cx="2740512" cy="1301293"/>
+            <a:chOff x="6169770" y="5400674"/>
+            <a:chExt cx="2740512" cy="1301293"/>
+          </a:xfrm>
+        </p:grpSpPr>
+        <p:cxnSp>
+          <p:nvCxnSpPr>
+            <p:cNvPr id="54" name="Connector: Elbow 53">
+              <a:extLst>
+                <a:ext uri="{FF2B5EF4-FFF2-40B4-BE49-F238E27FC236}">
+                  <a16:creationId xmlns:a16="http://schemas.microsoft.com/office/drawing/2014/main" id="{A2A299B9-A943-45DE-BE69-3414D9CC103D}"/>
+                </a:ext>
+              </a:extLst>
+            </p:cNvPr>
+            <p:cNvCxnSpPr>
+              <a:cxnSpLocks/>
+            </p:cNvCxnSpPr>
+            <p:nvPr/>
+          </p:nvCxnSpPr>
+          <p:spPr>
+            <a:xfrm rot="16200000" flipH="1">
+              <a:off x="5937028" y="5633416"/>
+              <a:ext cx="942776" cy="477291"/>
+            </a:xfrm>
+            <a:prstGeom prst="bentConnector2">
+              <a:avLst/>
+            </a:prstGeom>
+            <a:ln>
+              <a:headEnd type="none" w="med" len="med"/>
+              <a:tailEnd type="none" w="med" len="med"/>
+            </a:ln>
+          </p:spPr>
+          <p:style>
+            <a:lnRef idx="1">
+              <a:schemeClr val="accent1"/>
+            </a:lnRef>
+            <a:fillRef idx="0">
+              <a:schemeClr val="accent1"/>
+            </a:fillRef>
+            <a:effectRef idx="0">
+              <a:schemeClr val="accent1"/>
+            </a:effectRef>
+            <a:fontRef idx="minor">
+              <a:schemeClr val="tx1"/>
+            </a:fontRef>
+          </p:style>
+        </p:cxnSp>
+        <p:pic>
+          <p:nvPicPr>
+            <p:cNvPr id="55" name="Picture 2">
+              <a:extLst>
+                <a:ext uri="{FF2B5EF4-FFF2-40B4-BE49-F238E27FC236}">
+                  <a16:creationId xmlns:a16="http://schemas.microsoft.com/office/drawing/2014/main" id="{5CE54C2E-B134-4088-9DB0-7E5E804B9676}"/>
+                </a:ext>
+              </a:extLst>
+            </p:cNvPr>
+            <p:cNvPicPr>
+              <a:picLocks noChangeAspect="1" noChangeArrowheads="1"/>
+            </p:cNvPicPr>
+            <p:nvPr/>
+          </p:nvPicPr>
+          <p:blipFill rotWithShape="1">
+            <a:blip r:embed="rId3">
+              <a:extLst>
+                <a:ext uri="{28A0092B-C50C-407E-A947-70E740481C1C}">
+                  <a14:useLocalDpi xmlns:a14="http://schemas.microsoft.com/office/drawing/2010/main" val="0"/>
+                </a:ext>
+              </a:extLst>
+            </a:blip>
+            <a:srcRect r="63492"/>
+            <a:stretch/>
+          </p:blipFill>
+          <p:spPr bwMode="auto">
+            <a:xfrm>
+              <a:off x="6632997" y="5902300"/>
+              <a:ext cx="802759" cy="799667"/>
+            </a:xfrm>
+            <a:prstGeom prst="rect">
+              <a:avLst/>
+            </a:prstGeom>
+            <a:noFill/>
+            <a:extLst>
+              <a:ext uri="{909E8E84-426E-40DD-AFC4-6F175D3DCCD1}">
+                <a14:hiddenFill xmlns:a14="http://schemas.microsoft.com/office/drawing/2010/main">
+                  <a:solidFill>
+                    <a:srgbClr val="FFFFFF"/>
+                  </a:solidFill>
+                </a14:hiddenFill>
+              </a:ext>
+            </a:extLst>
+          </p:spPr>
+        </p:pic>
+        <p:sp>
+          <p:nvSpPr>
+            <p:cNvPr id="58" name="TextBox 57">
+              <a:extLst>
+                <a:ext uri="{FF2B5EF4-FFF2-40B4-BE49-F238E27FC236}">
+                  <a16:creationId xmlns:a16="http://schemas.microsoft.com/office/drawing/2014/main" id="{25B9B22B-3C7B-486E-9477-717DB4AFBB57}"/>
+                </a:ext>
+              </a:extLst>
+            </p:cNvPr>
+            <p:cNvSpPr txBox="1"/>
+            <p:nvPr/>
+          </p:nvSpPr>
+          <p:spPr>
+            <a:xfrm>
+              <a:off x="7505410" y="6106184"/>
+              <a:ext cx="1404872" cy="584775"/>
+            </a:xfrm>
+            <a:prstGeom prst="rect">
+              <a:avLst/>
+            </a:prstGeom>
+            <a:noFill/>
+          </p:spPr>
+          <p:txBody>
+            <a:bodyPr wrap="square" rtlCol="0">
+              <a:spAutoFit/>
+            </a:bodyPr>
+            <a:lstStyle/>
+            <a:p>
+              <a:r>
+                <a:rPr lang="en-GB" sz="1600" dirty="0"/>
+                <a:t>XR Interaction toolkit</a:t>
+              </a:r>
+            </a:p>
+          </p:txBody>
+        </p:sp>
+      </p:grpSp>
     </p:spTree>
     <p:extLst>
       <p:ext uri="{BB962C8B-B14F-4D97-AF65-F5344CB8AC3E}">
-        <p14:creationId xmlns:p14="http://schemas.microsoft.com/office/powerpoint/2010/main" val="1184632365"/>
+        <p14:creationId xmlns:p14="http://schemas.microsoft.com/office/powerpoint/2010/main" val="756444819"/>
       </p:ext>
     </p:extLst>
   </p:cSld>
@@ -5098,7 +8079,7 @@
           <p:cNvPr id="2" name="Title 1">
             <a:extLst>
               <a:ext uri="{FF2B5EF4-FFF2-40B4-BE49-F238E27FC236}">
-                <a16:creationId xmlns:a16="http://schemas.microsoft.com/office/drawing/2014/main" id="{71B1AF25-EA09-4D90-8E0D-82B634E986C0}"/>
+                <a16:creationId xmlns:a16="http://schemas.microsoft.com/office/drawing/2014/main" id="{23013A05-9272-48D4-A2C0-72C35D59C6F0}"/>
               </a:ext>
             </a:extLst>
           </p:cNvPr>
@@ -5115,33 +8096,274 @@
           <a:lstStyle/>
           <a:p>
             <a:r>
-              <a:rPr lang="en-GB" dirty="0"/>
-              <a:t>Experiments Results + analysis</a:t>
-            </a:r>
-          </a:p>
-        </p:txBody>
-      </p:sp>
-      <p:sp>
-        <p:nvSpPr>
-          <p:cNvPr id="3" name="Content Placeholder 2">
-            <a:extLst>
-              <a:ext uri="{FF2B5EF4-FFF2-40B4-BE49-F238E27FC236}">
-                <a16:creationId xmlns:a16="http://schemas.microsoft.com/office/drawing/2014/main" id="{B51BEE28-1D61-471A-9DD6-B44E8692E920}"/>
-              </a:ext>
-            </a:extLst>
-          </p:cNvPr>
-          <p:cNvSpPr>
-            <a:spLocks noGrp="1"/>
-          </p:cNvSpPr>
-          <p:nvPr>
-            <p:ph idx="1"/>
-          </p:nvPr>
-        </p:nvSpPr>
-        <p:spPr/>
-        <p:txBody>
-          <a:bodyPr/>
-          <a:lstStyle/>
-          <a:p>
+              <a:rPr lang="en-GB"/>
+              <a:t>Choice of stimulus</a:t>
+            </a:r>
+            <a:endParaRPr lang="en-GB" dirty="0"/>
+          </a:p>
+        </p:txBody>
+      </p:sp>
+      <p:pic>
+        <p:nvPicPr>
+          <p:cNvPr id="5" name="Picture 4">
+            <a:extLst>
+              <a:ext uri="{FF2B5EF4-FFF2-40B4-BE49-F238E27FC236}">
+                <a16:creationId xmlns:a16="http://schemas.microsoft.com/office/drawing/2014/main" id="{ACF31EDC-4F68-4591-B7BA-0F52C3F69065}"/>
+              </a:ext>
+            </a:extLst>
+          </p:cNvPr>
+          <p:cNvPicPr>
+            <a:picLocks noChangeAspect="1"/>
+          </p:cNvPicPr>
+          <p:nvPr/>
+        </p:nvPicPr>
+        <p:blipFill>
+          <a:blip r:embed="rId2"/>
+          <a:stretch>
+            <a:fillRect/>
+          </a:stretch>
+        </p:blipFill>
+        <p:spPr>
+          <a:xfrm>
+            <a:off x="314325" y="1497104"/>
+            <a:ext cx="5467758" cy="4284571"/>
+          </a:xfrm>
+          <a:prstGeom prst="rect">
+            <a:avLst/>
+          </a:prstGeom>
+        </p:spPr>
+      </p:pic>
+      <p:sp>
+        <p:nvSpPr>
+          <p:cNvPr id="6" name="Flowchart: Direct Access Storage 5">
+            <a:extLst>
+              <a:ext uri="{FF2B5EF4-FFF2-40B4-BE49-F238E27FC236}">
+                <a16:creationId xmlns:a16="http://schemas.microsoft.com/office/drawing/2014/main" id="{A6C0D7E9-4E0A-465E-ABAF-8F0A1BE1F1D9}"/>
+              </a:ext>
+            </a:extLst>
+          </p:cNvPr>
+          <p:cNvSpPr/>
+          <p:nvPr/>
+        </p:nvSpPr>
+        <p:spPr>
+          <a:xfrm>
+            <a:off x="6865284" y="831477"/>
+            <a:ext cx="3209925" cy="2095500"/>
+          </a:xfrm>
+          <a:prstGeom prst="flowChartMagneticDrum">
+            <a:avLst/>
+          </a:prstGeom>
+          <a:noFill/>
+        </p:spPr>
+        <p:style>
+          <a:lnRef idx="2">
+            <a:schemeClr val="accent1">
+              <a:shade val="50000"/>
+            </a:schemeClr>
+          </a:lnRef>
+          <a:fillRef idx="1">
+            <a:schemeClr val="accent1"/>
+          </a:fillRef>
+          <a:effectRef idx="0">
+            <a:schemeClr val="accent1"/>
+          </a:effectRef>
+          <a:fontRef idx="minor">
+            <a:schemeClr val="lt1"/>
+          </a:fontRef>
+        </p:style>
+        <p:txBody>
+          <a:bodyPr rtlCol="0" anchor="ctr"/>
+          <a:lstStyle/>
+          <a:p>
+            <a:pPr algn="ctr"/>
+            <a:endParaRPr lang="en-GB"/>
+          </a:p>
+        </p:txBody>
+      </p:sp>
+      <p:sp>
+        <p:nvSpPr>
+          <p:cNvPr id="9" name="Flowchart: Connector 8">
+            <a:extLst>
+              <a:ext uri="{FF2B5EF4-FFF2-40B4-BE49-F238E27FC236}">
+                <a16:creationId xmlns:a16="http://schemas.microsoft.com/office/drawing/2014/main" id="{22F093ED-2F40-4099-841A-45F8CE7DDB9F}"/>
+              </a:ext>
+            </a:extLst>
+          </p:cNvPr>
+          <p:cNvSpPr/>
+          <p:nvPr/>
+        </p:nvSpPr>
+        <p:spPr>
+          <a:xfrm>
+            <a:off x="6865284" y="3429000"/>
+            <a:ext cx="2545976" cy="2545976"/>
+          </a:xfrm>
+          <a:prstGeom prst="flowChartConnector">
+            <a:avLst/>
+          </a:prstGeom>
+          <a:noFill/>
+        </p:spPr>
+        <p:style>
+          <a:lnRef idx="2">
+            <a:schemeClr val="accent1">
+              <a:shade val="50000"/>
+            </a:schemeClr>
+          </a:lnRef>
+          <a:fillRef idx="1">
+            <a:schemeClr val="accent1"/>
+          </a:fillRef>
+          <a:effectRef idx="0">
+            <a:schemeClr val="accent1"/>
+          </a:effectRef>
+          <a:fontRef idx="minor">
+            <a:schemeClr val="lt1"/>
+          </a:fontRef>
+        </p:style>
+        <p:txBody>
+          <a:bodyPr rtlCol="0" anchor="ctr"/>
+          <a:lstStyle/>
+          <a:p>
+            <a:pPr algn="ctr"/>
+            <a:endParaRPr lang="en-GB"/>
+          </a:p>
+        </p:txBody>
+      </p:sp>
+      <p:sp>
+        <p:nvSpPr>
+          <p:cNvPr id="15" name="Flowchart: Connector 14">
+            <a:extLst>
+              <a:ext uri="{FF2B5EF4-FFF2-40B4-BE49-F238E27FC236}">
+                <a16:creationId xmlns:a16="http://schemas.microsoft.com/office/drawing/2014/main" id="{56549F3F-845B-43C6-A4AE-E31821BA95E6}"/>
+              </a:ext>
+            </a:extLst>
+          </p:cNvPr>
+          <p:cNvSpPr/>
+          <p:nvPr/>
+        </p:nvSpPr>
+        <p:spPr>
+          <a:xfrm>
+            <a:off x="6865284" y="4172929"/>
+            <a:ext cx="2545976" cy="1058117"/>
+          </a:xfrm>
+          <a:prstGeom prst="flowChartConnector">
+            <a:avLst/>
+          </a:prstGeom>
+          <a:noFill/>
+        </p:spPr>
+        <p:style>
+          <a:lnRef idx="2">
+            <a:schemeClr val="accent1">
+              <a:shade val="50000"/>
+            </a:schemeClr>
+          </a:lnRef>
+          <a:fillRef idx="1">
+            <a:schemeClr val="accent1"/>
+          </a:fillRef>
+          <a:effectRef idx="0">
+            <a:schemeClr val="accent1"/>
+          </a:effectRef>
+          <a:fontRef idx="minor">
+            <a:schemeClr val="lt1"/>
+          </a:fontRef>
+        </p:style>
+        <p:txBody>
+          <a:bodyPr rtlCol="0" anchor="ctr"/>
+          <a:lstStyle/>
+          <a:p>
+            <a:pPr algn="ctr"/>
+            <a:endParaRPr lang="en-GB"/>
+          </a:p>
+        </p:txBody>
+      </p:sp>
+      <p:sp>
+        <p:nvSpPr>
+          <p:cNvPr id="17" name="Flowchart: Connector 16">
+            <a:extLst>
+              <a:ext uri="{FF2B5EF4-FFF2-40B4-BE49-F238E27FC236}">
+                <a16:creationId xmlns:a16="http://schemas.microsoft.com/office/drawing/2014/main" id="{D6FC5353-5609-4815-8CC4-E5D88609A809}"/>
+              </a:ext>
+            </a:extLst>
+          </p:cNvPr>
+          <p:cNvSpPr/>
+          <p:nvPr/>
+        </p:nvSpPr>
+        <p:spPr>
+          <a:xfrm rot="16200000">
+            <a:off x="6865285" y="4172929"/>
+            <a:ext cx="2545976" cy="1058117"/>
+          </a:xfrm>
+          <a:prstGeom prst="flowChartConnector">
+            <a:avLst/>
+          </a:prstGeom>
+          <a:noFill/>
+        </p:spPr>
+        <p:style>
+          <a:lnRef idx="2">
+            <a:schemeClr val="accent1">
+              <a:shade val="50000"/>
+            </a:schemeClr>
+          </a:lnRef>
+          <a:fillRef idx="1">
+            <a:schemeClr val="accent1"/>
+          </a:fillRef>
+          <a:effectRef idx="0">
+            <a:schemeClr val="accent1"/>
+          </a:effectRef>
+          <a:fontRef idx="minor">
+            <a:schemeClr val="lt1"/>
+          </a:fontRef>
+        </p:style>
+        <p:txBody>
+          <a:bodyPr rtlCol="0" anchor="ctr"/>
+          <a:lstStyle/>
+          <a:p>
+            <a:pPr algn="ctr"/>
+            <a:endParaRPr lang="en-GB"/>
+          </a:p>
+        </p:txBody>
+      </p:sp>
+      <p:sp>
+        <p:nvSpPr>
+          <p:cNvPr id="20" name="Flowchart: Connector 19">
+            <a:extLst>
+              <a:ext uri="{FF2B5EF4-FFF2-40B4-BE49-F238E27FC236}">
+                <a16:creationId xmlns:a16="http://schemas.microsoft.com/office/drawing/2014/main" id="{A16FCC80-35CB-4C52-BF64-FE27DC62E4F3}"/>
+              </a:ext>
+            </a:extLst>
+          </p:cNvPr>
+          <p:cNvSpPr/>
+          <p:nvPr/>
+        </p:nvSpPr>
+        <p:spPr>
+          <a:xfrm rot="16200000">
+            <a:off x="8729800" y="1486317"/>
+            <a:ext cx="1636483" cy="841424"/>
+          </a:xfrm>
+          <a:prstGeom prst="flowChartConnector">
+            <a:avLst/>
+          </a:prstGeom>
+          <a:noFill/>
+        </p:spPr>
+        <p:style>
+          <a:lnRef idx="2">
+            <a:schemeClr val="accent1">
+              <a:shade val="50000"/>
+            </a:schemeClr>
+          </a:lnRef>
+          <a:fillRef idx="1">
+            <a:schemeClr val="accent1"/>
+          </a:fillRef>
+          <a:effectRef idx="0">
+            <a:schemeClr val="accent1"/>
+          </a:effectRef>
+          <a:fontRef idx="minor">
+            <a:schemeClr val="lt1"/>
+          </a:fontRef>
+        </p:style>
+        <p:txBody>
+          <a:bodyPr rtlCol="0" anchor="ctr"/>
+          <a:lstStyle/>
+          <a:p>
+            <a:pPr algn="ctr"/>
             <a:endParaRPr lang="en-GB"/>
           </a:p>
         </p:txBody>
@@ -5149,7 +8371,7 @@
     </p:spTree>
     <p:extLst>
       <p:ext uri="{BB962C8B-B14F-4D97-AF65-F5344CB8AC3E}">
-        <p14:creationId xmlns:p14="http://schemas.microsoft.com/office/powerpoint/2010/main" val="117945243"/>
+        <p14:creationId xmlns:p14="http://schemas.microsoft.com/office/powerpoint/2010/main" val="204781488"/>
       </p:ext>
     </p:extLst>
   </p:cSld>
@@ -5181,7 +8403,7 @@
           <p:cNvPr id="2" name="Title 1">
             <a:extLst>
               <a:ext uri="{FF2B5EF4-FFF2-40B4-BE49-F238E27FC236}">
-                <a16:creationId xmlns:a16="http://schemas.microsoft.com/office/drawing/2014/main" id="{7B1947D3-28AC-454B-BB3B-7362A7439BEB}"/>
+                <a16:creationId xmlns:a16="http://schemas.microsoft.com/office/drawing/2014/main" id="{ED2F2CB8-ABA4-41C8-83D5-29E3A9FDD3A2}"/>
               </a:ext>
             </a:extLst>
           </p:cNvPr>
@@ -5199,46 +8421,354 @@
           <a:p>
             <a:r>
               <a:rPr lang="en-GB" dirty="0"/>
-              <a:t>Conclusion</a:t>
-            </a:r>
-          </a:p>
-        </p:txBody>
-      </p:sp>
-      <p:sp>
-        <p:nvSpPr>
-          <p:cNvPr id="3" name="Content Placeholder 2">
-            <a:extLst>
-              <a:ext uri="{FF2B5EF4-FFF2-40B4-BE49-F238E27FC236}">
-                <a16:creationId xmlns:a16="http://schemas.microsoft.com/office/drawing/2014/main" id="{35FD89CE-BEA5-4BA8-A5F9-46DB29F6FDC4}"/>
-              </a:ext>
-            </a:extLst>
-          </p:cNvPr>
-          <p:cNvSpPr>
-            <a:spLocks noGrp="1"/>
-          </p:cNvSpPr>
-          <p:nvPr>
-            <p:ph idx="1"/>
-          </p:nvPr>
-        </p:nvSpPr>
-        <p:spPr/>
-        <p:txBody>
-          <a:bodyPr/>
-          <a:lstStyle/>
-          <a:p>
-            <a:endParaRPr lang="en-GB"/>
+              <a:t>Various Approaches to the Sway Problem</a:t>
+            </a:r>
+          </a:p>
+        </p:txBody>
+      </p:sp>
+      <p:sp>
+        <p:nvSpPr>
+          <p:cNvPr id="6" name="Flowchart: Direct Access Storage 5">
+            <a:extLst>
+              <a:ext uri="{FF2B5EF4-FFF2-40B4-BE49-F238E27FC236}">
+                <a16:creationId xmlns:a16="http://schemas.microsoft.com/office/drawing/2014/main" id="{3668AB5C-C9E3-4F4F-954B-126087B7ED36}"/>
+              </a:ext>
+            </a:extLst>
+          </p:cNvPr>
+          <p:cNvSpPr/>
+          <p:nvPr/>
+        </p:nvSpPr>
+        <p:spPr>
+          <a:xfrm>
+            <a:off x="700755" y="2366380"/>
+            <a:ext cx="7392812" cy="2463282"/>
+          </a:xfrm>
+          <a:prstGeom prst="flowChartMagneticDrum">
+            <a:avLst/>
+          </a:prstGeom>
+          <a:noFill/>
+        </p:spPr>
+        <p:style>
+          <a:lnRef idx="2">
+            <a:schemeClr val="accent1">
+              <a:shade val="50000"/>
+            </a:schemeClr>
+          </a:lnRef>
+          <a:fillRef idx="1">
+            <a:schemeClr val="accent1"/>
+          </a:fillRef>
+          <a:effectRef idx="0">
+            <a:schemeClr val="accent1"/>
+          </a:effectRef>
+          <a:fontRef idx="minor">
+            <a:schemeClr val="lt1"/>
+          </a:fontRef>
+        </p:style>
+        <p:txBody>
+          <a:bodyPr rtlCol="0" anchor="ctr"/>
+          <a:lstStyle/>
+          <a:p>
+            <a:pPr algn="ctr"/>
+            <a:endParaRPr lang="en-GB" dirty="0"/>
+          </a:p>
+        </p:txBody>
+      </p:sp>
+      <p:grpSp>
+        <p:nvGrpSpPr>
+          <p:cNvPr id="14" name="Group 13">
+            <a:extLst>
+              <a:ext uri="{FF2B5EF4-FFF2-40B4-BE49-F238E27FC236}">
+                <a16:creationId xmlns:a16="http://schemas.microsoft.com/office/drawing/2014/main" id="{6DFC5905-DC34-4E97-80C6-F438FE32BF11}"/>
+              </a:ext>
+            </a:extLst>
+          </p:cNvPr>
+          <p:cNvGrpSpPr/>
+          <p:nvPr/>
+        </p:nvGrpSpPr>
+        <p:grpSpPr>
+          <a:xfrm rot="2939421">
+            <a:off x="4971518" y="3128238"/>
+            <a:ext cx="263212" cy="1150147"/>
+            <a:chOff x="4971518" y="3128238"/>
+            <a:chExt cx="263212" cy="1150147"/>
+          </a:xfrm>
+        </p:grpSpPr>
+        <p:sp>
+          <p:nvSpPr>
+            <p:cNvPr id="7" name="Smiley Face 6">
+              <a:extLst>
+                <a:ext uri="{FF2B5EF4-FFF2-40B4-BE49-F238E27FC236}">
+                  <a16:creationId xmlns:a16="http://schemas.microsoft.com/office/drawing/2014/main" id="{1413316E-B793-41F4-BDFC-E0414D51AC4C}"/>
+                </a:ext>
+              </a:extLst>
+            </p:cNvPr>
+            <p:cNvSpPr/>
+            <p:nvPr/>
+          </p:nvSpPr>
+          <p:spPr>
+            <a:xfrm>
+              <a:off x="4971518" y="3128238"/>
+              <a:ext cx="263212" cy="417352"/>
+            </a:xfrm>
+            <a:prstGeom prst="smileyFace">
+              <a:avLst/>
+            </a:prstGeom>
+          </p:spPr>
+          <p:style>
+            <a:lnRef idx="2">
+              <a:schemeClr val="accent4">
+                <a:shade val="50000"/>
+              </a:schemeClr>
+            </a:lnRef>
+            <a:fillRef idx="1">
+              <a:schemeClr val="accent4"/>
+            </a:fillRef>
+            <a:effectRef idx="0">
+              <a:schemeClr val="accent4"/>
+            </a:effectRef>
+            <a:fontRef idx="minor">
+              <a:schemeClr val="lt1"/>
+            </a:fontRef>
+          </p:style>
+          <p:txBody>
+            <a:bodyPr rtlCol="0" anchor="ctr"/>
+            <a:lstStyle/>
+            <a:p>
+              <a:pPr algn="ctr"/>
+              <a:endParaRPr lang="en-GB" dirty="0"/>
+            </a:p>
+          </p:txBody>
+        </p:sp>
+        <p:cxnSp>
+          <p:nvCxnSpPr>
+            <p:cNvPr id="13" name="Straight Connector 12">
+              <a:extLst>
+                <a:ext uri="{FF2B5EF4-FFF2-40B4-BE49-F238E27FC236}">
+                  <a16:creationId xmlns:a16="http://schemas.microsoft.com/office/drawing/2014/main" id="{39B55BE4-AF54-40F7-88AE-C539F12BE855}"/>
+                </a:ext>
+              </a:extLst>
+            </p:cNvPr>
+            <p:cNvCxnSpPr>
+              <a:stCxn id="7" idx="4"/>
+            </p:cNvCxnSpPr>
+            <p:nvPr/>
+          </p:nvCxnSpPr>
+          <p:spPr>
+            <a:xfrm>
+              <a:off x="5103124" y="3545590"/>
+              <a:ext cx="14160" cy="732795"/>
+            </a:xfrm>
+            <a:prstGeom prst="line">
+              <a:avLst/>
+            </a:prstGeom>
+          </p:spPr>
+          <p:style>
+            <a:lnRef idx="1">
+              <a:schemeClr val="dk1"/>
+            </a:lnRef>
+            <a:fillRef idx="0">
+              <a:schemeClr val="dk1"/>
+            </a:fillRef>
+            <a:effectRef idx="0">
+              <a:schemeClr val="dk1"/>
+            </a:effectRef>
+            <a:fontRef idx="minor">
+              <a:schemeClr val="tx1"/>
+            </a:fontRef>
+          </p:style>
+        </p:cxnSp>
+      </p:grpSp>
+      <p:sp>
+        <p:nvSpPr>
+          <p:cNvPr id="15" name="TextBox 14">
+            <a:extLst>
+              <a:ext uri="{FF2B5EF4-FFF2-40B4-BE49-F238E27FC236}">
+                <a16:creationId xmlns:a16="http://schemas.microsoft.com/office/drawing/2014/main" id="{C2C7DF29-00B2-4B1B-91E4-CC82F15EC66D}"/>
+              </a:ext>
+            </a:extLst>
+          </p:cNvPr>
+          <p:cNvSpPr txBox="1"/>
+          <p:nvPr/>
+        </p:nvSpPr>
+        <p:spPr>
+          <a:xfrm>
+            <a:off x="3048000" y="5513294"/>
+            <a:ext cx="6096000" cy="369332"/>
+          </a:xfrm>
+          <a:prstGeom prst="rect">
+            <a:avLst/>
+          </a:prstGeom>
+          <a:noFill/>
+        </p:spPr>
+        <p:txBody>
+          <a:bodyPr wrap="square" rtlCol="0">
+            <a:spAutoFit/>
+          </a:bodyPr>
+          <a:lstStyle/>
+          <a:p>
+            <a:pPr algn="ctr"/>
+            <a:r>
+              <a:rPr lang="en-GB" dirty="0"/>
+              <a:t>Moving the stimuli</a:t>
+            </a:r>
           </a:p>
         </p:txBody>
       </p:sp>
     </p:spTree>
     <p:extLst>
       <p:ext uri="{BB962C8B-B14F-4D97-AF65-F5344CB8AC3E}">
-        <p14:creationId xmlns:p14="http://schemas.microsoft.com/office/powerpoint/2010/main" val="3894254547"/>
+        <p14:creationId xmlns:p14="http://schemas.microsoft.com/office/powerpoint/2010/main" val="433309599"/>
       </p:ext>
     </p:extLst>
   </p:cSld>
   <p:clrMapOvr>
     <a:masterClrMapping/>
   </p:clrMapOvr>
+  <p:timing>
+    <p:tnLst>
+      <p:par>
+        <p:cTn id="1" dur="indefinite" restart="never" nodeType="tmRoot">
+          <p:childTnLst>
+            <p:seq concurrent="1" nextAc="seek">
+              <p:cTn id="2" dur="indefinite" nodeType="mainSeq">
+                <p:childTnLst>
+                  <p:par>
+                    <p:cTn id="3" fill="hold">
+                      <p:stCondLst>
+                        <p:cond delay="indefinite"/>
+                      </p:stCondLst>
+                      <p:childTnLst>
+                        <p:par>
+                          <p:cTn id="4" fill="hold">
+                            <p:stCondLst>
+                              <p:cond delay="0"/>
+                            </p:stCondLst>
+                            <p:childTnLst>
+                              <p:par>
+                                <p:cTn id="5" presetID="42" presetClass="path" presetSubtype="0" accel="50000" decel="50000" fill="hold" grpId="0" nodeType="clickEffect">
+                                  <p:stCondLst>
+                                    <p:cond delay="0"/>
+                                  </p:stCondLst>
+                                  <p:childTnLst>
+                                    <p:animMotion origin="layout" path="M 3.125E-6 2.96296E-6 L 0.21653 0.00023 " pathEditMode="relative" rAng="0" ptsTypes="AA">
+                                      <p:cBhvr>
+                                        <p:cTn id="6" dur="2000" fill="hold"/>
+                                        <p:tgtEl>
+                                          <p:spTgt spid="6"/>
+                                        </p:tgtEl>
+                                        <p:attrNameLst>
+                                          <p:attrName>ppt_x</p:attrName>
+                                          <p:attrName>ppt_y</p:attrName>
+                                        </p:attrNameLst>
+                                      </p:cBhvr>
+                                      <p:rCtr x="10820" y="0"/>
+                                    </p:animMotion>
+                                  </p:childTnLst>
+                                </p:cTn>
+                              </p:par>
+                              <p:par>
+                                <p:cTn id="7" presetID="8" presetClass="emph" presetSubtype="0" fill="hold" nodeType="withEffect">
+                                  <p:stCondLst>
+                                    <p:cond delay="0"/>
+                                  </p:stCondLst>
+                                  <p:childTnLst>
+                                    <p:animRot by="-5400000">
+                                      <p:cBhvr>
+                                        <p:cTn id="8" dur="2000" fill="hold"/>
+                                        <p:tgtEl>
+                                          <p:spTgt spid="14"/>
+                                        </p:tgtEl>
+                                        <p:attrNameLst>
+                                          <p:attrName>r</p:attrName>
+                                        </p:attrNameLst>
+                                      </p:cBhvr>
+                                    </p:animRot>
+                                  </p:childTnLst>
+                                </p:cTn>
+                              </p:par>
+                            </p:childTnLst>
+                          </p:cTn>
+                        </p:par>
+                        <p:par>
+                          <p:cTn id="9" fill="hold">
+                            <p:stCondLst>
+                              <p:cond delay="2000"/>
+                            </p:stCondLst>
+                            <p:childTnLst>
+                              <p:par>
+                                <p:cTn id="10" presetID="42" presetClass="path" presetSubtype="0" accel="50000" decel="50000" fill="hold" grpId="1" nodeType="afterEffect">
+                                  <p:stCondLst>
+                                    <p:cond delay="0"/>
+                                  </p:stCondLst>
+                                  <p:childTnLst>
+                                    <p:animMotion origin="layout" path="M 0.21653 0.00023 L 3.125E-6 2.96296E-6 " pathEditMode="relative" rAng="0" ptsTypes="AA">
+                                      <p:cBhvr>
+                                        <p:cTn id="11" dur="2000" fill="hold"/>
+                                        <p:tgtEl>
+                                          <p:spTgt spid="6"/>
+                                        </p:tgtEl>
+                                        <p:attrNameLst>
+                                          <p:attrName>ppt_x</p:attrName>
+                                          <p:attrName>ppt_y</p:attrName>
+                                        </p:attrNameLst>
+                                      </p:cBhvr>
+                                      <p:rCtr x="-10833" y="-23"/>
+                                    </p:animMotion>
+                                  </p:childTnLst>
+                                </p:cTn>
+                              </p:par>
+                              <p:par>
+                                <p:cTn id="12" presetID="8" presetClass="emph" presetSubtype="0" fill="hold" nodeType="withEffect">
+                                  <p:stCondLst>
+                                    <p:cond delay="0"/>
+                                  </p:stCondLst>
+                                  <p:childTnLst>
+                                    <p:animRot by="5400000">
+                                      <p:cBhvr>
+                                        <p:cTn id="13" dur="2000" fill="hold"/>
+                                        <p:tgtEl>
+                                          <p:spTgt spid="14"/>
+                                        </p:tgtEl>
+                                        <p:attrNameLst>
+                                          <p:attrName>r</p:attrName>
+                                        </p:attrNameLst>
+                                      </p:cBhvr>
+                                    </p:animRot>
+                                  </p:childTnLst>
+                                </p:cTn>
+                              </p:par>
+                            </p:childTnLst>
+                          </p:cTn>
+                        </p:par>
+                      </p:childTnLst>
+                    </p:cTn>
+                  </p:par>
+                </p:childTnLst>
+              </p:cTn>
+              <p:prevCondLst>
+                <p:cond evt="onPrev" delay="0">
+                  <p:tgtEl>
+                    <p:sldTgt/>
+                  </p:tgtEl>
+                </p:cond>
+              </p:prevCondLst>
+              <p:nextCondLst>
+                <p:cond evt="onNext" delay="0">
+                  <p:tgtEl>
+                    <p:sldTgt/>
+                  </p:tgtEl>
+                </p:cond>
+              </p:nextCondLst>
+            </p:seq>
+          </p:childTnLst>
+        </p:cTn>
+      </p:par>
+    </p:tnLst>
+    <p:bldLst>
+      <p:bldP spid="6" grpId="0" animBg="1"/>
+      <p:bldP spid="6" grpId="1" animBg="1"/>
+    </p:bldLst>
+  </p:timing>
 </p:sld>
 </file>
 
@@ -5261,10 +8791,10 @@
       </p:grpSpPr>
       <p:sp>
         <p:nvSpPr>
-          <p:cNvPr id="2" name="Title 1">
-            <a:extLst>
-              <a:ext uri="{FF2B5EF4-FFF2-40B4-BE49-F238E27FC236}">
-                <a16:creationId xmlns:a16="http://schemas.microsoft.com/office/drawing/2014/main" id="{17CE863F-9B76-434F-BAF5-439D8EEA8231}"/>
+          <p:cNvPr id="5" name="Title 1">
+            <a:extLst>
+              <a:ext uri="{FF2B5EF4-FFF2-40B4-BE49-F238E27FC236}">
+                <a16:creationId xmlns:a16="http://schemas.microsoft.com/office/drawing/2014/main" id="{8AC9D74C-6ACC-4EFE-9E0D-A69B2106C2D4}"/>
               </a:ext>
             </a:extLst>
           </p:cNvPr>
@@ -5275,53 +8805,791 @@
             <p:ph type="title"/>
           </p:nvPr>
         </p:nvSpPr>
-        <p:spPr/>
+        <p:spPr>
+          <a:xfrm>
+            <a:off x="838200" y="365125"/>
+            <a:ext cx="10515600" cy="1325563"/>
+          </a:xfrm>
+        </p:spPr>
         <p:txBody>
           <a:bodyPr/>
           <a:lstStyle/>
           <a:p>
             <a:r>
               <a:rPr lang="en-GB" dirty="0"/>
-              <a:t>Demo!</a:t>
-            </a:r>
-          </a:p>
-        </p:txBody>
-      </p:sp>
-      <p:sp>
-        <p:nvSpPr>
-          <p:cNvPr id="3" name="Content Placeholder 2">
-            <a:extLst>
-              <a:ext uri="{FF2B5EF4-FFF2-40B4-BE49-F238E27FC236}">
-                <a16:creationId xmlns:a16="http://schemas.microsoft.com/office/drawing/2014/main" id="{5515070C-DAA2-4E26-B4A2-28B6FAA480A0}"/>
-              </a:ext>
-            </a:extLst>
-          </p:cNvPr>
-          <p:cNvSpPr>
-            <a:spLocks noGrp="1"/>
-          </p:cNvSpPr>
-          <p:nvPr>
-            <p:ph idx="1"/>
-          </p:nvPr>
-        </p:nvSpPr>
-        <p:spPr/>
-        <p:txBody>
-          <a:bodyPr/>
-          <a:lstStyle/>
-          <a:p>
+              <a:t>Various Approaches to the Sway Problem</a:t>
+            </a:r>
+          </a:p>
+        </p:txBody>
+      </p:sp>
+      <p:grpSp>
+        <p:nvGrpSpPr>
+          <p:cNvPr id="10" name="Group 9">
+            <a:extLst>
+              <a:ext uri="{FF2B5EF4-FFF2-40B4-BE49-F238E27FC236}">
+                <a16:creationId xmlns:a16="http://schemas.microsoft.com/office/drawing/2014/main" id="{1E3D4131-5CDF-4437-8DED-27ADA534939E}"/>
+              </a:ext>
+            </a:extLst>
+          </p:cNvPr>
+          <p:cNvGrpSpPr/>
+          <p:nvPr/>
+        </p:nvGrpSpPr>
+        <p:grpSpPr>
+          <a:xfrm>
+            <a:off x="3041239" y="2375202"/>
+            <a:ext cx="634013" cy="4067108"/>
+            <a:chOff x="4923830" y="3128238"/>
+            <a:chExt cx="358588" cy="2300294"/>
+          </a:xfrm>
+        </p:grpSpPr>
+        <p:grpSp>
+          <p:nvGrpSpPr>
+            <p:cNvPr id="6" name="Group 5">
+              <a:extLst>
+                <a:ext uri="{FF2B5EF4-FFF2-40B4-BE49-F238E27FC236}">
+                  <a16:creationId xmlns:a16="http://schemas.microsoft.com/office/drawing/2014/main" id="{4A9A53D7-854F-4E21-90D1-6B5E7CC31247}"/>
+                </a:ext>
+              </a:extLst>
+            </p:cNvPr>
+            <p:cNvGrpSpPr/>
+            <p:nvPr/>
+          </p:nvGrpSpPr>
+          <p:grpSpPr>
+            <a:xfrm>
+              <a:off x="4971518" y="3128238"/>
+              <a:ext cx="263212" cy="1150147"/>
+              <a:chOff x="4971518" y="3128238"/>
+              <a:chExt cx="263212" cy="1150147"/>
+            </a:xfrm>
+          </p:grpSpPr>
+          <p:sp>
+            <p:nvSpPr>
+              <p:cNvPr id="7" name="Smiley Face 6">
+                <a:extLst>
+                  <a:ext uri="{FF2B5EF4-FFF2-40B4-BE49-F238E27FC236}">
+                    <a16:creationId xmlns:a16="http://schemas.microsoft.com/office/drawing/2014/main" id="{722572F6-FC30-42C0-9622-494F61DC1E20}"/>
+                  </a:ext>
+                </a:extLst>
+              </p:cNvPr>
+              <p:cNvSpPr/>
+              <p:nvPr/>
+            </p:nvSpPr>
+            <p:spPr>
+              <a:xfrm>
+                <a:off x="4971518" y="3128238"/>
+                <a:ext cx="263212" cy="417352"/>
+              </a:xfrm>
+              <a:prstGeom prst="smileyFace">
+                <a:avLst/>
+              </a:prstGeom>
+            </p:spPr>
+            <p:style>
+              <a:lnRef idx="2">
+                <a:schemeClr val="accent4">
+                  <a:shade val="50000"/>
+                </a:schemeClr>
+              </a:lnRef>
+              <a:fillRef idx="1">
+                <a:schemeClr val="accent4"/>
+              </a:fillRef>
+              <a:effectRef idx="0">
+                <a:schemeClr val="accent4"/>
+              </a:effectRef>
+              <a:fontRef idx="minor">
+                <a:schemeClr val="lt1"/>
+              </a:fontRef>
+            </p:style>
+            <p:txBody>
+              <a:bodyPr rtlCol="0" anchor="ctr"/>
+              <a:lstStyle/>
+              <a:p>
+                <a:pPr algn="ctr"/>
+                <a:endParaRPr lang="en-GB" dirty="0"/>
+              </a:p>
+            </p:txBody>
+          </p:sp>
+          <p:cxnSp>
+            <p:nvCxnSpPr>
+              <p:cNvPr id="8" name="Straight Connector 7">
+                <a:extLst>
+                  <a:ext uri="{FF2B5EF4-FFF2-40B4-BE49-F238E27FC236}">
+                    <a16:creationId xmlns:a16="http://schemas.microsoft.com/office/drawing/2014/main" id="{C4EE5B14-F52F-4651-99E7-09E1D95FAD17}"/>
+                  </a:ext>
+                </a:extLst>
+              </p:cNvPr>
+              <p:cNvCxnSpPr>
+                <a:stCxn id="7" idx="4"/>
+              </p:cNvCxnSpPr>
+              <p:nvPr/>
+            </p:nvCxnSpPr>
+            <p:spPr>
+              <a:xfrm>
+                <a:off x="5103124" y="3545590"/>
+                <a:ext cx="14160" cy="732795"/>
+              </a:xfrm>
+              <a:prstGeom prst="line">
+                <a:avLst/>
+              </a:prstGeom>
+            </p:spPr>
+            <p:style>
+              <a:lnRef idx="1">
+                <a:schemeClr val="dk1"/>
+              </a:lnRef>
+              <a:fillRef idx="0">
+                <a:schemeClr val="dk1"/>
+              </a:fillRef>
+              <a:effectRef idx="0">
+                <a:schemeClr val="dk1"/>
+              </a:effectRef>
+              <a:fontRef idx="minor">
+                <a:schemeClr val="tx1"/>
+              </a:fontRef>
+            </p:style>
+          </p:cxnSp>
+        </p:grpSp>
+        <p:sp>
+          <p:nvSpPr>
+            <p:cNvPr id="9" name="Rectangle 8">
+              <a:extLst>
+                <a:ext uri="{FF2B5EF4-FFF2-40B4-BE49-F238E27FC236}">
+                  <a16:creationId xmlns:a16="http://schemas.microsoft.com/office/drawing/2014/main" id="{9642768C-3982-428A-86E0-F2BA5AC93128}"/>
+                </a:ext>
+              </a:extLst>
+            </p:cNvPr>
+            <p:cNvSpPr/>
+            <p:nvPr/>
+          </p:nvSpPr>
+          <p:spPr>
+            <a:xfrm>
+              <a:off x="4923830" y="4278385"/>
+              <a:ext cx="358588" cy="1150147"/>
+            </a:xfrm>
+            <a:prstGeom prst="rect">
+              <a:avLst/>
+            </a:prstGeom>
+            <a:noFill/>
+            <a:ln>
+              <a:solidFill>
+                <a:schemeClr val="bg1"/>
+              </a:solidFill>
+            </a:ln>
+          </p:spPr>
+          <p:style>
+            <a:lnRef idx="2">
+              <a:schemeClr val="accent1">
+                <a:shade val="50000"/>
+              </a:schemeClr>
+            </a:lnRef>
+            <a:fillRef idx="1">
+              <a:schemeClr val="accent1"/>
+            </a:fillRef>
+            <a:effectRef idx="0">
+              <a:schemeClr val="accent1"/>
+            </a:effectRef>
+            <a:fontRef idx="minor">
+              <a:schemeClr val="lt1"/>
+            </a:fontRef>
+          </p:style>
+          <p:txBody>
+            <a:bodyPr rtlCol="0" anchor="ctr"/>
+            <a:lstStyle/>
+            <a:p>
+              <a:pPr algn="ctr"/>
+              <a:endParaRPr lang="en-GB"/>
+            </a:p>
+          </p:txBody>
+        </p:sp>
+      </p:grpSp>
+      <p:grpSp>
+        <p:nvGrpSpPr>
+          <p:cNvPr id="18" name="Group 17">
+            <a:extLst>
+              <a:ext uri="{FF2B5EF4-FFF2-40B4-BE49-F238E27FC236}">
+                <a16:creationId xmlns:a16="http://schemas.microsoft.com/office/drawing/2014/main" id="{029578DA-A188-4425-B9BA-9255D1EA9BA2}"/>
+              </a:ext>
+            </a:extLst>
+          </p:cNvPr>
+          <p:cNvGrpSpPr/>
+          <p:nvPr/>
+        </p:nvGrpSpPr>
+        <p:grpSpPr>
+          <a:xfrm>
+            <a:off x="6735858" y="2108748"/>
+            <a:ext cx="964826" cy="4126109"/>
+            <a:chOff x="3616138" y="2745243"/>
+            <a:chExt cx="545691" cy="2333665"/>
+          </a:xfrm>
+        </p:grpSpPr>
+        <p:grpSp>
+          <p:nvGrpSpPr>
+            <p:cNvPr id="11" name="Group 10">
+              <a:extLst>
+                <a:ext uri="{FF2B5EF4-FFF2-40B4-BE49-F238E27FC236}">
+                  <a16:creationId xmlns:a16="http://schemas.microsoft.com/office/drawing/2014/main" id="{594EED4A-B143-413F-B6FA-BE5384DF585B}"/>
+                </a:ext>
+              </a:extLst>
+            </p:cNvPr>
+            <p:cNvGrpSpPr/>
+            <p:nvPr/>
+          </p:nvGrpSpPr>
+          <p:grpSpPr>
+            <a:xfrm>
+              <a:off x="3803241" y="3195966"/>
+              <a:ext cx="358588" cy="1882942"/>
+              <a:chOff x="4923830" y="3545590"/>
+              <a:chExt cx="358588" cy="1882942"/>
+            </a:xfrm>
+          </p:grpSpPr>
+          <p:cxnSp>
+            <p:nvCxnSpPr>
+              <p:cNvPr id="15" name="Straight Connector 14">
+                <a:extLst>
+                  <a:ext uri="{FF2B5EF4-FFF2-40B4-BE49-F238E27FC236}">
+                    <a16:creationId xmlns:a16="http://schemas.microsoft.com/office/drawing/2014/main" id="{1C04CFE2-5DA6-4EE0-B240-D45734206025}"/>
+                  </a:ext>
+                </a:extLst>
+              </p:cNvPr>
+              <p:cNvCxnSpPr>
+                <a:cxnSpLocks/>
+              </p:cNvCxnSpPr>
+              <p:nvPr/>
+            </p:nvCxnSpPr>
+            <p:spPr>
+              <a:xfrm>
+                <a:off x="5103124" y="3545590"/>
+                <a:ext cx="14160" cy="732795"/>
+              </a:xfrm>
+              <a:prstGeom prst="line">
+                <a:avLst/>
+              </a:prstGeom>
+            </p:spPr>
+            <p:style>
+              <a:lnRef idx="1">
+                <a:schemeClr val="dk1"/>
+              </a:lnRef>
+              <a:fillRef idx="0">
+                <a:schemeClr val="dk1"/>
+              </a:fillRef>
+              <a:effectRef idx="0">
+                <a:schemeClr val="dk1"/>
+              </a:effectRef>
+              <a:fontRef idx="minor">
+                <a:schemeClr val="tx1"/>
+              </a:fontRef>
+            </p:style>
+          </p:cxnSp>
+          <p:sp>
+            <p:nvSpPr>
+              <p:cNvPr id="13" name="Rectangle 12">
+                <a:extLst>
+                  <a:ext uri="{FF2B5EF4-FFF2-40B4-BE49-F238E27FC236}">
+                    <a16:creationId xmlns:a16="http://schemas.microsoft.com/office/drawing/2014/main" id="{E48AE364-DFD6-418F-A97B-2ED6BA0F523F}"/>
+                  </a:ext>
+                </a:extLst>
+              </p:cNvPr>
+              <p:cNvSpPr/>
+              <p:nvPr/>
+            </p:nvSpPr>
+            <p:spPr>
+              <a:xfrm>
+                <a:off x="4923830" y="4278385"/>
+                <a:ext cx="358588" cy="1150147"/>
+              </a:xfrm>
+              <a:prstGeom prst="rect">
+                <a:avLst/>
+              </a:prstGeom>
+              <a:noFill/>
+              <a:ln>
+                <a:solidFill>
+                  <a:schemeClr val="bg1"/>
+                </a:solidFill>
+              </a:ln>
+            </p:spPr>
+            <p:style>
+              <a:lnRef idx="2">
+                <a:schemeClr val="accent1">
+                  <a:shade val="50000"/>
+                </a:schemeClr>
+              </a:lnRef>
+              <a:fillRef idx="1">
+                <a:schemeClr val="accent1"/>
+              </a:fillRef>
+              <a:effectRef idx="0">
+                <a:schemeClr val="accent1"/>
+              </a:effectRef>
+              <a:fontRef idx="minor">
+                <a:schemeClr val="lt1"/>
+              </a:fontRef>
+            </p:style>
+            <p:txBody>
+              <a:bodyPr rtlCol="0" anchor="ctr"/>
+              <a:lstStyle/>
+              <a:p>
+                <a:pPr algn="ctr"/>
+                <a:endParaRPr lang="en-GB"/>
+              </a:p>
+            </p:txBody>
+          </p:sp>
+        </p:grpSp>
+        <p:sp>
+          <p:nvSpPr>
+            <p:cNvPr id="16" name="Flowchart: Manual Operation 15">
+              <a:extLst>
+                <a:ext uri="{FF2B5EF4-FFF2-40B4-BE49-F238E27FC236}">
+                  <a16:creationId xmlns:a16="http://schemas.microsoft.com/office/drawing/2014/main" id="{8FECF46D-2D00-4D55-ABF0-F384A4ECD8A5}"/>
+                </a:ext>
+              </a:extLst>
+            </p:cNvPr>
+            <p:cNvSpPr/>
+            <p:nvPr/>
+          </p:nvSpPr>
+          <p:spPr>
+            <a:xfrm rot="16200000">
+              <a:off x="3460565" y="2900816"/>
+              <a:ext cx="484094" cy="172947"/>
+            </a:xfrm>
+            <a:prstGeom prst="flowChartManualOperation">
+              <a:avLst/>
+            </a:prstGeom>
+          </p:spPr>
+          <p:style>
+            <a:lnRef idx="2">
+              <a:schemeClr val="dk1"/>
+            </a:lnRef>
+            <a:fillRef idx="1">
+              <a:schemeClr val="lt1"/>
+            </a:fillRef>
+            <a:effectRef idx="0">
+              <a:schemeClr val="dk1"/>
+            </a:effectRef>
+            <a:fontRef idx="minor">
+              <a:schemeClr val="dk1"/>
+            </a:fontRef>
+          </p:style>
+          <p:txBody>
+            <a:bodyPr rtlCol="0" anchor="ctr"/>
+            <a:lstStyle/>
+            <a:p>
+              <a:pPr algn="ctr"/>
+              <a:endParaRPr lang="en-GB"/>
+            </a:p>
+          </p:txBody>
+        </p:sp>
+        <p:sp>
+          <p:nvSpPr>
+            <p:cNvPr id="17" name="Rectangle 16">
+              <a:extLst>
+                <a:ext uri="{FF2B5EF4-FFF2-40B4-BE49-F238E27FC236}">
+                  <a16:creationId xmlns:a16="http://schemas.microsoft.com/office/drawing/2014/main" id="{B2A33AE2-25B6-4DB6-AE5A-1C50BE31CBC5}"/>
+                </a:ext>
+              </a:extLst>
+            </p:cNvPr>
+            <p:cNvSpPr/>
+            <p:nvPr/>
+          </p:nvSpPr>
+          <p:spPr>
+            <a:xfrm>
+              <a:off x="3803241" y="2778614"/>
+              <a:ext cx="358588" cy="417352"/>
+            </a:xfrm>
+            <a:prstGeom prst="rect">
+              <a:avLst/>
+            </a:prstGeom>
+          </p:spPr>
+          <p:style>
+            <a:lnRef idx="2">
+              <a:schemeClr val="dk1"/>
+            </a:lnRef>
+            <a:fillRef idx="1">
+              <a:schemeClr val="lt1"/>
+            </a:fillRef>
+            <a:effectRef idx="0">
+              <a:schemeClr val="dk1"/>
+            </a:effectRef>
+            <a:fontRef idx="minor">
+              <a:schemeClr val="dk1"/>
+            </a:fontRef>
+          </p:style>
+          <p:txBody>
+            <a:bodyPr rtlCol="0" anchor="ctr"/>
+            <a:lstStyle/>
+            <a:p>
+              <a:pPr algn="ctr"/>
+              <a:endParaRPr lang="en-GB" dirty="0"/>
+            </a:p>
+          </p:txBody>
+        </p:sp>
+      </p:grpSp>
+      <p:sp>
+        <p:nvSpPr>
+          <p:cNvPr id="19" name="Oval 18">
+            <a:extLst>
+              <a:ext uri="{FF2B5EF4-FFF2-40B4-BE49-F238E27FC236}">
+                <a16:creationId xmlns:a16="http://schemas.microsoft.com/office/drawing/2014/main" id="{3D6B7418-D8F1-4134-8913-5C7E8E9325B2}"/>
+              </a:ext>
+            </a:extLst>
+          </p:cNvPr>
+          <p:cNvSpPr/>
+          <p:nvPr/>
+        </p:nvSpPr>
+        <p:spPr>
+          <a:xfrm>
+            <a:off x="7292172" y="4077061"/>
+            <a:ext cx="233083" cy="233083"/>
+          </a:xfrm>
+          <a:prstGeom prst="ellipse">
+            <a:avLst/>
+          </a:prstGeom>
+        </p:spPr>
+        <p:style>
+          <a:lnRef idx="2">
+            <a:schemeClr val="accent1">
+              <a:shade val="50000"/>
+            </a:schemeClr>
+          </a:lnRef>
+          <a:fillRef idx="1">
+            <a:schemeClr val="accent1"/>
+          </a:fillRef>
+          <a:effectRef idx="0">
+            <a:schemeClr val="accent1"/>
+          </a:effectRef>
+          <a:fontRef idx="minor">
+            <a:schemeClr val="lt1"/>
+          </a:fontRef>
+        </p:style>
+        <p:txBody>
+          <a:bodyPr rtlCol="0" anchor="ctr"/>
+          <a:lstStyle/>
+          <a:p>
+            <a:pPr algn="ctr"/>
+            <a:endParaRPr lang="en-GB"/>
+          </a:p>
+        </p:txBody>
+      </p:sp>
+      <p:sp>
+        <p:nvSpPr>
+          <p:cNvPr id="20" name="Flowchart: Connector 19">
+            <a:extLst>
+              <a:ext uri="{FF2B5EF4-FFF2-40B4-BE49-F238E27FC236}">
+                <a16:creationId xmlns:a16="http://schemas.microsoft.com/office/drawing/2014/main" id="{FED896C4-02F6-4C03-862C-7E54380B4D31}"/>
+              </a:ext>
+            </a:extLst>
+          </p:cNvPr>
+          <p:cNvSpPr/>
+          <p:nvPr/>
+        </p:nvSpPr>
+        <p:spPr>
+          <a:xfrm>
+            <a:off x="4979278" y="1965490"/>
+            <a:ext cx="4515991" cy="4515991"/>
+          </a:xfrm>
+          <a:prstGeom prst="flowChartConnector">
+            <a:avLst/>
+          </a:prstGeom>
+          <a:noFill/>
+        </p:spPr>
+        <p:style>
+          <a:lnRef idx="2">
+            <a:schemeClr val="accent1">
+              <a:shade val="50000"/>
+            </a:schemeClr>
+          </a:lnRef>
+          <a:fillRef idx="1">
+            <a:schemeClr val="accent1"/>
+          </a:fillRef>
+          <a:effectRef idx="0">
+            <a:schemeClr val="accent1"/>
+          </a:effectRef>
+          <a:fontRef idx="minor">
+            <a:schemeClr val="lt1"/>
+          </a:fontRef>
+        </p:style>
+        <p:txBody>
+          <a:bodyPr rtlCol="0" anchor="ctr"/>
+          <a:lstStyle/>
+          <a:p>
+            <a:pPr algn="ctr"/>
+            <a:endParaRPr lang="en-GB"/>
+          </a:p>
+        </p:txBody>
+      </p:sp>
+      <p:sp>
+        <p:nvSpPr>
+          <p:cNvPr id="21" name="Flowchart: Connector 20">
+            <a:extLst>
+              <a:ext uri="{FF2B5EF4-FFF2-40B4-BE49-F238E27FC236}">
+                <a16:creationId xmlns:a16="http://schemas.microsoft.com/office/drawing/2014/main" id="{9D4C7FD2-DD6E-4238-8F7F-CE08BCAE2619}"/>
+              </a:ext>
+            </a:extLst>
+          </p:cNvPr>
+          <p:cNvSpPr/>
+          <p:nvPr/>
+        </p:nvSpPr>
+        <p:spPr>
+          <a:xfrm>
+            <a:off x="4979279" y="3291053"/>
+            <a:ext cx="4515990" cy="1876862"/>
+          </a:xfrm>
+          <a:prstGeom prst="flowChartConnector">
+            <a:avLst/>
+          </a:prstGeom>
+          <a:noFill/>
+        </p:spPr>
+        <p:style>
+          <a:lnRef idx="2">
+            <a:schemeClr val="accent1">
+              <a:shade val="50000"/>
+            </a:schemeClr>
+          </a:lnRef>
+          <a:fillRef idx="1">
+            <a:schemeClr val="accent1"/>
+          </a:fillRef>
+          <a:effectRef idx="0">
+            <a:schemeClr val="accent1"/>
+          </a:effectRef>
+          <a:fontRef idx="minor">
+            <a:schemeClr val="lt1"/>
+          </a:fontRef>
+        </p:style>
+        <p:txBody>
+          <a:bodyPr rtlCol="0" anchor="ctr"/>
+          <a:lstStyle/>
+          <a:p>
+            <a:pPr algn="ctr"/>
             <a:endParaRPr lang="en-GB" dirty="0"/>
+          </a:p>
+        </p:txBody>
+      </p:sp>
+      <p:sp>
+        <p:nvSpPr>
+          <p:cNvPr id="22" name="Flowchart: Connector 21">
+            <a:extLst>
+              <a:ext uri="{FF2B5EF4-FFF2-40B4-BE49-F238E27FC236}">
+                <a16:creationId xmlns:a16="http://schemas.microsoft.com/office/drawing/2014/main" id="{7C856C04-F2B4-44FE-AE91-716E99FC659C}"/>
+              </a:ext>
+            </a:extLst>
+          </p:cNvPr>
+          <p:cNvSpPr/>
+          <p:nvPr/>
+        </p:nvSpPr>
+        <p:spPr>
+          <a:xfrm rot="16200000">
+            <a:off x="5034177" y="3285053"/>
+            <a:ext cx="4515991" cy="1876862"/>
+          </a:xfrm>
+          <a:prstGeom prst="flowChartConnector">
+            <a:avLst/>
+          </a:prstGeom>
+          <a:noFill/>
+        </p:spPr>
+        <p:style>
+          <a:lnRef idx="2">
+            <a:schemeClr val="accent1">
+              <a:shade val="50000"/>
+            </a:schemeClr>
+          </a:lnRef>
+          <a:fillRef idx="1">
+            <a:schemeClr val="accent1"/>
+          </a:fillRef>
+          <a:effectRef idx="0">
+            <a:schemeClr val="accent1"/>
+          </a:effectRef>
+          <a:fontRef idx="minor">
+            <a:schemeClr val="lt1"/>
+          </a:fontRef>
+        </p:style>
+        <p:txBody>
+          <a:bodyPr rtlCol="0" anchor="ctr"/>
+          <a:lstStyle/>
+          <a:p>
+            <a:pPr algn="ctr"/>
+            <a:endParaRPr lang="en-GB"/>
+          </a:p>
+        </p:txBody>
+      </p:sp>
+      <p:sp>
+        <p:nvSpPr>
+          <p:cNvPr id="23" name="TextBox 22">
+            <a:extLst>
+              <a:ext uri="{FF2B5EF4-FFF2-40B4-BE49-F238E27FC236}">
+                <a16:creationId xmlns:a16="http://schemas.microsoft.com/office/drawing/2014/main" id="{3C24460C-4687-4522-AF7A-0798A567C740}"/>
+              </a:ext>
+            </a:extLst>
+          </p:cNvPr>
+          <p:cNvSpPr txBox="1"/>
+          <p:nvPr/>
+        </p:nvSpPr>
+        <p:spPr>
+          <a:xfrm>
+            <a:off x="3048000" y="5513294"/>
+            <a:ext cx="6096000" cy="369332"/>
+          </a:xfrm>
+          <a:prstGeom prst="rect">
+            <a:avLst/>
+          </a:prstGeom>
+          <a:noFill/>
+        </p:spPr>
+        <p:txBody>
+          <a:bodyPr wrap="square" rtlCol="0">
+            <a:spAutoFit/>
+          </a:bodyPr>
+          <a:lstStyle/>
+          <a:p>
+            <a:pPr algn="ctr"/>
+            <a:r>
+              <a:rPr lang="en-GB" dirty="0"/>
+              <a:t>Inverse pendulum camera</a:t>
+            </a:r>
           </a:p>
         </p:txBody>
       </p:sp>
     </p:spTree>
     <p:extLst>
       <p:ext uri="{BB962C8B-B14F-4D97-AF65-F5344CB8AC3E}">
-        <p14:creationId xmlns:p14="http://schemas.microsoft.com/office/powerpoint/2010/main" val="3034195672"/>
+        <p14:creationId xmlns:p14="http://schemas.microsoft.com/office/powerpoint/2010/main" val="3913196835"/>
       </p:ext>
     </p:extLst>
   </p:cSld>
   <p:clrMapOvr>
     <a:masterClrMapping/>
   </p:clrMapOvr>
+  <p:timing>
+    <p:tnLst>
+      <p:par>
+        <p:cTn id="1" dur="indefinite" restart="never" nodeType="tmRoot">
+          <p:childTnLst>
+            <p:seq concurrent="1" nextAc="seek">
+              <p:cTn id="2" dur="indefinite" nodeType="mainSeq">
+                <p:childTnLst>
+                  <p:par>
+                    <p:cTn id="3" fill="hold">
+                      <p:stCondLst>
+                        <p:cond delay="indefinite"/>
+                      </p:stCondLst>
+                      <p:childTnLst>
+                        <p:par>
+                          <p:cTn id="4" fill="hold">
+                            <p:stCondLst>
+                              <p:cond delay="0"/>
+                            </p:stCondLst>
+                            <p:childTnLst>
+                              <p:par>
+                                <p:cTn id="5" presetID="8" presetClass="emph" presetSubtype="0" fill="hold" nodeType="clickEffect">
+                                  <p:stCondLst>
+                                    <p:cond delay="0"/>
+                                  </p:stCondLst>
+                                  <p:childTnLst>
+                                    <p:animRot by="-5400000">
+                                      <p:cBhvr>
+                                        <p:cTn id="6" dur="2000" fill="hold"/>
+                                        <p:tgtEl>
+                                          <p:spTgt spid="10"/>
+                                        </p:tgtEl>
+                                        <p:attrNameLst>
+                                          <p:attrName>r</p:attrName>
+                                        </p:attrNameLst>
+                                      </p:cBhvr>
+                                    </p:animRot>
+                                  </p:childTnLst>
+                                </p:cTn>
+                              </p:par>
+                              <p:par>
+                                <p:cTn id="7" presetID="8" presetClass="emph" presetSubtype="0" fill="hold" nodeType="withEffect">
+                                  <p:stCondLst>
+                                    <p:cond delay="0"/>
+                                  </p:stCondLst>
+                                  <p:childTnLst>
+                                    <p:animRot by="-10800000">
+                                      <p:cBhvr>
+                                        <p:cTn id="8" dur="2000" fill="hold"/>
+                                        <p:tgtEl>
+                                          <p:spTgt spid="18"/>
+                                        </p:tgtEl>
+                                        <p:attrNameLst>
+                                          <p:attrName>r</p:attrName>
+                                        </p:attrNameLst>
+                                      </p:cBhvr>
+                                    </p:animRot>
+                                  </p:childTnLst>
+                                </p:cTn>
+                              </p:par>
+                            </p:childTnLst>
+                          </p:cTn>
+                        </p:par>
+                        <p:par>
+                          <p:cTn id="9" fill="hold">
+                            <p:stCondLst>
+                              <p:cond delay="2000"/>
+                            </p:stCondLst>
+                            <p:childTnLst>
+                              <p:par>
+                                <p:cTn id="10" presetID="8" presetClass="emph" presetSubtype="0" fill="hold" nodeType="afterEffect">
+                                  <p:stCondLst>
+                                    <p:cond delay="0"/>
+                                  </p:stCondLst>
+                                  <p:childTnLst>
+                                    <p:animRot by="5400000">
+                                      <p:cBhvr>
+                                        <p:cTn id="11" dur="2000" fill="hold"/>
+                                        <p:tgtEl>
+                                          <p:spTgt spid="10"/>
+                                        </p:tgtEl>
+                                        <p:attrNameLst>
+                                          <p:attrName>r</p:attrName>
+                                        </p:attrNameLst>
+                                      </p:cBhvr>
+                                    </p:animRot>
+                                  </p:childTnLst>
+                                </p:cTn>
+                              </p:par>
+                              <p:par>
+                                <p:cTn id="12" presetID="8" presetClass="emph" presetSubtype="0" fill="hold" nodeType="withEffect">
+                                  <p:stCondLst>
+                                    <p:cond delay="0"/>
+                                  </p:stCondLst>
+                                  <p:childTnLst>
+                                    <p:animRot by="10800000">
+                                      <p:cBhvr>
+                                        <p:cTn id="13" dur="2000" fill="hold"/>
+                                        <p:tgtEl>
+                                          <p:spTgt spid="18"/>
+                                        </p:tgtEl>
+                                        <p:attrNameLst>
+                                          <p:attrName>r</p:attrName>
+                                        </p:attrNameLst>
+                                      </p:cBhvr>
+                                    </p:animRot>
+                                  </p:childTnLst>
+                                </p:cTn>
+                              </p:par>
+                            </p:childTnLst>
+                          </p:cTn>
+                        </p:par>
+                      </p:childTnLst>
+                    </p:cTn>
+                  </p:par>
+                </p:childTnLst>
+              </p:cTn>
+              <p:prevCondLst>
+                <p:cond evt="onPrev" delay="0">
+                  <p:tgtEl>
+                    <p:sldTgt/>
+                  </p:tgtEl>
+                </p:cond>
+              </p:prevCondLst>
+              <p:nextCondLst>
+                <p:cond evt="onNext" delay="0">
+                  <p:tgtEl>
+                    <p:sldTgt/>
+                  </p:tgtEl>
+                </p:cond>
+              </p:nextCondLst>
+            </p:seq>
+          </p:childTnLst>
+        </p:cTn>
+      </p:par>
+    </p:tnLst>
+  </p:timing>
 </p:sld>
 </file>
 
@@ -5621,6 +9889,21 @@
 </file>
 
 <file path=customXml/item1.xml><?xml version="1.0" encoding="utf-8"?>
+<p:properties xmlns:p="http://schemas.microsoft.com/office/2006/metadata/properties" xmlns:xsi="http://www.w3.org/2001/XMLSchema-instance" xmlns:pc="http://schemas.microsoft.com/office/infopath/2007/PartnerControls">
+  <documentManagement/>
+</p:properties>
+</file>
+
+<file path=customXml/item2.xml><?xml version="1.0" encoding="utf-8"?>
+<?mso-contentType ?>
+<FormTemplates xmlns="http://schemas.microsoft.com/sharepoint/v3/contenttype/forms">
+  <Display>DocumentLibraryForm</Display>
+  <Edit>DocumentLibraryForm</Edit>
+  <New>DocumentLibraryForm</New>
+</FormTemplates>
+</file>
+
+<file path=customXml/item3.xml><?xml version="1.0" encoding="utf-8"?>
 <ct:contentTypeSchema xmlns:ct="http://schemas.microsoft.com/office/2006/metadata/contentType" xmlns:ma="http://schemas.microsoft.com/office/2006/metadata/properties/metaAttributes" ct:_="" ma:_="" ma:contentTypeName="Document" ma:contentTypeID="0x010100671F3E597055F348978C09935AD4BBF1" ma:contentTypeVersion="4" ma:contentTypeDescription="Create a new document." ma:contentTypeScope="" ma:versionID="60c82adea7226c0da4eb439339a695fd">
   <xsd:schema xmlns:xsd="http://www.w3.org/2001/XMLSchema" xmlns:xs="http://www.w3.org/2001/XMLSchema" xmlns:p="http://schemas.microsoft.com/office/2006/metadata/properties" xmlns:ns3="941ec19e-05d2-4c73-83f1-33c0826d4f25" targetNamespace="http://schemas.microsoft.com/office/2006/metadata/properties" ma:root="true" ma:fieldsID="5cedb84fd95784f14337226d9b31c074" ns3:_="">
     <xsd:import namespace="941ec19e-05d2-4c73-83f1-33c0826d4f25"/>
@@ -5766,22 +10049,31 @@
 </ct:contentTypeSchema>
 </file>
 
-<file path=customXml/item2.xml><?xml version="1.0" encoding="utf-8"?>
-<?mso-contentType ?>
-<FormTemplates xmlns="http://schemas.microsoft.com/sharepoint/v3/contenttype/forms">
-  <Display>DocumentLibraryForm</Display>
-  <Edit>DocumentLibraryForm</Edit>
-  <New>DocumentLibraryForm</New>
-</FormTemplates>
+<file path=customXml/itemProps1.xml><?xml version="1.0" encoding="utf-8"?>
+<ds:datastoreItem xmlns:ds="http://schemas.openxmlformats.org/officeDocument/2006/customXml" ds:itemID="{78691892-D668-4D8B-AB3E-83E75F381DC8}">
+  <ds:schemaRefs>
+    <ds:schemaRef ds:uri="http://purl.org/dc/elements/1.1/"/>
+    <ds:schemaRef ds:uri="941ec19e-05d2-4c73-83f1-33c0826d4f25"/>
+    <ds:schemaRef ds:uri="http://purl.org/dc/terms/"/>
+    <ds:schemaRef ds:uri="http://www.w3.org/XML/1998/namespace"/>
+    <ds:schemaRef ds:uri="http://purl.org/dc/dcmitype/"/>
+    <ds:schemaRef ds:uri="http://schemas.microsoft.com/office/2006/documentManagement/types"/>
+    <ds:schemaRef ds:uri="http://schemas.openxmlformats.org/package/2006/metadata/core-properties"/>
+    <ds:schemaRef ds:uri="http://schemas.microsoft.com/office/infopath/2007/PartnerControls"/>
+    <ds:schemaRef ds:uri="http://schemas.microsoft.com/office/2006/metadata/properties"/>
+  </ds:schemaRefs>
+</ds:datastoreItem>
 </file>
 
-<file path=customXml/item3.xml><?xml version="1.0" encoding="utf-8"?>
-<p:properties xmlns:p="http://schemas.microsoft.com/office/2006/metadata/properties" xmlns:xsi="http://www.w3.org/2001/XMLSchema-instance" xmlns:pc="http://schemas.microsoft.com/office/infopath/2007/PartnerControls">
-  <documentManagement/>
-</p:properties>
+<file path=customXml/itemProps2.xml><?xml version="1.0" encoding="utf-8"?>
+<ds:datastoreItem xmlns:ds="http://schemas.openxmlformats.org/officeDocument/2006/customXml" ds:itemID="{3318F662-3AB0-42C3-AEF2-04139E436220}">
+  <ds:schemaRefs>
+    <ds:schemaRef ds:uri="http://schemas.microsoft.com/sharepoint/v3/contenttype/forms"/>
+  </ds:schemaRefs>
+</ds:datastoreItem>
 </file>
 
-<file path=customXml/itemProps1.xml><?xml version="1.0" encoding="utf-8"?>
+<file path=customXml/itemProps3.xml><?xml version="1.0" encoding="utf-8"?>
 <ds:datastoreItem xmlns:ds="http://schemas.openxmlformats.org/officeDocument/2006/customXml" ds:itemID="{8CE92D7D-91EB-4D99-9BBF-7F85DD1617E8}">
   <ds:schemaRefs>
     <ds:schemaRef ds:uri="http://schemas.microsoft.com/office/2006/metadata/contentType"/>
@@ -5797,28 +10089,4 @@
     <ds:schemaRef ds:uri="http://schemas.microsoft.com/internal/obd"/>
   </ds:schemaRefs>
 </ds:datastoreItem>
-</file>
-
-<file path=customXml/itemProps2.xml><?xml version="1.0" encoding="utf-8"?>
-<ds:datastoreItem xmlns:ds="http://schemas.openxmlformats.org/officeDocument/2006/customXml" ds:itemID="{3318F662-3AB0-42C3-AEF2-04139E436220}">
-  <ds:schemaRefs>
-    <ds:schemaRef ds:uri="http://schemas.microsoft.com/sharepoint/v3/contenttype/forms"/>
-  </ds:schemaRefs>
-</ds:datastoreItem>
-</file>
-
-<file path=customXml/itemProps3.xml><?xml version="1.0" encoding="utf-8"?>
-<ds:datastoreItem xmlns:ds="http://schemas.openxmlformats.org/officeDocument/2006/customXml" ds:itemID="{78691892-D668-4D8B-AB3E-83E75F381DC8}">
-  <ds:schemaRefs>
-    <ds:schemaRef ds:uri="http://purl.org/dc/elements/1.1/"/>
-    <ds:schemaRef ds:uri="941ec19e-05d2-4c73-83f1-33c0826d4f25"/>
-    <ds:schemaRef ds:uri="http://purl.org/dc/terms/"/>
-    <ds:schemaRef ds:uri="http://www.w3.org/XML/1998/namespace"/>
-    <ds:schemaRef ds:uri="http://purl.org/dc/dcmitype/"/>
-    <ds:schemaRef ds:uri="http://schemas.microsoft.com/office/2006/documentManagement/types"/>
-    <ds:schemaRef ds:uri="http://schemas.openxmlformats.org/package/2006/metadata/core-properties"/>
-    <ds:schemaRef ds:uri="http://schemas.microsoft.com/office/infopath/2007/PartnerControls"/>
-    <ds:schemaRef ds:uri="http://schemas.microsoft.com/office/2006/metadata/properties"/>
-  </ds:schemaRefs>
-</ds:datastoreItem>
 </file>